--- a/Introduction/Lecture.pptx
+++ b/Introduction/Lecture.pptx
@@ -64,20 +64,14 @@
             <a:noAutofit/>
           </a:bodyPr>
           <a:p>
-            <a:pPr algn="r"/>
+            <a:pPr algn="ctr"/>
             <a:r>
-              <a:rPr b="0" lang="en-US" sz="4400" spc="-1" strike="noStrike">
-                <a:solidFill>
-                  <a:srgbClr val="000000"/>
-                </a:solidFill>
+              <a:rPr b="0" lang="en-CA" sz="4400" spc="-1" strike="noStrike">
                 <a:latin typeface="Arial"/>
               </a:rPr>
               <a:t>Click to move the slide</a:t>
             </a:r>
-            <a:endParaRPr b="0" lang="en-US" sz="4400" spc="-1" strike="noStrike">
-              <a:solidFill>
-                <a:srgbClr val="000000"/>
-              </a:solidFill>
+            <a:endParaRPr b="0" lang="en-CA" sz="4400" spc="-1" strike="noStrike">
               <a:latin typeface="Arial"/>
             </a:endParaRPr>
           </a:p>
@@ -253,7 +247,7 @@
           </a:bodyPr>
           <a:p>
             <a:pPr algn="r"/>
-            <a:fld id="{A0495703-389A-4497-A51D-C7B7F10F6BFB}" type="slidenum">
+            <a:fld id="{DF9860CB-4478-49D0-B7D9-8FD32604811C}" type="slidenum">
               <a:rPr b="0" lang="en-CA" sz="1400" spc="-1" strike="noStrike">
                 <a:latin typeface="Times New Roman"/>
               </a:rPr>
@@ -290,14 +284,14 @@
       </p:grpSpPr>
       <p:sp>
         <p:nvSpPr>
-          <p:cNvPr id="101" name="TextShape 1"/>
-          <p:cNvSpPr txBox="1"/>
+          <p:cNvPr id="101" name="CustomShape 1"/>
+          <p:cNvSpPr/>
           <p:nvPr/>
         </p:nvSpPr>
         <p:spPr>
           <a:xfrm>
             <a:off x="3884760" y="8685360"/>
-            <a:ext cx="2971440" cy="456840"/>
+            <a:ext cx="2971080" cy="456480"/>
           </a:xfrm>
           <a:prstGeom prst="rect">
             <a:avLst/>
@@ -307,8 +301,14 @@
             <a:noFill/>
           </a:ln>
         </p:spPr>
-        <p:txBody>
-          <a:bodyPr anchor="b">
+        <p:style>
+          <a:lnRef idx="0"/>
+          <a:fillRef idx="0"/>
+          <a:effectRef idx="0"/>
+          <a:fontRef idx="minor"/>
+        </p:style>
+        <p:txBody>
+          <a:bodyPr lIns="90000" rIns="90000" tIns="45000" bIns="45000" anchor="b">
             <a:noAutofit/>
           </a:bodyPr>
           <a:p>
@@ -317,7 +317,7 @@
                 <a:spcPct val="100000"/>
               </a:lnSpc>
             </a:pPr>
-            <a:fld id="{71B447B6-6610-4329-A69A-4B1BED283B62}" type="slidenum">
+            <a:fld id="{FAA011BD-9610-4CBD-B3F0-352FB2A70E67}" type="slidenum">
               <a:rPr b="0" lang="en-US" sz="1200" spc="-1" strike="noStrike">
                 <a:latin typeface="Times New Roman"/>
                 <a:ea typeface="Lucida Sans Unicode"/>
@@ -325,7 +325,7 @@
               <a:t>&lt;number&gt;</a:t>
             </a:fld>
             <a:endParaRPr b="0" lang="en-CA" sz="1200" spc="-1" strike="noStrike">
-              <a:latin typeface="Times New Roman"/>
+              <a:latin typeface="Arial"/>
             </a:endParaRPr>
           </a:p>
         </p:txBody>
@@ -343,7 +343,7 @@
         <p:spPr>
           <a:xfrm>
             <a:off x="1143000" y="685800"/>
-            <a:ext cx="4571640" cy="3428640"/>
+            <a:ext cx="4571280" cy="3428280"/>
           </a:xfrm>
           <a:prstGeom prst="rect">
             <a:avLst/>
@@ -363,14 +363,14 @@
         <p:spPr>
           <a:xfrm>
             <a:off x="685800" y="4343400"/>
-            <a:ext cx="5486040" cy="4114440"/>
-          </a:xfrm>
-          <a:prstGeom prst="rect">
-            <a:avLst/>
-          </a:prstGeom>
-        </p:spPr>
-        <p:txBody>
-          <a:bodyPr>
+            <a:ext cx="5485680" cy="4114080"/>
+          </a:xfrm>
+          <a:prstGeom prst="rect">
+            <a:avLst/>
+          </a:prstGeom>
+        </p:spPr>
+        <p:txBody>
+          <a:bodyPr lIns="0" rIns="0" tIns="0" bIns="0">
             <a:noAutofit/>
           </a:bodyPr>
           <a:p>
@@ -404,14 +404,14 @@
       </p:grpSpPr>
       <p:sp>
         <p:nvSpPr>
-          <p:cNvPr id="104" name="TextShape 1"/>
-          <p:cNvSpPr txBox="1"/>
+          <p:cNvPr id="104" name="CustomShape 1"/>
+          <p:cNvSpPr/>
           <p:nvPr/>
         </p:nvSpPr>
         <p:spPr>
           <a:xfrm>
             <a:off x="3884760" y="8685360"/>
-            <a:ext cx="2971440" cy="456840"/>
+            <a:ext cx="2971080" cy="456480"/>
           </a:xfrm>
           <a:prstGeom prst="rect">
             <a:avLst/>
@@ -421,8 +421,14 @@
             <a:noFill/>
           </a:ln>
         </p:spPr>
-        <p:txBody>
-          <a:bodyPr anchor="b">
+        <p:style>
+          <a:lnRef idx="0"/>
+          <a:fillRef idx="0"/>
+          <a:effectRef idx="0"/>
+          <a:fontRef idx="minor"/>
+        </p:style>
+        <p:txBody>
+          <a:bodyPr lIns="90000" rIns="90000" tIns="45000" bIns="45000" anchor="b">
             <a:noAutofit/>
           </a:bodyPr>
           <a:p>
@@ -431,7 +437,7 @@
                 <a:spcPct val="100000"/>
               </a:lnSpc>
             </a:pPr>
-            <a:fld id="{DC9C9135-47F0-4FB2-B4EB-179B6CFB9D5F}" type="slidenum">
+            <a:fld id="{76E59792-F906-4FEB-9403-449A947CA169}" type="slidenum">
               <a:rPr b="0" lang="en-US" sz="1200" spc="-1" strike="noStrike">
                 <a:latin typeface="Times New Roman"/>
                 <a:ea typeface="Lucida Sans Unicode"/>
@@ -439,7 +445,7 @@
               <a:t>&lt;number&gt;</a:t>
             </a:fld>
             <a:endParaRPr b="0" lang="en-CA" sz="1200" spc="-1" strike="noStrike">
-              <a:latin typeface="Times New Roman"/>
+              <a:latin typeface="Arial"/>
             </a:endParaRPr>
           </a:p>
         </p:txBody>
@@ -457,7 +463,7 @@
         <p:spPr>
           <a:xfrm>
             <a:off x="1143000" y="685800"/>
-            <a:ext cx="4571640" cy="3428640"/>
+            <a:ext cx="4571280" cy="3428280"/>
           </a:xfrm>
           <a:prstGeom prst="rect">
             <a:avLst/>
@@ -477,14 +483,14 @@
         <p:spPr>
           <a:xfrm>
             <a:off x="685800" y="4343400"/>
-            <a:ext cx="5486040" cy="4114440"/>
-          </a:xfrm>
-          <a:prstGeom prst="rect">
-            <a:avLst/>
-          </a:prstGeom>
-        </p:spPr>
-        <p:txBody>
-          <a:bodyPr>
+            <a:ext cx="5485680" cy="4114080"/>
+          </a:xfrm>
+          <a:prstGeom prst="rect">
+            <a:avLst/>
+          </a:prstGeom>
+        </p:spPr>
+        <p:txBody>
+          <a:bodyPr lIns="0" rIns="0" tIns="0" bIns="0">
             <a:noAutofit/>
           </a:bodyPr>
           <a:p>
@@ -518,14 +524,14 @@
       </p:grpSpPr>
       <p:sp>
         <p:nvSpPr>
-          <p:cNvPr id="107" name="TextShape 1"/>
-          <p:cNvSpPr txBox="1"/>
+          <p:cNvPr id="107" name="CustomShape 1"/>
+          <p:cNvSpPr/>
           <p:nvPr/>
         </p:nvSpPr>
         <p:spPr>
           <a:xfrm>
             <a:off x="3884760" y="8685360"/>
-            <a:ext cx="2971440" cy="456840"/>
+            <a:ext cx="2971080" cy="456480"/>
           </a:xfrm>
           <a:prstGeom prst="rect">
             <a:avLst/>
@@ -535,8 +541,14 @@
             <a:noFill/>
           </a:ln>
         </p:spPr>
-        <p:txBody>
-          <a:bodyPr anchor="b">
+        <p:style>
+          <a:lnRef idx="0"/>
+          <a:fillRef idx="0"/>
+          <a:effectRef idx="0"/>
+          <a:fontRef idx="minor"/>
+        </p:style>
+        <p:txBody>
+          <a:bodyPr lIns="90000" rIns="90000" tIns="45000" bIns="45000" anchor="b">
             <a:noAutofit/>
           </a:bodyPr>
           <a:p>
@@ -545,7 +557,7 @@
                 <a:spcPct val="100000"/>
               </a:lnSpc>
             </a:pPr>
-            <a:fld id="{13BFE757-4254-45BC-8546-11957F68F3D3}" type="slidenum">
+            <a:fld id="{0D47E349-7501-4D52-9A7D-9A00C6814818}" type="slidenum">
               <a:rPr b="0" lang="en-US" sz="1200" spc="-1" strike="noStrike">
                 <a:latin typeface="Times New Roman"/>
                 <a:ea typeface="Lucida Sans Unicode"/>
@@ -553,7 +565,7 @@
               <a:t>&lt;number&gt;</a:t>
             </a:fld>
             <a:endParaRPr b="0" lang="en-CA" sz="1200" spc="-1" strike="noStrike">
-              <a:latin typeface="Times New Roman"/>
+              <a:latin typeface="Arial"/>
             </a:endParaRPr>
           </a:p>
         </p:txBody>
@@ -571,7 +583,7 @@
         <p:spPr>
           <a:xfrm>
             <a:off x="1143000" y="685800"/>
-            <a:ext cx="4571640" cy="3428640"/>
+            <a:ext cx="4571280" cy="3428280"/>
           </a:xfrm>
           <a:prstGeom prst="rect">
             <a:avLst/>
@@ -591,14 +603,14 @@
         <p:spPr>
           <a:xfrm>
             <a:off x="685800" y="4343400"/>
-            <a:ext cx="5486040" cy="4114440"/>
-          </a:xfrm>
-          <a:prstGeom prst="rect">
-            <a:avLst/>
-          </a:prstGeom>
-        </p:spPr>
-        <p:txBody>
-          <a:bodyPr>
+            <a:ext cx="5485680" cy="4114080"/>
+          </a:xfrm>
+          <a:prstGeom prst="rect">
+            <a:avLst/>
+          </a:prstGeom>
+        </p:spPr>
+        <p:txBody>
+          <a:bodyPr lIns="0" rIns="0" tIns="0" bIns="0">
             <a:noAutofit/>
           </a:bodyPr>
           <a:p>
@@ -632,14 +644,14 @@
       </p:grpSpPr>
       <p:sp>
         <p:nvSpPr>
-          <p:cNvPr id="110" name="TextShape 1"/>
-          <p:cNvSpPr txBox="1"/>
+          <p:cNvPr id="110" name="CustomShape 1"/>
+          <p:cNvSpPr/>
           <p:nvPr/>
         </p:nvSpPr>
         <p:spPr>
           <a:xfrm>
             <a:off x="3884760" y="8685360"/>
-            <a:ext cx="2971440" cy="456840"/>
+            <a:ext cx="2971080" cy="456480"/>
           </a:xfrm>
           <a:prstGeom prst="rect">
             <a:avLst/>
@@ -649,8 +661,14 @@
             <a:noFill/>
           </a:ln>
         </p:spPr>
-        <p:txBody>
-          <a:bodyPr anchor="b">
+        <p:style>
+          <a:lnRef idx="0"/>
+          <a:fillRef idx="0"/>
+          <a:effectRef idx="0"/>
+          <a:fontRef idx="minor"/>
+        </p:style>
+        <p:txBody>
+          <a:bodyPr lIns="90000" rIns="90000" tIns="45000" bIns="45000" anchor="b">
             <a:noAutofit/>
           </a:bodyPr>
           <a:p>
@@ -659,7 +677,7 @@
                 <a:spcPct val="100000"/>
               </a:lnSpc>
             </a:pPr>
-            <a:fld id="{93A0259E-5B66-425D-8A2E-D8DA0680D457}" type="slidenum">
+            <a:fld id="{02E039FB-92FE-489D-8181-564A40519928}" type="slidenum">
               <a:rPr b="0" lang="en-US" sz="1200" spc="-1" strike="noStrike">
                 <a:latin typeface="Times New Roman"/>
                 <a:ea typeface="Lucida Sans Unicode"/>
@@ -667,7 +685,7 @@
               <a:t>&lt;number&gt;</a:t>
             </a:fld>
             <a:endParaRPr b="0" lang="en-CA" sz="1200" spc="-1" strike="noStrike">
-              <a:latin typeface="Times New Roman"/>
+              <a:latin typeface="Arial"/>
             </a:endParaRPr>
           </a:p>
         </p:txBody>
@@ -685,7 +703,7 @@
         <p:spPr>
           <a:xfrm>
             <a:off x="1143000" y="685800"/>
-            <a:ext cx="4571640" cy="3428640"/>
+            <a:ext cx="4571280" cy="3428280"/>
           </a:xfrm>
           <a:prstGeom prst="rect">
             <a:avLst/>
@@ -705,14 +723,14 @@
         <p:spPr>
           <a:xfrm>
             <a:off x="685800" y="4343400"/>
-            <a:ext cx="5486040" cy="4114440"/>
-          </a:xfrm>
-          <a:prstGeom prst="rect">
-            <a:avLst/>
-          </a:prstGeom>
-        </p:spPr>
-        <p:txBody>
-          <a:bodyPr>
+            <a:ext cx="5485680" cy="4114080"/>
+          </a:xfrm>
+          <a:prstGeom prst="rect">
+            <a:avLst/>
+          </a:prstGeom>
+        </p:spPr>
+        <p:txBody>
+          <a:bodyPr lIns="0" rIns="0" tIns="0" bIns="0">
             <a:noAutofit/>
           </a:bodyPr>
           <a:p>
@@ -746,14 +764,14 @@
       </p:grpSpPr>
       <p:sp>
         <p:nvSpPr>
-          <p:cNvPr id="113" name="TextShape 1"/>
-          <p:cNvSpPr txBox="1"/>
+          <p:cNvPr id="113" name="CustomShape 1"/>
+          <p:cNvSpPr/>
           <p:nvPr/>
         </p:nvSpPr>
         <p:spPr>
           <a:xfrm>
             <a:off x="3884760" y="8685360"/>
-            <a:ext cx="2971440" cy="456840"/>
+            <a:ext cx="2971080" cy="456480"/>
           </a:xfrm>
           <a:prstGeom prst="rect">
             <a:avLst/>
@@ -763,8 +781,14 @@
             <a:noFill/>
           </a:ln>
         </p:spPr>
-        <p:txBody>
-          <a:bodyPr anchor="b">
+        <p:style>
+          <a:lnRef idx="0"/>
+          <a:fillRef idx="0"/>
+          <a:effectRef idx="0"/>
+          <a:fontRef idx="minor"/>
+        </p:style>
+        <p:txBody>
+          <a:bodyPr lIns="90000" rIns="90000" tIns="45000" bIns="45000" anchor="b">
             <a:noAutofit/>
           </a:bodyPr>
           <a:p>
@@ -773,7 +797,7 @@
                 <a:spcPct val="100000"/>
               </a:lnSpc>
             </a:pPr>
-            <a:fld id="{C333EEBD-3A4C-43C8-91C1-A6405DC5A297}" type="slidenum">
+            <a:fld id="{29E31662-24DB-4672-89CC-44E7DD035B12}" type="slidenum">
               <a:rPr b="0" lang="en-US" sz="1200" spc="-1" strike="noStrike">
                 <a:latin typeface="Times New Roman"/>
                 <a:ea typeface="Lucida Sans Unicode"/>
@@ -781,7 +805,7 @@
               <a:t>&lt;number&gt;</a:t>
             </a:fld>
             <a:endParaRPr b="0" lang="en-CA" sz="1200" spc="-1" strike="noStrike">
-              <a:latin typeface="Times New Roman"/>
+              <a:latin typeface="Arial"/>
             </a:endParaRPr>
           </a:p>
         </p:txBody>
@@ -799,7 +823,7 @@
         <p:spPr>
           <a:xfrm>
             <a:off x="1143000" y="685800"/>
-            <a:ext cx="4571640" cy="3428640"/>
+            <a:ext cx="4571280" cy="3428280"/>
           </a:xfrm>
           <a:prstGeom prst="rect">
             <a:avLst/>
@@ -819,14 +843,14 @@
         <p:spPr>
           <a:xfrm>
             <a:off x="685800" y="4343400"/>
-            <a:ext cx="5486040" cy="4114440"/>
-          </a:xfrm>
-          <a:prstGeom prst="rect">
-            <a:avLst/>
-          </a:prstGeom>
-        </p:spPr>
-        <p:txBody>
-          <a:bodyPr>
+            <a:ext cx="5485680" cy="4114080"/>
+          </a:xfrm>
+          <a:prstGeom prst="rect">
+            <a:avLst/>
+          </a:prstGeom>
+        </p:spPr>
+        <p:txBody>
+          <a:bodyPr lIns="0" rIns="0" tIns="0" bIns="0">
             <a:noAutofit/>
           </a:bodyPr>
           <a:p>
@@ -860,14 +884,14 @@
       </p:grpSpPr>
       <p:sp>
         <p:nvSpPr>
-          <p:cNvPr id="116" name="TextShape 1"/>
-          <p:cNvSpPr txBox="1"/>
+          <p:cNvPr id="116" name="CustomShape 1"/>
+          <p:cNvSpPr/>
           <p:nvPr/>
         </p:nvSpPr>
         <p:spPr>
           <a:xfrm>
             <a:off x="3884760" y="8685360"/>
-            <a:ext cx="2971440" cy="456840"/>
+            <a:ext cx="2971080" cy="456480"/>
           </a:xfrm>
           <a:prstGeom prst="rect">
             <a:avLst/>
@@ -877,8 +901,14 @@
             <a:noFill/>
           </a:ln>
         </p:spPr>
-        <p:txBody>
-          <a:bodyPr anchor="b">
+        <p:style>
+          <a:lnRef idx="0"/>
+          <a:fillRef idx="0"/>
+          <a:effectRef idx="0"/>
+          <a:fontRef idx="minor"/>
+        </p:style>
+        <p:txBody>
+          <a:bodyPr lIns="90000" rIns="90000" tIns="45000" bIns="45000" anchor="b">
             <a:noAutofit/>
           </a:bodyPr>
           <a:p>
@@ -887,7 +917,7 @@
                 <a:spcPct val="100000"/>
               </a:lnSpc>
             </a:pPr>
-            <a:fld id="{4A70C645-DDCC-4C19-8F00-59CA2E0D8201}" type="slidenum">
+            <a:fld id="{71C00E6B-CF9E-4E1F-BC5E-BBDAD6E9124E}" type="slidenum">
               <a:rPr b="0" lang="en-US" sz="1200" spc="-1" strike="noStrike">
                 <a:latin typeface="Times New Roman"/>
                 <a:ea typeface="Lucida Sans Unicode"/>
@@ -895,7 +925,7 @@
               <a:t>&lt;number&gt;</a:t>
             </a:fld>
             <a:endParaRPr b="0" lang="en-CA" sz="1200" spc="-1" strike="noStrike">
-              <a:latin typeface="Times New Roman"/>
+              <a:latin typeface="Arial"/>
             </a:endParaRPr>
           </a:p>
         </p:txBody>
@@ -913,7 +943,7 @@
         <p:spPr>
           <a:xfrm>
             <a:off x="1143000" y="685800"/>
-            <a:ext cx="4571640" cy="3428640"/>
+            <a:ext cx="4571280" cy="3428280"/>
           </a:xfrm>
           <a:prstGeom prst="rect">
             <a:avLst/>
@@ -933,14 +963,14 @@
         <p:spPr>
           <a:xfrm>
             <a:off x="685800" y="4343400"/>
-            <a:ext cx="5486040" cy="4114440"/>
-          </a:xfrm>
-          <a:prstGeom prst="rect">
-            <a:avLst/>
-          </a:prstGeom>
-        </p:spPr>
-        <p:txBody>
-          <a:bodyPr>
+            <a:ext cx="5485680" cy="4114080"/>
+          </a:xfrm>
+          <a:prstGeom prst="rect">
+            <a:avLst/>
+          </a:prstGeom>
+        </p:spPr>
+        <p:txBody>
+          <a:bodyPr lIns="0" rIns="0" tIns="0" bIns="0">
             <a:noAutofit/>
           </a:bodyPr>
           <a:p>
@@ -974,14 +1004,14 @@
       </p:grpSpPr>
       <p:sp>
         <p:nvSpPr>
-          <p:cNvPr id="119" name="TextShape 1"/>
-          <p:cNvSpPr txBox="1"/>
+          <p:cNvPr id="119" name="CustomShape 1"/>
+          <p:cNvSpPr/>
           <p:nvPr/>
         </p:nvSpPr>
         <p:spPr>
           <a:xfrm>
             <a:off x="3884760" y="8685360"/>
-            <a:ext cx="2971440" cy="456840"/>
+            <a:ext cx="2971080" cy="456480"/>
           </a:xfrm>
           <a:prstGeom prst="rect">
             <a:avLst/>
@@ -991,8 +1021,14 @@
             <a:noFill/>
           </a:ln>
         </p:spPr>
-        <p:txBody>
-          <a:bodyPr anchor="b">
+        <p:style>
+          <a:lnRef idx="0"/>
+          <a:fillRef idx="0"/>
+          <a:effectRef idx="0"/>
+          <a:fontRef idx="minor"/>
+        </p:style>
+        <p:txBody>
+          <a:bodyPr lIns="90000" rIns="90000" tIns="45000" bIns="45000" anchor="b">
             <a:noAutofit/>
           </a:bodyPr>
           <a:p>
@@ -1001,7 +1037,7 @@
                 <a:spcPct val="100000"/>
               </a:lnSpc>
             </a:pPr>
-            <a:fld id="{E93DE769-83A7-4FF0-B617-0067350B881F}" type="slidenum">
+            <a:fld id="{32D55D77-2201-40A4-B4C6-FB051D2BEBBB}" type="slidenum">
               <a:rPr b="0" lang="en-US" sz="1200" spc="-1" strike="noStrike">
                 <a:latin typeface="Times New Roman"/>
                 <a:ea typeface="Lucida Sans Unicode"/>
@@ -1009,7 +1045,7 @@
               <a:t>&lt;number&gt;</a:t>
             </a:fld>
             <a:endParaRPr b="0" lang="en-CA" sz="1200" spc="-1" strike="noStrike">
-              <a:latin typeface="Times New Roman"/>
+              <a:latin typeface="Arial"/>
             </a:endParaRPr>
           </a:p>
         </p:txBody>
@@ -1027,7 +1063,7 @@
         <p:spPr>
           <a:xfrm>
             <a:off x="1143000" y="685800"/>
-            <a:ext cx="4571640" cy="3428640"/>
+            <a:ext cx="4571280" cy="3428280"/>
           </a:xfrm>
           <a:prstGeom prst="rect">
             <a:avLst/>
@@ -1047,14 +1083,14 @@
         <p:spPr>
           <a:xfrm>
             <a:off x="685800" y="4343400"/>
-            <a:ext cx="5486040" cy="4114440"/>
-          </a:xfrm>
-          <a:prstGeom prst="rect">
-            <a:avLst/>
-          </a:prstGeom>
-        </p:spPr>
-        <p:txBody>
-          <a:bodyPr>
+            <a:ext cx="5485680" cy="4114080"/>
+          </a:xfrm>
+          <a:prstGeom prst="rect">
+            <a:avLst/>
+          </a:prstGeom>
+        </p:spPr>
+        <p:txBody>
+          <a:bodyPr lIns="0" rIns="0" tIns="0" bIns="0">
             <a:noAutofit/>
           </a:bodyPr>
           <a:p>
@@ -1120,8 +1156,8 @@
         </p:nvSpPr>
         <p:spPr>
           <a:xfrm>
-            <a:off x="457200" y="274680"/>
-            <a:ext cx="8229240" cy="1142640"/>
+            <a:off x="457200" y="273600"/>
+            <a:ext cx="8229240" cy="1144800"/>
           </a:xfrm>
           <a:prstGeom prst="rect">
             <a:avLst/>
@@ -1132,11 +1168,8 @@
             <a:noAutofit/>
           </a:bodyPr>
           <a:p>
-            <a:pPr algn="r"/>
-            <a:endParaRPr b="0" lang="en-US" sz="4400" spc="-1" strike="noStrike">
-              <a:solidFill>
-                <a:srgbClr val="000000"/>
-              </a:solidFill>
+            <a:pPr algn="ctr"/>
+            <a:endParaRPr b="0" lang="en-CA" sz="4400" spc="-1" strike="noStrike">
               <a:latin typeface="Arial"/>
             </a:endParaRPr>
           </a:p>
@@ -1154,8 +1187,8 @@
         </p:nvSpPr>
         <p:spPr>
           <a:xfrm>
-            <a:off x="457200" y="1600200"/>
-            <a:ext cx="8229240" cy="2158560"/>
+            <a:off x="457200" y="1604520"/>
+            <a:ext cx="8229240" cy="1896840"/>
           </a:xfrm>
           <a:prstGeom prst="rect">
             <a:avLst/>
@@ -1166,11 +1199,8 @@
             <a:normAutofit/>
           </a:bodyPr>
           <a:p>
-            <a:endParaRPr b="0" lang="en-US" sz="3200" spc="-1" strike="noStrike">
-              <a:solidFill>
-                <a:srgbClr val="000000"/>
-              </a:solidFill>
-              <a:latin typeface="Calibri"/>
+            <a:endParaRPr b="0" lang="en-CA" sz="3200" spc="-1" strike="noStrike">
+              <a:latin typeface="Arial"/>
             </a:endParaRPr>
           </a:p>
         </p:txBody>
@@ -1187,8 +1217,8 @@
         </p:nvSpPr>
         <p:spPr>
           <a:xfrm>
-            <a:off x="457200" y="3964320"/>
-            <a:ext cx="8229240" cy="2158560"/>
+            <a:off x="457200" y="3682080"/>
+            <a:ext cx="8229240" cy="1896840"/>
           </a:xfrm>
           <a:prstGeom prst="rect">
             <a:avLst/>
@@ -1199,11 +1229,8 @@
             <a:normAutofit/>
           </a:bodyPr>
           <a:p>
-            <a:endParaRPr b="0" lang="en-US" sz="3200" spc="-1" strike="noStrike">
-              <a:solidFill>
-                <a:srgbClr val="000000"/>
-              </a:solidFill>
-              <a:latin typeface="Calibri"/>
+            <a:endParaRPr b="0" lang="en-CA" sz="3200" spc="-1" strike="noStrike">
+              <a:latin typeface="Arial"/>
             </a:endParaRPr>
           </a:p>
         </p:txBody>
@@ -1242,8 +1269,8 @@
         </p:nvSpPr>
         <p:spPr>
           <a:xfrm>
-            <a:off x="457200" y="274680"/>
-            <a:ext cx="8229240" cy="1142640"/>
+            <a:off x="457200" y="273600"/>
+            <a:ext cx="8229240" cy="1144800"/>
           </a:xfrm>
           <a:prstGeom prst="rect">
             <a:avLst/>
@@ -1254,11 +1281,8 @@
             <a:noAutofit/>
           </a:bodyPr>
           <a:p>
-            <a:pPr algn="r"/>
-            <a:endParaRPr b="0" lang="en-US" sz="4400" spc="-1" strike="noStrike">
-              <a:solidFill>
-                <a:srgbClr val="000000"/>
-              </a:solidFill>
+            <a:pPr algn="ctr"/>
+            <a:endParaRPr b="0" lang="en-CA" sz="4400" spc="-1" strike="noStrike">
               <a:latin typeface="Arial"/>
             </a:endParaRPr>
           </a:p>
@@ -1276,8 +1300,8 @@
         </p:nvSpPr>
         <p:spPr>
           <a:xfrm>
-            <a:off x="457200" y="1600200"/>
-            <a:ext cx="4015800" cy="2158560"/>
+            <a:off x="457200" y="1604520"/>
+            <a:ext cx="4015800" cy="1896840"/>
           </a:xfrm>
           <a:prstGeom prst="rect">
             <a:avLst/>
@@ -1288,11 +1312,8 @@
             <a:normAutofit/>
           </a:bodyPr>
           <a:p>
-            <a:endParaRPr b="0" lang="en-US" sz="3200" spc="-1" strike="noStrike">
-              <a:solidFill>
-                <a:srgbClr val="000000"/>
-              </a:solidFill>
-              <a:latin typeface="Calibri"/>
+            <a:endParaRPr b="0" lang="en-CA" sz="3200" spc="-1" strike="noStrike">
+              <a:latin typeface="Arial"/>
             </a:endParaRPr>
           </a:p>
         </p:txBody>
@@ -1309,8 +1330,8 @@
         </p:nvSpPr>
         <p:spPr>
           <a:xfrm>
-            <a:off x="4674240" y="1600200"/>
-            <a:ext cx="4015800" cy="2158560"/>
+            <a:off x="4674240" y="1604520"/>
+            <a:ext cx="4015800" cy="1896840"/>
           </a:xfrm>
           <a:prstGeom prst="rect">
             <a:avLst/>
@@ -1321,11 +1342,8 @@
             <a:normAutofit/>
           </a:bodyPr>
           <a:p>
-            <a:endParaRPr b="0" lang="en-US" sz="3200" spc="-1" strike="noStrike">
-              <a:solidFill>
-                <a:srgbClr val="000000"/>
-              </a:solidFill>
-              <a:latin typeface="Calibri"/>
+            <a:endParaRPr b="0" lang="en-CA" sz="3200" spc="-1" strike="noStrike">
+              <a:latin typeface="Arial"/>
             </a:endParaRPr>
           </a:p>
         </p:txBody>
@@ -1342,8 +1360,8 @@
         </p:nvSpPr>
         <p:spPr>
           <a:xfrm>
-            <a:off x="457200" y="3964320"/>
-            <a:ext cx="4015800" cy="2158560"/>
+            <a:off x="457200" y="3682080"/>
+            <a:ext cx="4015800" cy="1896840"/>
           </a:xfrm>
           <a:prstGeom prst="rect">
             <a:avLst/>
@@ -1354,11 +1372,8 @@
             <a:normAutofit/>
           </a:bodyPr>
           <a:p>
-            <a:endParaRPr b="0" lang="en-US" sz="3200" spc="-1" strike="noStrike">
-              <a:solidFill>
-                <a:srgbClr val="000000"/>
-              </a:solidFill>
-              <a:latin typeface="Calibri"/>
+            <a:endParaRPr b="0" lang="en-CA" sz="3200" spc="-1" strike="noStrike">
+              <a:latin typeface="Arial"/>
             </a:endParaRPr>
           </a:p>
         </p:txBody>
@@ -1375,8 +1390,8 @@
         </p:nvSpPr>
         <p:spPr>
           <a:xfrm>
-            <a:off x="4674240" y="3964320"/>
-            <a:ext cx="4015800" cy="2158560"/>
+            <a:off x="4674240" y="3682080"/>
+            <a:ext cx="4015800" cy="1896840"/>
           </a:xfrm>
           <a:prstGeom prst="rect">
             <a:avLst/>
@@ -1387,11 +1402,8 @@
             <a:normAutofit/>
           </a:bodyPr>
           <a:p>
-            <a:endParaRPr b="0" lang="en-US" sz="3200" spc="-1" strike="noStrike">
-              <a:solidFill>
-                <a:srgbClr val="000000"/>
-              </a:solidFill>
-              <a:latin typeface="Calibri"/>
+            <a:endParaRPr b="0" lang="en-CA" sz="3200" spc="-1" strike="noStrike">
+              <a:latin typeface="Arial"/>
             </a:endParaRPr>
           </a:p>
         </p:txBody>
@@ -1430,8 +1442,8 @@
         </p:nvSpPr>
         <p:spPr>
           <a:xfrm>
-            <a:off x="457200" y="274680"/>
-            <a:ext cx="8229240" cy="1142640"/>
+            <a:off x="457200" y="273600"/>
+            <a:ext cx="8229240" cy="1144800"/>
           </a:xfrm>
           <a:prstGeom prst="rect">
             <a:avLst/>
@@ -1442,11 +1454,8 @@
             <a:noAutofit/>
           </a:bodyPr>
           <a:p>
-            <a:pPr algn="r"/>
-            <a:endParaRPr b="0" lang="en-US" sz="4400" spc="-1" strike="noStrike">
-              <a:solidFill>
-                <a:srgbClr val="000000"/>
-              </a:solidFill>
+            <a:pPr algn="ctr"/>
+            <a:endParaRPr b="0" lang="en-CA" sz="4400" spc="-1" strike="noStrike">
               <a:latin typeface="Arial"/>
             </a:endParaRPr>
           </a:p>
@@ -1464,8 +1473,8 @@
         </p:nvSpPr>
         <p:spPr>
           <a:xfrm>
-            <a:off x="457200" y="1600200"/>
-            <a:ext cx="2649600" cy="2158560"/>
+            <a:off x="457200" y="1604520"/>
+            <a:ext cx="2649600" cy="1896840"/>
           </a:xfrm>
           <a:prstGeom prst="rect">
             <a:avLst/>
@@ -1476,11 +1485,8 @@
             <a:normAutofit/>
           </a:bodyPr>
           <a:p>
-            <a:endParaRPr b="0" lang="en-US" sz="3200" spc="-1" strike="noStrike">
-              <a:solidFill>
-                <a:srgbClr val="000000"/>
-              </a:solidFill>
-              <a:latin typeface="Calibri"/>
+            <a:endParaRPr b="0" lang="en-CA" sz="3200" spc="-1" strike="noStrike">
+              <a:latin typeface="Arial"/>
             </a:endParaRPr>
           </a:p>
         </p:txBody>
@@ -1497,8 +1503,8 @@
         </p:nvSpPr>
         <p:spPr>
           <a:xfrm>
-            <a:off x="3239640" y="1600200"/>
-            <a:ext cx="2649600" cy="2158560"/>
+            <a:off x="3239640" y="1604520"/>
+            <a:ext cx="2649600" cy="1896840"/>
           </a:xfrm>
           <a:prstGeom prst="rect">
             <a:avLst/>
@@ -1509,11 +1515,8 @@
             <a:normAutofit/>
           </a:bodyPr>
           <a:p>
-            <a:endParaRPr b="0" lang="en-US" sz="3200" spc="-1" strike="noStrike">
-              <a:solidFill>
-                <a:srgbClr val="000000"/>
-              </a:solidFill>
-              <a:latin typeface="Calibri"/>
+            <a:endParaRPr b="0" lang="en-CA" sz="3200" spc="-1" strike="noStrike">
+              <a:latin typeface="Arial"/>
             </a:endParaRPr>
           </a:p>
         </p:txBody>
@@ -1530,8 +1533,8 @@
         </p:nvSpPr>
         <p:spPr>
           <a:xfrm>
-            <a:off x="6022080" y="1600200"/>
-            <a:ext cx="2649600" cy="2158560"/>
+            <a:off x="6022080" y="1604520"/>
+            <a:ext cx="2649600" cy="1896840"/>
           </a:xfrm>
           <a:prstGeom prst="rect">
             <a:avLst/>
@@ -1542,11 +1545,8 @@
             <a:normAutofit/>
           </a:bodyPr>
           <a:p>
-            <a:endParaRPr b="0" lang="en-US" sz="3200" spc="-1" strike="noStrike">
-              <a:solidFill>
-                <a:srgbClr val="000000"/>
-              </a:solidFill>
-              <a:latin typeface="Calibri"/>
+            <a:endParaRPr b="0" lang="en-CA" sz="3200" spc="-1" strike="noStrike">
+              <a:latin typeface="Arial"/>
             </a:endParaRPr>
           </a:p>
         </p:txBody>
@@ -1563,8 +1563,8 @@
         </p:nvSpPr>
         <p:spPr>
           <a:xfrm>
-            <a:off x="457200" y="3964320"/>
-            <a:ext cx="2649600" cy="2158560"/>
+            <a:off x="457200" y="3682080"/>
+            <a:ext cx="2649600" cy="1896840"/>
           </a:xfrm>
           <a:prstGeom prst="rect">
             <a:avLst/>
@@ -1575,11 +1575,8 @@
             <a:normAutofit/>
           </a:bodyPr>
           <a:p>
-            <a:endParaRPr b="0" lang="en-US" sz="3200" spc="-1" strike="noStrike">
-              <a:solidFill>
-                <a:srgbClr val="000000"/>
-              </a:solidFill>
-              <a:latin typeface="Calibri"/>
+            <a:endParaRPr b="0" lang="en-CA" sz="3200" spc="-1" strike="noStrike">
+              <a:latin typeface="Arial"/>
             </a:endParaRPr>
           </a:p>
         </p:txBody>
@@ -1596,8 +1593,8 @@
         </p:nvSpPr>
         <p:spPr>
           <a:xfrm>
-            <a:off x="3239640" y="3964320"/>
-            <a:ext cx="2649600" cy="2158560"/>
+            <a:off x="3239640" y="3682080"/>
+            <a:ext cx="2649600" cy="1896840"/>
           </a:xfrm>
           <a:prstGeom prst="rect">
             <a:avLst/>
@@ -1608,11 +1605,8 @@
             <a:normAutofit/>
           </a:bodyPr>
           <a:p>
-            <a:endParaRPr b="0" lang="en-US" sz="3200" spc="-1" strike="noStrike">
-              <a:solidFill>
-                <a:srgbClr val="000000"/>
-              </a:solidFill>
-              <a:latin typeface="Calibri"/>
+            <a:endParaRPr b="0" lang="en-CA" sz="3200" spc="-1" strike="noStrike">
+              <a:latin typeface="Arial"/>
             </a:endParaRPr>
           </a:p>
         </p:txBody>
@@ -1629,8 +1623,8 @@
         </p:nvSpPr>
         <p:spPr>
           <a:xfrm>
-            <a:off x="6022080" y="3964320"/>
-            <a:ext cx="2649600" cy="2158560"/>
+            <a:off x="6022080" y="3682080"/>
+            <a:ext cx="2649600" cy="1896840"/>
           </a:xfrm>
           <a:prstGeom prst="rect">
             <a:avLst/>
@@ -1641,11 +1635,8 @@
             <a:normAutofit/>
           </a:bodyPr>
           <a:p>
-            <a:endParaRPr b="0" lang="en-US" sz="3200" spc="-1" strike="noStrike">
-              <a:solidFill>
-                <a:srgbClr val="000000"/>
-              </a:solidFill>
-              <a:latin typeface="Calibri"/>
+            <a:endParaRPr b="0" lang="en-CA" sz="3200" spc="-1" strike="noStrike">
+              <a:latin typeface="Arial"/>
             </a:endParaRPr>
           </a:p>
         </p:txBody>
@@ -1706,8 +1697,8 @@
         </p:nvSpPr>
         <p:spPr>
           <a:xfrm>
-            <a:off x="457200" y="274680"/>
-            <a:ext cx="8229240" cy="1142640"/>
+            <a:off x="457200" y="273600"/>
+            <a:ext cx="8229240" cy="1144800"/>
           </a:xfrm>
           <a:prstGeom prst="rect">
             <a:avLst/>
@@ -1718,11 +1709,8 @@
             <a:noAutofit/>
           </a:bodyPr>
           <a:p>
-            <a:pPr algn="r"/>
-            <a:endParaRPr b="0" lang="en-US" sz="4400" spc="-1" strike="noStrike">
-              <a:solidFill>
-                <a:srgbClr val="000000"/>
-              </a:solidFill>
+            <a:pPr algn="ctr"/>
+            <a:endParaRPr b="0" lang="en-CA" sz="4400" spc="-1" strike="noStrike">
               <a:latin typeface="Arial"/>
             </a:endParaRPr>
           </a:p>
@@ -1740,8 +1728,8 @@
         </p:nvSpPr>
         <p:spPr>
           <a:xfrm>
-            <a:off x="457200" y="1600200"/>
-            <a:ext cx="8229240" cy="4525560"/>
+            <a:off x="457200" y="1604520"/>
+            <a:ext cx="8229240" cy="3977280"/>
           </a:xfrm>
           <a:prstGeom prst="rect">
             <a:avLst/>
@@ -1793,8 +1781,8 @@
         </p:nvSpPr>
         <p:spPr>
           <a:xfrm>
-            <a:off x="457200" y="274680"/>
-            <a:ext cx="8229240" cy="1142640"/>
+            <a:off x="457200" y="273600"/>
+            <a:ext cx="8229240" cy="1144800"/>
           </a:xfrm>
           <a:prstGeom prst="rect">
             <a:avLst/>
@@ -1805,11 +1793,8 @@
             <a:noAutofit/>
           </a:bodyPr>
           <a:p>
-            <a:pPr algn="r"/>
-            <a:endParaRPr b="0" lang="en-US" sz="4400" spc="-1" strike="noStrike">
-              <a:solidFill>
-                <a:srgbClr val="000000"/>
-              </a:solidFill>
+            <a:pPr algn="ctr"/>
+            <a:endParaRPr b="0" lang="en-CA" sz="4400" spc="-1" strike="noStrike">
               <a:latin typeface="Arial"/>
             </a:endParaRPr>
           </a:p>
@@ -1827,8 +1812,8 @@
         </p:nvSpPr>
         <p:spPr>
           <a:xfrm>
-            <a:off x="457200" y="1600200"/>
-            <a:ext cx="8229240" cy="4525560"/>
+            <a:off x="457200" y="1604520"/>
+            <a:ext cx="8229240" cy="3977280"/>
           </a:xfrm>
           <a:prstGeom prst="rect">
             <a:avLst/>
@@ -1839,11 +1824,8 @@
             <a:normAutofit/>
           </a:bodyPr>
           <a:p>
-            <a:endParaRPr b="0" lang="en-US" sz="3200" spc="-1" strike="noStrike">
-              <a:solidFill>
-                <a:srgbClr val="000000"/>
-              </a:solidFill>
-              <a:latin typeface="Calibri"/>
+            <a:endParaRPr b="0" lang="en-CA" sz="3200" spc="-1" strike="noStrike">
+              <a:latin typeface="Arial"/>
             </a:endParaRPr>
           </a:p>
         </p:txBody>
@@ -1882,8 +1864,8 @@
         </p:nvSpPr>
         <p:spPr>
           <a:xfrm>
-            <a:off x="457200" y="274680"/>
-            <a:ext cx="8229240" cy="1142640"/>
+            <a:off x="457200" y="273600"/>
+            <a:ext cx="8229240" cy="1144800"/>
           </a:xfrm>
           <a:prstGeom prst="rect">
             <a:avLst/>
@@ -1894,11 +1876,8 @@
             <a:noAutofit/>
           </a:bodyPr>
           <a:p>
-            <a:pPr algn="r"/>
-            <a:endParaRPr b="0" lang="en-US" sz="4400" spc="-1" strike="noStrike">
-              <a:solidFill>
-                <a:srgbClr val="000000"/>
-              </a:solidFill>
+            <a:pPr algn="ctr"/>
+            <a:endParaRPr b="0" lang="en-CA" sz="4400" spc="-1" strike="noStrike">
               <a:latin typeface="Arial"/>
             </a:endParaRPr>
           </a:p>
@@ -1916,8 +1895,8 @@
         </p:nvSpPr>
         <p:spPr>
           <a:xfrm>
-            <a:off x="457200" y="1600200"/>
-            <a:ext cx="4015800" cy="4525560"/>
+            <a:off x="457200" y="1604520"/>
+            <a:ext cx="4015800" cy="3977280"/>
           </a:xfrm>
           <a:prstGeom prst="rect">
             <a:avLst/>
@@ -1928,11 +1907,8 @@
             <a:normAutofit/>
           </a:bodyPr>
           <a:p>
-            <a:endParaRPr b="0" lang="en-US" sz="3200" spc="-1" strike="noStrike">
-              <a:solidFill>
-                <a:srgbClr val="000000"/>
-              </a:solidFill>
-              <a:latin typeface="Calibri"/>
+            <a:endParaRPr b="0" lang="en-CA" sz="3200" spc="-1" strike="noStrike">
+              <a:latin typeface="Arial"/>
             </a:endParaRPr>
           </a:p>
         </p:txBody>
@@ -1949,8 +1925,8 @@
         </p:nvSpPr>
         <p:spPr>
           <a:xfrm>
-            <a:off x="4674240" y="1600200"/>
-            <a:ext cx="4015800" cy="4525560"/>
+            <a:off x="4674240" y="1604520"/>
+            <a:ext cx="4015800" cy="3977280"/>
           </a:xfrm>
           <a:prstGeom prst="rect">
             <a:avLst/>
@@ -1961,11 +1937,8 @@
             <a:normAutofit/>
           </a:bodyPr>
           <a:p>
-            <a:endParaRPr b="0" lang="en-US" sz="3200" spc="-1" strike="noStrike">
-              <a:solidFill>
-                <a:srgbClr val="000000"/>
-              </a:solidFill>
-              <a:latin typeface="Calibri"/>
+            <a:endParaRPr b="0" lang="en-CA" sz="3200" spc="-1" strike="noStrike">
+              <a:latin typeface="Arial"/>
             </a:endParaRPr>
           </a:p>
         </p:txBody>
@@ -2004,8 +1977,8 @@
         </p:nvSpPr>
         <p:spPr>
           <a:xfrm>
-            <a:off x="457200" y="274680"/>
-            <a:ext cx="8229240" cy="1142640"/>
+            <a:off x="457200" y="273600"/>
+            <a:ext cx="8229240" cy="1144800"/>
           </a:xfrm>
           <a:prstGeom prst="rect">
             <a:avLst/>
@@ -2016,11 +1989,8 @@
             <a:noAutofit/>
           </a:bodyPr>
           <a:p>
-            <a:pPr algn="r"/>
-            <a:endParaRPr b="0" lang="en-US" sz="4400" spc="-1" strike="noStrike">
-              <a:solidFill>
-                <a:srgbClr val="000000"/>
-              </a:solidFill>
+            <a:pPr algn="ctr"/>
+            <a:endParaRPr b="0" lang="en-CA" sz="4400" spc="-1" strike="noStrike">
               <a:latin typeface="Arial"/>
             </a:endParaRPr>
           </a:p>
@@ -2060,8 +2030,8 @@
         </p:nvSpPr>
         <p:spPr>
           <a:xfrm>
-            <a:off x="457200" y="274680"/>
-            <a:ext cx="8229240" cy="5297760"/>
+            <a:off x="457200" y="273600"/>
+            <a:ext cx="8229240" cy="5307840"/>
           </a:xfrm>
           <a:prstGeom prst="rect">
             <a:avLst/>
@@ -2113,8 +2083,8 @@
         </p:nvSpPr>
         <p:spPr>
           <a:xfrm>
-            <a:off x="457200" y="274680"/>
-            <a:ext cx="8229240" cy="1142640"/>
+            <a:off x="457200" y="273600"/>
+            <a:ext cx="8229240" cy="1144800"/>
           </a:xfrm>
           <a:prstGeom prst="rect">
             <a:avLst/>
@@ -2125,11 +2095,8 @@
             <a:noAutofit/>
           </a:bodyPr>
           <a:p>
-            <a:pPr algn="r"/>
-            <a:endParaRPr b="0" lang="en-US" sz="4400" spc="-1" strike="noStrike">
-              <a:solidFill>
-                <a:srgbClr val="000000"/>
-              </a:solidFill>
+            <a:pPr algn="ctr"/>
+            <a:endParaRPr b="0" lang="en-CA" sz="4400" spc="-1" strike="noStrike">
               <a:latin typeface="Arial"/>
             </a:endParaRPr>
           </a:p>
@@ -2147,8 +2114,8 @@
         </p:nvSpPr>
         <p:spPr>
           <a:xfrm>
-            <a:off x="457200" y="1600200"/>
-            <a:ext cx="4015800" cy="2158560"/>
+            <a:off x="457200" y="1604520"/>
+            <a:ext cx="4015800" cy="1896840"/>
           </a:xfrm>
           <a:prstGeom prst="rect">
             <a:avLst/>
@@ -2159,11 +2126,8 @@
             <a:normAutofit/>
           </a:bodyPr>
           <a:p>
-            <a:endParaRPr b="0" lang="en-US" sz="3200" spc="-1" strike="noStrike">
-              <a:solidFill>
-                <a:srgbClr val="000000"/>
-              </a:solidFill>
-              <a:latin typeface="Calibri"/>
+            <a:endParaRPr b="0" lang="en-CA" sz="3200" spc="-1" strike="noStrike">
+              <a:latin typeface="Arial"/>
             </a:endParaRPr>
           </a:p>
         </p:txBody>
@@ -2180,8 +2144,8 @@
         </p:nvSpPr>
         <p:spPr>
           <a:xfrm>
-            <a:off x="4674240" y="1600200"/>
-            <a:ext cx="4015800" cy="4525560"/>
+            <a:off x="4674240" y="1604520"/>
+            <a:ext cx="4015800" cy="3977280"/>
           </a:xfrm>
           <a:prstGeom prst="rect">
             <a:avLst/>
@@ -2192,11 +2156,8 @@
             <a:normAutofit/>
           </a:bodyPr>
           <a:p>
-            <a:endParaRPr b="0" lang="en-US" sz="3200" spc="-1" strike="noStrike">
-              <a:solidFill>
-                <a:srgbClr val="000000"/>
-              </a:solidFill>
-              <a:latin typeface="Calibri"/>
+            <a:endParaRPr b="0" lang="en-CA" sz="3200" spc="-1" strike="noStrike">
+              <a:latin typeface="Arial"/>
             </a:endParaRPr>
           </a:p>
         </p:txBody>
@@ -2213,8 +2174,8 @@
         </p:nvSpPr>
         <p:spPr>
           <a:xfrm>
-            <a:off x="457200" y="3964320"/>
-            <a:ext cx="4015800" cy="2158560"/>
+            <a:off x="457200" y="3682080"/>
+            <a:ext cx="4015800" cy="1896840"/>
           </a:xfrm>
           <a:prstGeom prst="rect">
             <a:avLst/>
@@ -2225,11 +2186,8 @@
             <a:normAutofit/>
           </a:bodyPr>
           <a:p>
-            <a:endParaRPr b="0" lang="en-US" sz="3200" spc="-1" strike="noStrike">
-              <a:solidFill>
-                <a:srgbClr val="000000"/>
-              </a:solidFill>
-              <a:latin typeface="Calibri"/>
+            <a:endParaRPr b="0" lang="en-CA" sz="3200" spc="-1" strike="noStrike">
+              <a:latin typeface="Arial"/>
             </a:endParaRPr>
           </a:p>
         </p:txBody>
@@ -2268,8 +2226,8 @@
         </p:nvSpPr>
         <p:spPr>
           <a:xfrm>
-            <a:off x="457200" y="274680"/>
-            <a:ext cx="8229240" cy="1142640"/>
+            <a:off x="457200" y="273600"/>
+            <a:ext cx="8229240" cy="1144800"/>
           </a:xfrm>
           <a:prstGeom prst="rect">
             <a:avLst/>
@@ -2280,11 +2238,8 @@
             <a:noAutofit/>
           </a:bodyPr>
           <a:p>
-            <a:pPr algn="r"/>
-            <a:endParaRPr b="0" lang="en-US" sz="4400" spc="-1" strike="noStrike">
-              <a:solidFill>
-                <a:srgbClr val="000000"/>
-              </a:solidFill>
+            <a:pPr algn="ctr"/>
+            <a:endParaRPr b="0" lang="en-CA" sz="4400" spc="-1" strike="noStrike">
               <a:latin typeface="Arial"/>
             </a:endParaRPr>
           </a:p>
@@ -2302,8 +2257,8 @@
         </p:nvSpPr>
         <p:spPr>
           <a:xfrm>
-            <a:off x="457200" y="1600200"/>
-            <a:ext cx="8229240" cy="4525560"/>
+            <a:off x="457200" y="1604520"/>
+            <a:ext cx="8229240" cy="3977280"/>
           </a:xfrm>
           <a:prstGeom prst="rect">
             <a:avLst/>
@@ -2355,8 +2310,8 @@
         </p:nvSpPr>
         <p:spPr>
           <a:xfrm>
-            <a:off x="457200" y="274680"/>
-            <a:ext cx="8229240" cy="1142640"/>
+            <a:off x="457200" y="273600"/>
+            <a:ext cx="8229240" cy="1144800"/>
           </a:xfrm>
           <a:prstGeom prst="rect">
             <a:avLst/>
@@ -2367,11 +2322,8 @@
             <a:noAutofit/>
           </a:bodyPr>
           <a:p>
-            <a:pPr algn="r"/>
-            <a:endParaRPr b="0" lang="en-US" sz="4400" spc="-1" strike="noStrike">
-              <a:solidFill>
-                <a:srgbClr val="000000"/>
-              </a:solidFill>
+            <a:pPr algn="ctr"/>
+            <a:endParaRPr b="0" lang="en-CA" sz="4400" spc="-1" strike="noStrike">
               <a:latin typeface="Arial"/>
             </a:endParaRPr>
           </a:p>
@@ -2389,8 +2341,8 @@
         </p:nvSpPr>
         <p:spPr>
           <a:xfrm>
-            <a:off x="457200" y="1600200"/>
-            <a:ext cx="4015800" cy="4525560"/>
+            <a:off x="457200" y="1604520"/>
+            <a:ext cx="4015800" cy="3977280"/>
           </a:xfrm>
           <a:prstGeom prst="rect">
             <a:avLst/>
@@ -2401,11 +2353,8 @@
             <a:normAutofit/>
           </a:bodyPr>
           <a:p>
-            <a:endParaRPr b="0" lang="en-US" sz="3200" spc="-1" strike="noStrike">
-              <a:solidFill>
-                <a:srgbClr val="000000"/>
-              </a:solidFill>
-              <a:latin typeface="Calibri"/>
+            <a:endParaRPr b="0" lang="en-CA" sz="3200" spc="-1" strike="noStrike">
+              <a:latin typeface="Arial"/>
             </a:endParaRPr>
           </a:p>
         </p:txBody>
@@ -2422,8 +2371,8 @@
         </p:nvSpPr>
         <p:spPr>
           <a:xfrm>
-            <a:off x="4674240" y="1600200"/>
-            <a:ext cx="4015800" cy="2158560"/>
+            <a:off x="4674240" y="1604520"/>
+            <a:ext cx="4015800" cy="1896840"/>
           </a:xfrm>
           <a:prstGeom prst="rect">
             <a:avLst/>
@@ -2434,11 +2383,8 @@
             <a:normAutofit/>
           </a:bodyPr>
           <a:p>
-            <a:endParaRPr b="0" lang="en-US" sz="3200" spc="-1" strike="noStrike">
-              <a:solidFill>
-                <a:srgbClr val="000000"/>
-              </a:solidFill>
-              <a:latin typeface="Calibri"/>
+            <a:endParaRPr b="0" lang="en-CA" sz="3200" spc="-1" strike="noStrike">
+              <a:latin typeface="Arial"/>
             </a:endParaRPr>
           </a:p>
         </p:txBody>
@@ -2455,8 +2401,8 @@
         </p:nvSpPr>
         <p:spPr>
           <a:xfrm>
-            <a:off x="4674240" y="3964320"/>
-            <a:ext cx="4015800" cy="2158560"/>
+            <a:off x="4674240" y="3682080"/>
+            <a:ext cx="4015800" cy="1896840"/>
           </a:xfrm>
           <a:prstGeom prst="rect">
             <a:avLst/>
@@ -2467,11 +2413,8 @@
             <a:normAutofit/>
           </a:bodyPr>
           <a:p>
-            <a:endParaRPr b="0" lang="en-US" sz="3200" spc="-1" strike="noStrike">
-              <a:solidFill>
-                <a:srgbClr val="000000"/>
-              </a:solidFill>
-              <a:latin typeface="Calibri"/>
+            <a:endParaRPr b="0" lang="en-CA" sz="3200" spc="-1" strike="noStrike">
+              <a:latin typeface="Arial"/>
             </a:endParaRPr>
           </a:p>
         </p:txBody>
@@ -2510,8 +2453,8 @@
         </p:nvSpPr>
         <p:spPr>
           <a:xfrm>
-            <a:off x="457200" y="274680"/>
-            <a:ext cx="8229240" cy="1142640"/>
+            <a:off x="457200" y="273600"/>
+            <a:ext cx="8229240" cy="1144800"/>
           </a:xfrm>
           <a:prstGeom prst="rect">
             <a:avLst/>
@@ -2522,11 +2465,8 @@
             <a:noAutofit/>
           </a:bodyPr>
           <a:p>
-            <a:pPr algn="r"/>
-            <a:endParaRPr b="0" lang="en-US" sz="4400" spc="-1" strike="noStrike">
-              <a:solidFill>
-                <a:srgbClr val="000000"/>
-              </a:solidFill>
+            <a:pPr algn="ctr"/>
+            <a:endParaRPr b="0" lang="en-CA" sz="4400" spc="-1" strike="noStrike">
               <a:latin typeface="Arial"/>
             </a:endParaRPr>
           </a:p>
@@ -2544,8 +2484,8 @@
         </p:nvSpPr>
         <p:spPr>
           <a:xfrm>
-            <a:off x="457200" y="1600200"/>
-            <a:ext cx="4015800" cy="2158560"/>
+            <a:off x="457200" y="1604520"/>
+            <a:ext cx="4015800" cy="1896840"/>
           </a:xfrm>
           <a:prstGeom prst="rect">
             <a:avLst/>
@@ -2556,11 +2496,8 @@
             <a:normAutofit/>
           </a:bodyPr>
           <a:p>
-            <a:endParaRPr b="0" lang="en-US" sz="3200" spc="-1" strike="noStrike">
-              <a:solidFill>
-                <a:srgbClr val="000000"/>
-              </a:solidFill>
-              <a:latin typeface="Calibri"/>
+            <a:endParaRPr b="0" lang="en-CA" sz="3200" spc="-1" strike="noStrike">
+              <a:latin typeface="Arial"/>
             </a:endParaRPr>
           </a:p>
         </p:txBody>
@@ -2577,8 +2514,8 @@
         </p:nvSpPr>
         <p:spPr>
           <a:xfrm>
-            <a:off x="4674240" y="1600200"/>
-            <a:ext cx="4015800" cy="2158560"/>
+            <a:off x="4674240" y="1604520"/>
+            <a:ext cx="4015800" cy="1896840"/>
           </a:xfrm>
           <a:prstGeom prst="rect">
             <a:avLst/>
@@ -2589,11 +2526,8 @@
             <a:normAutofit/>
           </a:bodyPr>
           <a:p>
-            <a:endParaRPr b="0" lang="en-US" sz="3200" spc="-1" strike="noStrike">
-              <a:solidFill>
-                <a:srgbClr val="000000"/>
-              </a:solidFill>
-              <a:latin typeface="Calibri"/>
+            <a:endParaRPr b="0" lang="en-CA" sz="3200" spc="-1" strike="noStrike">
+              <a:latin typeface="Arial"/>
             </a:endParaRPr>
           </a:p>
         </p:txBody>
@@ -2610,8 +2544,8 @@
         </p:nvSpPr>
         <p:spPr>
           <a:xfrm>
-            <a:off x="457200" y="3964320"/>
-            <a:ext cx="8229240" cy="2158560"/>
+            <a:off x="457200" y="3682080"/>
+            <a:ext cx="8229240" cy="1896840"/>
           </a:xfrm>
           <a:prstGeom prst="rect">
             <a:avLst/>
@@ -2622,11 +2556,8 @@
             <a:normAutofit/>
           </a:bodyPr>
           <a:p>
-            <a:endParaRPr b="0" lang="en-US" sz="3200" spc="-1" strike="noStrike">
-              <a:solidFill>
-                <a:srgbClr val="000000"/>
-              </a:solidFill>
-              <a:latin typeface="Calibri"/>
+            <a:endParaRPr b="0" lang="en-CA" sz="3200" spc="-1" strike="noStrike">
+              <a:latin typeface="Arial"/>
             </a:endParaRPr>
           </a:p>
         </p:txBody>
@@ -2665,8 +2596,8 @@
         </p:nvSpPr>
         <p:spPr>
           <a:xfrm>
-            <a:off x="457200" y="274680"/>
-            <a:ext cx="8229240" cy="1142640"/>
+            <a:off x="457200" y="273600"/>
+            <a:ext cx="8229240" cy="1144800"/>
           </a:xfrm>
           <a:prstGeom prst="rect">
             <a:avLst/>
@@ -2677,11 +2608,8 @@
             <a:noAutofit/>
           </a:bodyPr>
           <a:p>
-            <a:pPr algn="r"/>
-            <a:endParaRPr b="0" lang="en-US" sz="4400" spc="-1" strike="noStrike">
-              <a:solidFill>
-                <a:srgbClr val="000000"/>
-              </a:solidFill>
+            <a:pPr algn="ctr"/>
+            <a:endParaRPr b="0" lang="en-CA" sz="4400" spc="-1" strike="noStrike">
               <a:latin typeface="Arial"/>
             </a:endParaRPr>
           </a:p>
@@ -2699,8 +2627,8 @@
         </p:nvSpPr>
         <p:spPr>
           <a:xfrm>
-            <a:off x="457200" y="1600200"/>
-            <a:ext cx="8229240" cy="2158560"/>
+            <a:off x="457200" y="1604520"/>
+            <a:ext cx="8229240" cy="1896840"/>
           </a:xfrm>
           <a:prstGeom prst="rect">
             <a:avLst/>
@@ -2711,11 +2639,8 @@
             <a:normAutofit/>
           </a:bodyPr>
           <a:p>
-            <a:endParaRPr b="0" lang="en-US" sz="3200" spc="-1" strike="noStrike">
-              <a:solidFill>
-                <a:srgbClr val="000000"/>
-              </a:solidFill>
-              <a:latin typeface="Calibri"/>
+            <a:endParaRPr b="0" lang="en-CA" sz="3200" spc="-1" strike="noStrike">
+              <a:latin typeface="Arial"/>
             </a:endParaRPr>
           </a:p>
         </p:txBody>
@@ -2732,8 +2657,8 @@
         </p:nvSpPr>
         <p:spPr>
           <a:xfrm>
-            <a:off x="457200" y="3964320"/>
-            <a:ext cx="8229240" cy="2158560"/>
+            <a:off x="457200" y="3682080"/>
+            <a:ext cx="8229240" cy="1896840"/>
           </a:xfrm>
           <a:prstGeom prst="rect">
             <a:avLst/>
@@ -2744,11 +2669,8 @@
             <a:normAutofit/>
           </a:bodyPr>
           <a:p>
-            <a:endParaRPr b="0" lang="en-US" sz="3200" spc="-1" strike="noStrike">
-              <a:solidFill>
-                <a:srgbClr val="000000"/>
-              </a:solidFill>
-              <a:latin typeface="Calibri"/>
+            <a:endParaRPr b="0" lang="en-CA" sz="3200" spc="-1" strike="noStrike">
+              <a:latin typeface="Arial"/>
             </a:endParaRPr>
           </a:p>
         </p:txBody>
@@ -2787,8 +2709,8 @@
         </p:nvSpPr>
         <p:spPr>
           <a:xfrm>
-            <a:off x="457200" y="274680"/>
-            <a:ext cx="8229240" cy="1142640"/>
+            <a:off x="457200" y="273600"/>
+            <a:ext cx="8229240" cy="1144800"/>
           </a:xfrm>
           <a:prstGeom prst="rect">
             <a:avLst/>
@@ -2799,11 +2721,8 @@
             <a:noAutofit/>
           </a:bodyPr>
           <a:p>
-            <a:pPr algn="r"/>
-            <a:endParaRPr b="0" lang="en-US" sz="4400" spc="-1" strike="noStrike">
-              <a:solidFill>
-                <a:srgbClr val="000000"/>
-              </a:solidFill>
+            <a:pPr algn="ctr"/>
+            <a:endParaRPr b="0" lang="en-CA" sz="4400" spc="-1" strike="noStrike">
               <a:latin typeface="Arial"/>
             </a:endParaRPr>
           </a:p>
@@ -2821,8 +2740,8 @@
         </p:nvSpPr>
         <p:spPr>
           <a:xfrm>
-            <a:off x="457200" y="1600200"/>
-            <a:ext cx="4015800" cy="2158560"/>
+            <a:off x="457200" y="1604520"/>
+            <a:ext cx="4015800" cy="1896840"/>
           </a:xfrm>
           <a:prstGeom prst="rect">
             <a:avLst/>
@@ -2833,11 +2752,8 @@
             <a:normAutofit/>
           </a:bodyPr>
           <a:p>
-            <a:endParaRPr b="0" lang="en-US" sz="3200" spc="-1" strike="noStrike">
-              <a:solidFill>
-                <a:srgbClr val="000000"/>
-              </a:solidFill>
-              <a:latin typeface="Calibri"/>
+            <a:endParaRPr b="0" lang="en-CA" sz="3200" spc="-1" strike="noStrike">
+              <a:latin typeface="Arial"/>
             </a:endParaRPr>
           </a:p>
         </p:txBody>
@@ -2854,8 +2770,8 @@
         </p:nvSpPr>
         <p:spPr>
           <a:xfrm>
-            <a:off x="4674240" y="1600200"/>
-            <a:ext cx="4015800" cy="2158560"/>
+            <a:off x="4674240" y="1604520"/>
+            <a:ext cx="4015800" cy="1896840"/>
           </a:xfrm>
           <a:prstGeom prst="rect">
             <a:avLst/>
@@ -2866,11 +2782,8 @@
             <a:normAutofit/>
           </a:bodyPr>
           <a:p>
-            <a:endParaRPr b="0" lang="en-US" sz="3200" spc="-1" strike="noStrike">
-              <a:solidFill>
-                <a:srgbClr val="000000"/>
-              </a:solidFill>
-              <a:latin typeface="Calibri"/>
+            <a:endParaRPr b="0" lang="en-CA" sz="3200" spc="-1" strike="noStrike">
+              <a:latin typeface="Arial"/>
             </a:endParaRPr>
           </a:p>
         </p:txBody>
@@ -2887,8 +2800,8 @@
         </p:nvSpPr>
         <p:spPr>
           <a:xfrm>
-            <a:off x="457200" y="3964320"/>
-            <a:ext cx="4015800" cy="2158560"/>
+            <a:off x="457200" y="3682080"/>
+            <a:ext cx="4015800" cy="1896840"/>
           </a:xfrm>
           <a:prstGeom prst="rect">
             <a:avLst/>
@@ -2899,11 +2812,8 @@
             <a:normAutofit/>
           </a:bodyPr>
           <a:p>
-            <a:endParaRPr b="0" lang="en-US" sz="3200" spc="-1" strike="noStrike">
-              <a:solidFill>
-                <a:srgbClr val="000000"/>
-              </a:solidFill>
-              <a:latin typeface="Calibri"/>
+            <a:endParaRPr b="0" lang="en-CA" sz="3200" spc="-1" strike="noStrike">
+              <a:latin typeface="Arial"/>
             </a:endParaRPr>
           </a:p>
         </p:txBody>
@@ -2920,8 +2830,8 @@
         </p:nvSpPr>
         <p:spPr>
           <a:xfrm>
-            <a:off x="4674240" y="3964320"/>
-            <a:ext cx="4015800" cy="2158560"/>
+            <a:off x="4674240" y="3682080"/>
+            <a:ext cx="4015800" cy="1896840"/>
           </a:xfrm>
           <a:prstGeom prst="rect">
             <a:avLst/>
@@ -2932,11 +2842,8 @@
             <a:normAutofit/>
           </a:bodyPr>
           <a:p>
-            <a:endParaRPr b="0" lang="en-US" sz="3200" spc="-1" strike="noStrike">
-              <a:solidFill>
-                <a:srgbClr val="000000"/>
-              </a:solidFill>
-              <a:latin typeface="Calibri"/>
+            <a:endParaRPr b="0" lang="en-CA" sz="3200" spc="-1" strike="noStrike">
+              <a:latin typeface="Arial"/>
             </a:endParaRPr>
           </a:p>
         </p:txBody>
@@ -2975,8 +2882,8 @@
         </p:nvSpPr>
         <p:spPr>
           <a:xfrm>
-            <a:off x="457200" y="274680"/>
-            <a:ext cx="8229240" cy="1142640"/>
+            <a:off x="457200" y="273600"/>
+            <a:ext cx="8229240" cy="1144800"/>
           </a:xfrm>
           <a:prstGeom prst="rect">
             <a:avLst/>
@@ -2987,11 +2894,8 @@
             <a:noAutofit/>
           </a:bodyPr>
           <a:p>
-            <a:pPr algn="r"/>
-            <a:endParaRPr b="0" lang="en-US" sz="4400" spc="-1" strike="noStrike">
-              <a:solidFill>
-                <a:srgbClr val="000000"/>
-              </a:solidFill>
+            <a:pPr algn="ctr"/>
+            <a:endParaRPr b="0" lang="en-CA" sz="4400" spc="-1" strike="noStrike">
               <a:latin typeface="Arial"/>
             </a:endParaRPr>
           </a:p>
@@ -3009,8 +2913,8 @@
         </p:nvSpPr>
         <p:spPr>
           <a:xfrm>
-            <a:off x="457200" y="1600200"/>
-            <a:ext cx="2649600" cy="2158560"/>
+            <a:off x="457200" y="1604520"/>
+            <a:ext cx="2649600" cy="1896840"/>
           </a:xfrm>
           <a:prstGeom prst="rect">
             <a:avLst/>
@@ -3021,11 +2925,8 @@
             <a:normAutofit/>
           </a:bodyPr>
           <a:p>
-            <a:endParaRPr b="0" lang="en-US" sz="3200" spc="-1" strike="noStrike">
-              <a:solidFill>
-                <a:srgbClr val="000000"/>
-              </a:solidFill>
-              <a:latin typeface="Calibri"/>
+            <a:endParaRPr b="0" lang="en-CA" sz="3200" spc="-1" strike="noStrike">
+              <a:latin typeface="Arial"/>
             </a:endParaRPr>
           </a:p>
         </p:txBody>
@@ -3042,8 +2943,8 @@
         </p:nvSpPr>
         <p:spPr>
           <a:xfrm>
-            <a:off x="3239640" y="1600200"/>
-            <a:ext cx="2649600" cy="2158560"/>
+            <a:off x="3239640" y="1604520"/>
+            <a:ext cx="2649600" cy="1896840"/>
           </a:xfrm>
           <a:prstGeom prst="rect">
             <a:avLst/>
@@ -3054,11 +2955,8 @@
             <a:normAutofit/>
           </a:bodyPr>
           <a:p>
-            <a:endParaRPr b="0" lang="en-US" sz="3200" spc="-1" strike="noStrike">
-              <a:solidFill>
-                <a:srgbClr val="000000"/>
-              </a:solidFill>
-              <a:latin typeface="Calibri"/>
+            <a:endParaRPr b="0" lang="en-CA" sz="3200" spc="-1" strike="noStrike">
+              <a:latin typeface="Arial"/>
             </a:endParaRPr>
           </a:p>
         </p:txBody>
@@ -3075,8 +2973,8 @@
         </p:nvSpPr>
         <p:spPr>
           <a:xfrm>
-            <a:off x="6022080" y="1600200"/>
-            <a:ext cx="2649600" cy="2158560"/>
+            <a:off x="6022080" y="1604520"/>
+            <a:ext cx="2649600" cy="1896840"/>
           </a:xfrm>
           <a:prstGeom prst="rect">
             <a:avLst/>
@@ -3087,11 +2985,8 @@
             <a:normAutofit/>
           </a:bodyPr>
           <a:p>
-            <a:endParaRPr b="0" lang="en-US" sz="3200" spc="-1" strike="noStrike">
-              <a:solidFill>
-                <a:srgbClr val="000000"/>
-              </a:solidFill>
-              <a:latin typeface="Calibri"/>
+            <a:endParaRPr b="0" lang="en-CA" sz="3200" spc="-1" strike="noStrike">
+              <a:latin typeface="Arial"/>
             </a:endParaRPr>
           </a:p>
         </p:txBody>
@@ -3108,8 +3003,8 @@
         </p:nvSpPr>
         <p:spPr>
           <a:xfrm>
-            <a:off x="457200" y="3964320"/>
-            <a:ext cx="2649600" cy="2158560"/>
+            <a:off x="457200" y="3682080"/>
+            <a:ext cx="2649600" cy="1896840"/>
           </a:xfrm>
           <a:prstGeom prst="rect">
             <a:avLst/>
@@ -3120,11 +3015,8 @@
             <a:normAutofit/>
           </a:bodyPr>
           <a:p>
-            <a:endParaRPr b="0" lang="en-US" sz="3200" spc="-1" strike="noStrike">
-              <a:solidFill>
-                <a:srgbClr val="000000"/>
-              </a:solidFill>
-              <a:latin typeface="Calibri"/>
+            <a:endParaRPr b="0" lang="en-CA" sz="3200" spc="-1" strike="noStrike">
+              <a:latin typeface="Arial"/>
             </a:endParaRPr>
           </a:p>
         </p:txBody>
@@ -3141,8 +3033,8 @@
         </p:nvSpPr>
         <p:spPr>
           <a:xfrm>
-            <a:off x="3239640" y="3964320"/>
-            <a:ext cx="2649600" cy="2158560"/>
+            <a:off x="3239640" y="3682080"/>
+            <a:ext cx="2649600" cy="1896840"/>
           </a:xfrm>
           <a:prstGeom prst="rect">
             <a:avLst/>
@@ -3153,11 +3045,8 @@
             <a:normAutofit/>
           </a:bodyPr>
           <a:p>
-            <a:endParaRPr b="0" lang="en-US" sz="3200" spc="-1" strike="noStrike">
-              <a:solidFill>
-                <a:srgbClr val="000000"/>
-              </a:solidFill>
-              <a:latin typeface="Calibri"/>
+            <a:endParaRPr b="0" lang="en-CA" sz="3200" spc="-1" strike="noStrike">
+              <a:latin typeface="Arial"/>
             </a:endParaRPr>
           </a:p>
         </p:txBody>
@@ -3174,8 +3063,8 @@
         </p:nvSpPr>
         <p:spPr>
           <a:xfrm>
-            <a:off x="6022080" y="3964320"/>
-            <a:ext cx="2649600" cy="2158560"/>
+            <a:off x="6022080" y="3682080"/>
+            <a:ext cx="2649600" cy="1896840"/>
           </a:xfrm>
           <a:prstGeom prst="rect">
             <a:avLst/>
@@ -3186,11 +3075,8 @@
             <a:normAutofit/>
           </a:bodyPr>
           <a:p>
-            <a:endParaRPr b="0" lang="en-US" sz="3200" spc="-1" strike="noStrike">
-              <a:solidFill>
-                <a:srgbClr val="000000"/>
-              </a:solidFill>
-              <a:latin typeface="Calibri"/>
+            <a:endParaRPr b="0" lang="en-CA" sz="3200" spc="-1" strike="noStrike">
+              <a:latin typeface="Arial"/>
             </a:endParaRPr>
           </a:p>
         </p:txBody>
@@ -3229,8 +3115,8 @@
         </p:nvSpPr>
         <p:spPr>
           <a:xfrm>
-            <a:off x="457200" y="274680"/>
-            <a:ext cx="8229240" cy="1142640"/>
+            <a:off x="457200" y="273600"/>
+            <a:ext cx="8229240" cy="1144800"/>
           </a:xfrm>
           <a:prstGeom prst="rect">
             <a:avLst/>
@@ -3241,11 +3127,8 @@
             <a:noAutofit/>
           </a:bodyPr>
           <a:p>
-            <a:pPr algn="r"/>
-            <a:endParaRPr b="0" lang="en-US" sz="4400" spc="-1" strike="noStrike">
-              <a:solidFill>
-                <a:srgbClr val="000000"/>
-              </a:solidFill>
+            <a:pPr algn="ctr"/>
+            <a:endParaRPr b="0" lang="en-CA" sz="4400" spc="-1" strike="noStrike">
               <a:latin typeface="Arial"/>
             </a:endParaRPr>
           </a:p>
@@ -3263,8 +3146,8 @@
         </p:nvSpPr>
         <p:spPr>
           <a:xfrm>
-            <a:off x="457200" y="1600200"/>
-            <a:ext cx="8229240" cy="4525560"/>
+            <a:off x="457200" y="1604520"/>
+            <a:ext cx="8229240" cy="3977280"/>
           </a:xfrm>
           <a:prstGeom prst="rect">
             <a:avLst/>
@@ -3275,11 +3158,8 @@
             <a:normAutofit/>
           </a:bodyPr>
           <a:p>
-            <a:endParaRPr b="0" lang="en-US" sz="3200" spc="-1" strike="noStrike">
-              <a:solidFill>
-                <a:srgbClr val="000000"/>
-              </a:solidFill>
-              <a:latin typeface="Calibri"/>
+            <a:endParaRPr b="0" lang="en-CA" sz="3200" spc="-1" strike="noStrike">
+              <a:latin typeface="Arial"/>
             </a:endParaRPr>
           </a:p>
         </p:txBody>
@@ -3318,8 +3198,8 @@
         </p:nvSpPr>
         <p:spPr>
           <a:xfrm>
-            <a:off x="457200" y="274680"/>
-            <a:ext cx="8229240" cy="1142640"/>
+            <a:off x="457200" y="273600"/>
+            <a:ext cx="8229240" cy="1144800"/>
           </a:xfrm>
           <a:prstGeom prst="rect">
             <a:avLst/>
@@ -3330,11 +3210,8 @@
             <a:noAutofit/>
           </a:bodyPr>
           <a:p>
-            <a:pPr algn="r"/>
-            <a:endParaRPr b="0" lang="en-US" sz="4400" spc="-1" strike="noStrike">
-              <a:solidFill>
-                <a:srgbClr val="000000"/>
-              </a:solidFill>
+            <a:pPr algn="ctr"/>
+            <a:endParaRPr b="0" lang="en-CA" sz="4400" spc="-1" strike="noStrike">
               <a:latin typeface="Arial"/>
             </a:endParaRPr>
           </a:p>
@@ -3352,8 +3229,8 @@
         </p:nvSpPr>
         <p:spPr>
           <a:xfrm>
-            <a:off x="457200" y="1600200"/>
-            <a:ext cx="4015800" cy="4525560"/>
+            <a:off x="457200" y="1604520"/>
+            <a:ext cx="4015800" cy="3977280"/>
           </a:xfrm>
           <a:prstGeom prst="rect">
             <a:avLst/>
@@ -3364,11 +3241,8 @@
             <a:normAutofit/>
           </a:bodyPr>
           <a:p>
-            <a:endParaRPr b="0" lang="en-US" sz="3200" spc="-1" strike="noStrike">
-              <a:solidFill>
-                <a:srgbClr val="000000"/>
-              </a:solidFill>
-              <a:latin typeface="Calibri"/>
+            <a:endParaRPr b="0" lang="en-CA" sz="3200" spc="-1" strike="noStrike">
+              <a:latin typeface="Arial"/>
             </a:endParaRPr>
           </a:p>
         </p:txBody>
@@ -3385,8 +3259,8 @@
         </p:nvSpPr>
         <p:spPr>
           <a:xfrm>
-            <a:off x="4674240" y="1600200"/>
-            <a:ext cx="4015800" cy="4525560"/>
+            <a:off x="4674240" y="1604520"/>
+            <a:ext cx="4015800" cy="3977280"/>
           </a:xfrm>
           <a:prstGeom prst="rect">
             <a:avLst/>
@@ -3397,11 +3271,8 @@
             <a:normAutofit/>
           </a:bodyPr>
           <a:p>
-            <a:endParaRPr b="0" lang="en-US" sz="3200" spc="-1" strike="noStrike">
-              <a:solidFill>
-                <a:srgbClr val="000000"/>
-              </a:solidFill>
-              <a:latin typeface="Calibri"/>
+            <a:endParaRPr b="0" lang="en-CA" sz="3200" spc="-1" strike="noStrike">
+              <a:latin typeface="Arial"/>
             </a:endParaRPr>
           </a:p>
         </p:txBody>
@@ -3440,8 +3311,8 @@
         </p:nvSpPr>
         <p:spPr>
           <a:xfrm>
-            <a:off x="457200" y="274680"/>
-            <a:ext cx="8229240" cy="1142640"/>
+            <a:off x="457200" y="273600"/>
+            <a:ext cx="8229240" cy="1144800"/>
           </a:xfrm>
           <a:prstGeom prst="rect">
             <a:avLst/>
@@ -3452,11 +3323,8 @@
             <a:noAutofit/>
           </a:bodyPr>
           <a:p>
-            <a:pPr algn="r"/>
-            <a:endParaRPr b="0" lang="en-US" sz="4400" spc="-1" strike="noStrike">
-              <a:solidFill>
-                <a:srgbClr val="000000"/>
-              </a:solidFill>
+            <a:pPr algn="ctr"/>
+            <a:endParaRPr b="0" lang="en-CA" sz="4400" spc="-1" strike="noStrike">
               <a:latin typeface="Arial"/>
             </a:endParaRPr>
           </a:p>
@@ -3496,8 +3364,8 @@
         </p:nvSpPr>
         <p:spPr>
           <a:xfrm>
-            <a:off x="457200" y="274680"/>
-            <a:ext cx="8229240" cy="5297760"/>
+            <a:off x="457200" y="273600"/>
+            <a:ext cx="8229240" cy="5307840"/>
           </a:xfrm>
           <a:prstGeom prst="rect">
             <a:avLst/>
@@ -3549,8 +3417,8 @@
         </p:nvSpPr>
         <p:spPr>
           <a:xfrm>
-            <a:off x="457200" y="274680"/>
-            <a:ext cx="8229240" cy="1142640"/>
+            <a:off x="457200" y="273600"/>
+            <a:ext cx="8229240" cy="1144800"/>
           </a:xfrm>
           <a:prstGeom prst="rect">
             <a:avLst/>
@@ -3561,11 +3429,8 @@
             <a:noAutofit/>
           </a:bodyPr>
           <a:p>
-            <a:pPr algn="r"/>
-            <a:endParaRPr b="0" lang="en-US" sz="4400" spc="-1" strike="noStrike">
-              <a:solidFill>
-                <a:srgbClr val="000000"/>
-              </a:solidFill>
+            <a:pPr algn="ctr"/>
+            <a:endParaRPr b="0" lang="en-CA" sz="4400" spc="-1" strike="noStrike">
               <a:latin typeface="Arial"/>
             </a:endParaRPr>
           </a:p>
@@ -3583,8 +3448,8 @@
         </p:nvSpPr>
         <p:spPr>
           <a:xfrm>
-            <a:off x="457200" y="1600200"/>
-            <a:ext cx="4015800" cy="2158560"/>
+            <a:off x="457200" y="1604520"/>
+            <a:ext cx="4015800" cy="1896840"/>
           </a:xfrm>
           <a:prstGeom prst="rect">
             <a:avLst/>
@@ -3595,11 +3460,8 @@
             <a:normAutofit/>
           </a:bodyPr>
           <a:p>
-            <a:endParaRPr b="0" lang="en-US" sz="3200" spc="-1" strike="noStrike">
-              <a:solidFill>
-                <a:srgbClr val="000000"/>
-              </a:solidFill>
-              <a:latin typeface="Calibri"/>
+            <a:endParaRPr b="0" lang="en-CA" sz="3200" spc="-1" strike="noStrike">
+              <a:latin typeface="Arial"/>
             </a:endParaRPr>
           </a:p>
         </p:txBody>
@@ -3616,8 +3478,8 @@
         </p:nvSpPr>
         <p:spPr>
           <a:xfrm>
-            <a:off x="4674240" y="1600200"/>
-            <a:ext cx="4015800" cy="4525560"/>
+            <a:off x="4674240" y="1604520"/>
+            <a:ext cx="4015800" cy="3977280"/>
           </a:xfrm>
           <a:prstGeom prst="rect">
             <a:avLst/>
@@ -3628,11 +3490,8 @@
             <a:normAutofit/>
           </a:bodyPr>
           <a:p>
-            <a:endParaRPr b="0" lang="en-US" sz="3200" spc="-1" strike="noStrike">
-              <a:solidFill>
-                <a:srgbClr val="000000"/>
-              </a:solidFill>
-              <a:latin typeface="Calibri"/>
+            <a:endParaRPr b="0" lang="en-CA" sz="3200" spc="-1" strike="noStrike">
+              <a:latin typeface="Arial"/>
             </a:endParaRPr>
           </a:p>
         </p:txBody>
@@ -3649,8 +3508,8 @@
         </p:nvSpPr>
         <p:spPr>
           <a:xfrm>
-            <a:off x="457200" y="3964320"/>
-            <a:ext cx="4015800" cy="2158560"/>
+            <a:off x="457200" y="3682080"/>
+            <a:ext cx="4015800" cy="1896840"/>
           </a:xfrm>
           <a:prstGeom prst="rect">
             <a:avLst/>
@@ -3661,11 +3520,8 @@
             <a:normAutofit/>
           </a:bodyPr>
           <a:p>
-            <a:endParaRPr b="0" lang="en-US" sz="3200" spc="-1" strike="noStrike">
-              <a:solidFill>
-                <a:srgbClr val="000000"/>
-              </a:solidFill>
-              <a:latin typeface="Calibri"/>
+            <a:endParaRPr b="0" lang="en-CA" sz="3200" spc="-1" strike="noStrike">
+              <a:latin typeface="Arial"/>
             </a:endParaRPr>
           </a:p>
         </p:txBody>
@@ -3704,8 +3560,8 @@
         </p:nvSpPr>
         <p:spPr>
           <a:xfrm>
-            <a:off x="457200" y="274680"/>
-            <a:ext cx="8229240" cy="1142640"/>
+            <a:off x="457200" y="273600"/>
+            <a:ext cx="8229240" cy="1144800"/>
           </a:xfrm>
           <a:prstGeom prst="rect">
             <a:avLst/>
@@ -3716,11 +3572,8 @@
             <a:noAutofit/>
           </a:bodyPr>
           <a:p>
-            <a:pPr algn="r"/>
-            <a:endParaRPr b="0" lang="en-US" sz="4400" spc="-1" strike="noStrike">
-              <a:solidFill>
-                <a:srgbClr val="000000"/>
-              </a:solidFill>
+            <a:pPr algn="ctr"/>
+            <a:endParaRPr b="0" lang="en-CA" sz="4400" spc="-1" strike="noStrike">
               <a:latin typeface="Arial"/>
             </a:endParaRPr>
           </a:p>
@@ -3738,8 +3591,8 @@
         </p:nvSpPr>
         <p:spPr>
           <a:xfrm>
-            <a:off x="457200" y="1600200"/>
-            <a:ext cx="4015800" cy="4525560"/>
+            <a:off x="457200" y="1604520"/>
+            <a:ext cx="4015800" cy="3977280"/>
           </a:xfrm>
           <a:prstGeom prst="rect">
             <a:avLst/>
@@ -3750,11 +3603,8 @@
             <a:normAutofit/>
           </a:bodyPr>
           <a:p>
-            <a:endParaRPr b="0" lang="en-US" sz="3200" spc="-1" strike="noStrike">
-              <a:solidFill>
-                <a:srgbClr val="000000"/>
-              </a:solidFill>
-              <a:latin typeface="Calibri"/>
+            <a:endParaRPr b="0" lang="en-CA" sz="3200" spc="-1" strike="noStrike">
+              <a:latin typeface="Arial"/>
             </a:endParaRPr>
           </a:p>
         </p:txBody>
@@ -3771,8 +3621,8 @@
         </p:nvSpPr>
         <p:spPr>
           <a:xfrm>
-            <a:off x="4674240" y="1600200"/>
-            <a:ext cx="4015800" cy="2158560"/>
+            <a:off x="4674240" y="1604520"/>
+            <a:ext cx="4015800" cy="1896840"/>
           </a:xfrm>
           <a:prstGeom prst="rect">
             <a:avLst/>
@@ -3783,11 +3633,8 @@
             <a:normAutofit/>
           </a:bodyPr>
           <a:p>
-            <a:endParaRPr b="0" lang="en-US" sz="3200" spc="-1" strike="noStrike">
-              <a:solidFill>
-                <a:srgbClr val="000000"/>
-              </a:solidFill>
-              <a:latin typeface="Calibri"/>
+            <a:endParaRPr b="0" lang="en-CA" sz="3200" spc="-1" strike="noStrike">
+              <a:latin typeface="Arial"/>
             </a:endParaRPr>
           </a:p>
         </p:txBody>
@@ -3804,8 +3651,8 @@
         </p:nvSpPr>
         <p:spPr>
           <a:xfrm>
-            <a:off x="4674240" y="3964320"/>
-            <a:ext cx="4015800" cy="2158560"/>
+            <a:off x="4674240" y="3682080"/>
+            <a:ext cx="4015800" cy="1896840"/>
           </a:xfrm>
           <a:prstGeom prst="rect">
             <a:avLst/>
@@ -3816,11 +3663,8 @@
             <a:normAutofit/>
           </a:bodyPr>
           <a:p>
-            <a:endParaRPr b="0" lang="en-US" sz="3200" spc="-1" strike="noStrike">
-              <a:solidFill>
-                <a:srgbClr val="000000"/>
-              </a:solidFill>
-              <a:latin typeface="Calibri"/>
+            <a:endParaRPr b="0" lang="en-CA" sz="3200" spc="-1" strike="noStrike">
+              <a:latin typeface="Arial"/>
             </a:endParaRPr>
           </a:p>
         </p:txBody>
@@ -3859,8 +3703,8 @@
         </p:nvSpPr>
         <p:spPr>
           <a:xfrm>
-            <a:off x="457200" y="274680"/>
-            <a:ext cx="8229240" cy="1142640"/>
+            <a:off x="457200" y="273600"/>
+            <a:ext cx="8229240" cy="1144800"/>
           </a:xfrm>
           <a:prstGeom prst="rect">
             <a:avLst/>
@@ -3871,11 +3715,8 @@
             <a:noAutofit/>
           </a:bodyPr>
           <a:p>
-            <a:pPr algn="r"/>
-            <a:endParaRPr b="0" lang="en-US" sz="4400" spc="-1" strike="noStrike">
-              <a:solidFill>
-                <a:srgbClr val="000000"/>
-              </a:solidFill>
+            <a:pPr algn="ctr"/>
+            <a:endParaRPr b="0" lang="en-CA" sz="4400" spc="-1" strike="noStrike">
               <a:latin typeface="Arial"/>
             </a:endParaRPr>
           </a:p>
@@ -3893,8 +3734,8 @@
         </p:nvSpPr>
         <p:spPr>
           <a:xfrm>
-            <a:off x="457200" y="1600200"/>
-            <a:ext cx="4015800" cy="2158560"/>
+            <a:off x="457200" y="1604520"/>
+            <a:ext cx="4015800" cy="1896840"/>
           </a:xfrm>
           <a:prstGeom prst="rect">
             <a:avLst/>
@@ -3905,11 +3746,8 @@
             <a:normAutofit/>
           </a:bodyPr>
           <a:p>
-            <a:endParaRPr b="0" lang="en-US" sz="3200" spc="-1" strike="noStrike">
-              <a:solidFill>
-                <a:srgbClr val="000000"/>
-              </a:solidFill>
-              <a:latin typeface="Calibri"/>
+            <a:endParaRPr b="0" lang="en-CA" sz="3200" spc="-1" strike="noStrike">
+              <a:latin typeface="Arial"/>
             </a:endParaRPr>
           </a:p>
         </p:txBody>
@@ -3926,8 +3764,8 @@
         </p:nvSpPr>
         <p:spPr>
           <a:xfrm>
-            <a:off x="4674240" y="1600200"/>
-            <a:ext cx="4015800" cy="2158560"/>
+            <a:off x="4674240" y="1604520"/>
+            <a:ext cx="4015800" cy="1896840"/>
           </a:xfrm>
           <a:prstGeom prst="rect">
             <a:avLst/>
@@ -3938,11 +3776,8 @@
             <a:normAutofit/>
           </a:bodyPr>
           <a:p>
-            <a:endParaRPr b="0" lang="en-US" sz="3200" spc="-1" strike="noStrike">
-              <a:solidFill>
-                <a:srgbClr val="000000"/>
-              </a:solidFill>
-              <a:latin typeface="Calibri"/>
+            <a:endParaRPr b="0" lang="en-CA" sz="3200" spc="-1" strike="noStrike">
+              <a:latin typeface="Arial"/>
             </a:endParaRPr>
           </a:p>
         </p:txBody>
@@ -3959,8 +3794,8 @@
         </p:nvSpPr>
         <p:spPr>
           <a:xfrm>
-            <a:off x="457200" y="3964320"/>
-            <a:ext cx="8229240" cy="2158560"/>
+            <a:off x="457200" y="3682080"/>
+            <a:ext cx="8229240" cy="1896840"/>
           </a:xfrm>
           <a:prstGeom prst="rect">
             <a:avLst/>
@@ -3971,11 +3806,8 @@
             <a:normAutofit/>
           </a:bodyPr>
           <a:p>
-            <a:endParaRPr b="0" lang="en-US" sz="3200" spc="-1" strike="noStrike">
-              <a:solidFill>
-                <a:srgbClr val="000000"/>
-              </a:solidFill>
-              <a:latin typeface="Calibri"/>
+            <a:endParaRPr b="0" lang="en-CA" sz="3200" spc="-1" strike="noStrike">
+              <a:latin typeface="Arial"/>
             </a:endParaRPr>
           </a:p>
         </p:txBody>
@@ -4022,7 +3854,7 @@
         <p:spPr>
           <a:xfrm>
             <a:off x="35640" y="6099120"/>
-            <a:ext cx="2533320" cy="713880"/>
+            <a:ext cx="2532960" cy="713520"/>
           </a:xfrm>
           <a:prstGeom prst="rect">
             <a:avLst/>
@@ -4044,37 +3876,25 @@
         </p:nvSpPr>
         <p:spPr>
           <a:xfrm>
-            <a:off x="685800" y="2130480"/>
-            <a:ext cx="7772040" cy="1469520"/>
-          </a:xfrm>
-          <a:prstGeom prst="rect">
-            <a:avLst/>
-          </a:prstGeom>
-        </p:spPr>
-        <p:txBody>
-          <a:bodyPr lIns="90000" rIns="90000" tIns="45000" bIns="45000">
+            <a:off x="457200" y="274680"/>
+            <a:ext cx="8228880" cy="1142280"/>
+          </a:xfrm>
+          <a:prstGeom prst="rect">
+            <a:avLst/>
+          </a:prstGeom>
+        </p:spPr>
+        <p:txBody>
+          <a:bodyPr lIns="0" rIns="0" tIns="0" bIns="0" anchor="ctr">
             <a:noAutofit/>
           </a:bodyPr>
           <a:p>
-            <a:pPr algn="ctr">
-              <a:lnSpc>
-                <a:spcPct val="100000"/>
-              </a:lnSpc>
-            </a:pPr>
             <a:r>
-              <a:rPr b="0" lang="en-US" sz="4400" spc="-1" strike="noStrike">
-                <a:solidFill>
-                  <a:srgbClr val="000000"/>
-                </a:solidFill>
-                <a:latin typeface="Calibri"/>
-                <a:ea typeface="ＭＳ Ｐゴシック"/>
+              <a:rPr b="0" lang="en-CA" sz="1800" spc="-1" strike="noStrike">
+                <a:latin typeface="Arial"/>
               </a:rPr>
-              <a:t>Click to edit Master title style</a:t>
+              <a:t>Click to edit the title text format</a:t>
             </a:r>
-            <a:endParaRPr b="0" lang="en-US" sz="4400" spc="-1" strike="noStrike">
-              <a:solidFill>
-                <a:srgbClr val="000000"/>
-              </a:solidFill>
+            <a:endParaRPr b="0" lang="en-CA" sz="1800" spc="-1" strike="noStrike">
               <a:latin typeface="Arial"/>
             </a:endParaRPr>
           </a:p>
@@ -4116,28 +3936,13 @@
               <a:buChar char=""/>
             </a:pPr>
             <a:r>
-              <a:rPr b="0" lang="en-US" sz="3200" spc="-1" strike="noStrike">
-                <a:solidFill>
-                  <a:srgbClr val="000000"/>
-                </a:solidFill>
-                <a:latin typeface="Calibri"/>
+              <a:rPr b="0" lang="en-CA" sz="3200" spc="-1" strike="noStrike">
+                <a:latin typeface="Arial"/>
               </a:rPr>
-              <a:t>Click to edit the outline text </a:t>
+              <a:t>Click to edit the outline text format</a:t>
             </a:r>
-            <a:r>
-              <a:rPr b="0" lang="en-US" sz="3200" spc="-1" strike="noStrike">
-                <a:solidFill>
-                  <a:srgbClr val="000000"/>
-                </a:solidFill>
-                <a:latin typeface="Calibri"/>
-              </a:rPr>
-              <a:t>format</a:t>
-            </a:r>
-            <a:endParaRPr b="0" lang="en-US" sz="3200" spc="-1" strike="noStrike">
-              <a:solidFill>
-                <a:srgbClr val="000000"/>
-              </a:solidFill>
-              <a:latin typeface="Calibri"/>
+            <a:endParaRPr b="0" lang="en-CA" sz="3200" spc="-1" strike="noStrike">
+              <a:latin typeface="Arial"/>
             </a:endParaRPr>
           </a:p>
           <a:p>
@@ -4153,19 +3958,13 @@
               <a:buChar char=""/>
             </a:pPr>
             <a:r>
-              <a:rPr b="0" lang="en-US" sz="2400" spc="-1" strike="noStrike">
-                <a:solidFill>
-                  <a:srgbClr val="000000"/>
-                </a:solidFill>
-                <a:latin typeface="Calibri"/>
+              <a:rPr b="0" lang="en-CA" sz="2800" spc="-1" strike="noStrike">
+                <a:latin typeface="Arial"/>
               </a:rPr>
               <a:t>Second Outline Level</a:t>
             </a:r>
-            <a:endParaRPr b="0" lang="en-US" sz="2400" spc="-1" strike="noStrike">
-              <a:solidFill>
-                <a:srgbClr val="000000"/>
-              </a:solidFill>
-              <a:latin typeface="Calibri"/>
+            <a:endParaRPr b="0" lang="en-CA" sz="2800" spc="-1" strike="noStrike">
+              <a:latin typeface="Arial"/>
             </a:endParaRPr>
           </a:p>
           <a:p>
@@ -4181,19 +3980,13 @@
               <a:buChar char=""/>
             </a:pPr>
             <a:r>
-              <a:rPr b="0" lang="en-US" sz="2000" spc="-1" strike="noStrike">
-                <a:solidFill>
-                  <a:srgbClr val="000000"/>
-                </a:solidFill>
-                <a:latin typeface="Calibri"/>
+              <a:rPr b="0" lang="en-CA" sz="2400" spc="-1" strike="noStrike">
+                <a:latin typeface="Arial"/>
               </a:rPr>
               <a:t>Third Outline Level</a:t>
             </a:r>
-            <a:endParaRPr b="0" lang="en-US" sz="2000" spc="-1" strike="noStrike">
-              <a:solidFill>
-                <a:srgbClr val="000000"/>
-              </a:solidFill>
-              <a:latin typeface="Calibri"/>
+            <a:endParaRPr b="0" lang="en-CA" sz="2400" spc="-1" strike="noStrike">
+              <a:latin typeface="Arial"/>
             </a:endParaRPr>
           </a:p>
           <a:p>
@@ -4209,19 +4002,13 @@
               <a:buChar char=""/>
             </a:pPr>
             <a:r>
-              <a:rPr b="0" lang="en-US" sz="2000" spc="-1" strike="noStrike">
-                <a:solidFill>
-                  <a:srgbClr val="000000"/>
-                </a:solidFill>
-                <a:latin typeface="Calibri"/>
+              <a:rPr b="0" lang="en-CA" sz="2000" spc="-1" strike="noStrike">
+                <a:latin typeface="Arial"/>
               </a:rPr>
               <a:t>Fourth Outline Level</a:t>
             </a:r>
-            <a:endParaRPr b="0" lang="en-US" sz="2000" spc="-1" strike="noStrike">
-              <a:solidFill>
-                <a:srgbClr val="000000"/>
-              </a:solidFill>
-              <a:latin typeface="Calibri"/>
+            <a:endParaRPr b="0" lang="en-CA" sz="2000" spc="-1" strike="noStrike">
+              <a:latin typeface="Arial"/>
             </a:endParaRPr>
           </a:p>
           <a:p>
@@ -4237,19 +4024,13 @@
               <a:buChar char=""/>
             </a:pPr>
             <a:r>
-              <a:rPr b="0" lang="en-US" sz="2000" spc="-1" strike="noStrike">
-                <a:solidFill>
-                  <a:srgbClr val="000000"/>
-                </a:solidFill>
-                <a:latin typeface="Calibri"/>
+              <a:rPr b="0" lang="en-CA" sz="2000" spc="-1" strike="noStrike">
+                <a:latin typeface="Arial"/>
               </a:rPr>
               <a:t>Fifth Outline Level</a:t>
             </a:r>
-            <a:endParaRPr b="0" lang="en-US" sz="2000" spc="-1" strike="noStrike">
-              <a:solidFill>
-                <a:srgbClr val="000000"/>
-              </a:solidFill>
-              <a:latin typeface="Calibri"/>
+            <a:endParaRPr b="0" lang="en-CA" sz="2000" spc="-1" strike="noStrike">
+              <a:latin typeface="Arial"/>
             </a:endParaRPr>
           </a:p>
           <a:p>
@@ -4265,19 +4046,13 @@
               <a:buChar char=""/>
             </a:pPr>
             <a:r>
-              <a:rPr b="0" lang="en-US" sz="2000" spc="-1" strike="noStrike">
-                <a:solidFill>
-                  <a:srgbClr val="000000"/>
-                </a:solidFill>
-                <a:latin typeface="Calibri"/>
+              <a:rPr b="0" lang="en-CA" sz="2000" spc="-1" strike="noStrike">
+                <a:latin typeface="Arial"/>
               </a:rPr>
               <a:t>Sixth Outline Level</a:t>
             </a:r>
-            <a:endParaRPr b="0" lang="en-US" sz="2000" spc="-1" strike="noStrike">
-              <a:solidFill>
-                <a:srgbClr val="000000"/>
-              </a:solidFill>
-              <a:latin typeface="Calibri"/>
+            <a:endParaRPr b="0" lang="en-CA" sz="2000" spc="-1" strike="noStrike">
+              <a:latin typeface="Arial"/>
             </a:endParaRPr>
           </a:p>
           <a:p>
@@ -4293,19 +4068,13 @@
               <a:buChar char=""/>
             </a:pPr>
             <a:r>
-              <a:rPr b="0" lang="en-US" sz="2000" spc="-1" strike="noStrike">
-                <a:solidFill>
-                  <a:srgbClr val="000000"/>
-                </a:solidFill>
-                <a:latin typeface="Calibri"/>
+              <a:rPr b="0" lang="en-CA" sz="2000" spc="-1" strike="noStrike">
+                <a:latin typeface="Arial"/>
               </a:rPr>
               <a:t>Seventh Outline Level</a:t>
             </a:r>
-            <a:endParaRPr b="0" lang="en-US" sz="2000" spc="-1" strike="noStrike">
-              <a:solidFill>
-                <a:srgbClr val="000000"/>
-              </a:solidFill>
-              <a:latin typeface="Calibri"/>
+            <a:endParaRPr b="0" lang="en-CA" sz="2000" spc="-1" strike="noStrike">
+              <a:latin typeface="Arial"/>
             </a:endParaRPr>
           </a:p>
         </p:txBody>
@@ -4367,7 +4136,7 @@
         <p:spPr>
           <a:xfrm>
             <a:off x="35640" y="6099120"/>
-            <a:ext cx="2533320" cy="713880"/>
+            <a:ext cx="2532960" cy="713520"/>
           </a:xfrm>
           <a:prstGeom prst="rect">
             <a:avLst/>
@@ -4389,37 +4158,26 @@
         </p:nvSpPr>
         <p:spPr>
           <a:xfrm>
-            <a:off x="457200" y="274680"/>
-            <a:ext cx="8229240" cy="1142640"/>
-          </a:xfrm>
-          <a:prstGeom prst="rect">
-            <a:avLst/>
-          </a:prstGeom>
-        </p:spPr>
-        <p:txBody>
-          <a:bodyPr lIns="90000" rIns="90000" tIns="45000" bIns="45000">
+            <a:off x="457200" y="273600"/>
+            <a:ext cx="8229240" cy="1144800"/>
+          </a:xfrm>
+          <a:prstGeom prst="rect">
+            <a:avLst/>
+          </a:prstGeom>
+        </p:spPr>
+        <p:txBody>
+          <a:bodyPr lIns="0" rIns="0" tIns="0" bIns="0" anchor="ctr">
             <a:noAutofit/>
           </a:bodyPr>
           <a:p>
-            <a:pPr algn="ctr">
-              <a:lnSpc>
-                <a:spcPct val="100000"/>
-              </a:lnSpc>
-            </a:pPr>
+            <a:pPr algn="ctr"/>
             <a:r>
-              <a:rPr b="0" lang="en-US" sz="4400" spc="-1" strike="noStrike">
-                <a:solidFill>
-                  <a:srgbClr val="000000"/>
-                </a:solidFill>
-                <a:latin typeface="Calibri"/>
-                <a:ea typeface="ＭＳ Ｐゴシック"/>
+              <a:rPr b="0" lang="en-CA" sz="4400" spc="-1" strike="noStrike">
+                <a:latin typeface="Arial"/>
               </a:rPr>
-              <a:t>Click to edit Master title style</a:t>
+              <a:t>Click to edit the title text format</a:t>
             </a:r>
-            <a:endParaRPr b="0" lang="en-US" sz="4400" spc="-1" strike="noStrike">
-              <a:solidFill>
-                <a:srgbClr val="000000"/>
-              </a:solidFill>
+            <a:endParaRPr b="0" lang="en-CA" sz="4400" spc="-1" strike="noStrike">
               <a:latin typeface="Arial"/>
             </a:endParaRPr>
           </a:p>
@@ -4437,170 +4195,169 @@
         </p:nvSpPr>
         <p:spPr>
           <a:xfrm>
-            <a:off x="457200" y="1600200"/>
-            <a:ext cx="8229240" cy="4525560"/>
-          </a:xfrm>
-          <a:prstGeom prst="rect">
-            <a:avLst/>
-          </a:prstGeom>
-        </p:spPr>
-        <p:txBody>
-          <a:bodyPr lIns="90000" rIns="90000" tIns="45000" bIns="45000">
-            <a:noAutofit/>
-          </a:bodyPr>
-          <a:p>
-            <a:pPr marL="343080" indent="-342720">
-              <a:lnSpc>
-                <a:spcPct val="100000"/>
-              </a:lnSpc>
+            <a:off x="457200" y="1604520"/>
+            <a:ext cx="8229240" cy="3977280"/>
+          </a:xfrm>
+          <a:prstGeom prst="rect">
+            <a:avLst/>
+          </a:prstGeom>
+        </p:spPr>
+        <p:txBody>
+          <a:bodyPr lIns="0" rIns="0" tIns="0" bIns="0">
+            <a:normAutofit/>
+          </a:bodyPr>
+          <a:p>
+            <a:pPr marL="432000" indent="-324000">
               <a:spcBef>
-                <a:spcPts val="641"/>
+                <a:spcPts val="1417"/>
               </a:spcBef>
               <a:buClr>
                 <a:srgbClr val="000000"/>
               </a:buClr>
-              <a:buFont typeface="Symbol" charset="2"/>
-              <a:buChar char=""/>
+              <a:buSzPct val="45000"/>
+              <a:buFont typeface="Wingdings" charset="2"/>
+              <a:buChar char=""/>
             </a:pPr>
             <a:r>
-              <a:rPr b="0" lang="en-US" sz="3200" spc="-1" strike="noStrike">
-                <a:solidFill>
-                  <a:srgbClr val="000000"/>
-                </a:solidFill>
-                <a:latin typeface="Calibri"/>
-                <a:ea typeface="ＭＳ Ｐゴシック"/>
+              <a:rPr b="0" lang="en-CA" sz="3200" spc="-1" strike="noStrike">
+                <a:latin typeface="Arial"/>
               </a:rPr>
-              <a:t>Click to edit Master text styles</a:t>
+              <a:t>Click to edit the outline text format</a:t>
             </a:r>
-            <a:endParaRPr b="0" lang="en-US" sz="3200" spc="-1" strike="noStrike">
-              <a:solidFill>
-                <a:srgbClr val="000000"/>
-              </a:solidFill>
-              <a:latin typeface="Calibri"/>
-            </a:endParaRPr>
-          </a:p>
-          <a:p>
-            <a:pPr lvl="1" marL="743040" indent="-285480">
-              <a:lnSpc>
-                <a:spcPct val="100000"/>
-              </a:lnSpc>
+            <a:endParaRPr b="0" lang="en-CA" sz="3200" spc="-1" strike="noStrike">
+              <a:latin typeface="Arial"/>
+            </a:endParaRPr>
+          </a:p>
+          <a:p>
+            <a:pPr lvl="1" marL="864000" indent="-324000">
               <a:spcBef>
-                <a:spcPts val="561"/>
+                <a:spcPts val="1134"/>
               </a:spcBef>
               <a:buClr>
                 <a:srgbClr val="000000"/>
               </a:buClr>
+              <a:buSzPct val="75000"/>
               <a:buFont typeface="Symbol" charset="2"/>
               <a:buChar char=""/>
             </a:pPr>
             <a:r>
-              <a:rPr b="0" lang="en-US" sz="2800" spc="-1" strike="noStrike">
-                <a:solidFill>
-                  <a:srgbClr val="000000"/>
-                </a:solidFill>
-                <a:latin typeface="Calibri"/>
-                <a:ea typeface="ＭＳ Ｐゴシック"/>
+              <a:rPr b="0" lang="en-CA" sz="2800" spc="-1" strike="noStrike">
+                <a:latin typeface="Arial"/>
               </a:rPr>
-              <a:t>Second level</a:t>
+              <a:t>Second Outline Level</a:t>
             </a:r>
-            <a:endParaRPr b="0" lang="en-US" sz="2800" spc="-1" strike="noStrike">
-              <a:solidFill>
-                <a:srgbClr val="000000"/>
-              </a:solidFill>
-              <a:latin typeface="Calibri"/>
-            </a:endParaRPr>
-          </a:p>
-          <a:p>
-            <a:pPr lvl="2" marL="1143000" indent="-228240">
-              <a:lnSpc>
-                <a:spcPct val="100000"/>
-              </a:lnSpc>
+            <a:endParaRPr b="0" lang="en-CA" sz="2800" spc="-1" strike="noStrike">
+              <a:latin typeface="Arial"/>
+            </a:endParaRPr>
+          </a:p>
+          <a:p>
+            <a:pPr lvl="2" marL="1296000" indent="-288000">
               <a:spcBef>
-                <a:spcPts val="479"/>
+                <a:spcPts val="850"/>
               </a:spcBef>
               <a:buClr>
                 <a:srgbClr val="000000"/>
               </a:buClr>
-              <a:buFont typeface="Symbol" charset="2"/>
-              <a:buChar char=""/>
+              <a:buSzPct val="45000"/>
+              <a:buFont typeface="Wingdings" charset="2"/>
+              <a:buChar char=""/>
             </a:pPr>
             <a:r>
-              <a:rPr b="0" lang="en-US" sz="2400" spc="-1" strike="noStrike">
-                <a:solidFill>
-                  <a:srgbClr val="000000"/>
-                </a:solidFill>
-                <a:latin typeface="Calibri"/>
-                <a:ea typeface="ＭＳ Ｐゴシック"/>
+              <a:rPr b="0" lang="en-CA" sz="2400" spc="-1" strike="noStrike">
+                <a:latin typeface="Arial"/>
               </a:rPr>
-              <a:t>Third level</a:t>
+              <a:t>Third Outline Level</a:t>
             </a:r>
-            <a:endParaRPr b="0" lang="en-US" sz="2400" spc="-1" strike="noStrike">
-              <a:solidFill>
-                <a:srgbClr val="000000"/>
-              </a:solidFill>
-              <a:latin typeface="Calibri"/>
-            </a:endParaRPr>
-          </a:p>
-          <a:p>
-            <a:pPr lvl="3" marL="1600200" indent="-228240">
-              <a:lnSpc>
-                <a:spcPct val="100000"/>
-              </a:lnSpc>
+            <a:endParaRPr b="0" lang="en-CA" sz="2400" spc="-1" strike="noStrike">
+              <a:latin typeface="Arial"/>
+            </a:endParaRPr>
+          </a:p>
+          <a:p>
+            <a:pPr lvl="3" marL="1728000" indent="-216000">
               <a:spcBef>
-                <a:spcPts val="400"/>
+                <a:spcPts val="567"/>
               </a:spcBef>
               <a:buClr>
                 <a:srgbClr val="000000"/>
               </a:buClr>
+              <a:buSzPct val="75000"/>
               <a:buFont typeface="Symbol" charset="2"/>
               <a:buChar char=""/>
             </a:pPr>
             <a:r>
-              <a:rPr b="0" lang="en-US" sz="2000" spc="-1" strike="noStrike">
-                <a:solidFill>
-                  <a:srgbClr val="000000"/>
-                </a:solidFill>
-                <a:latin typeface="Calibri"/>
-                <a:ea typeface="ＭＳ Ｐゴシック"/>
+              <a:rPr b="0" lang="en-CA" sz="2000" spc="-1" strike="noStrike">
+                <a:latin typeface="Arial"/>
               </a:rPr>
-              <a:t>Fourth level</a:t>
+              <a:t>Fourth Outline Level</a:t>
             </a:r>
-            <a:endParaRPr b="0" lang="en-US" sz="2000" spc="-1" strike="noStrike">
-              <a:solidFill>
-                <a:srgbClr val="000000"/>
-              </a:solidFill>
-              <a:latin typeface="Calibri"/>
-            </a:endParaRPr>
-          </a:p>
-          <a:p>
-            <a:pPr lvl="4" marL="2057400" indent="-228240">
-              <a:lnSpc>
-                <a:spcPct val="100000"/>
-              </a:lnSpc>
+            <a:endParaRPr b="0" lang="en-CA" sz="2000" spc="-1" strike="noStrike">
+              <a:latin typeface="Arial"/>
+            </a:endParaRPr>
+          </a:p>
+          <a:p>
+            <a:pPr lvl="4" marL="2160000" indent="-216000">
               <a:spcBef>
-                <a:spcPts val="400"/>
+                <a:spcPts val="283"/>
               </a:spcBef>
               <a:buClr>
                 <a:srgbClr val="000000"/>
               </a:buClr>
-              <a:buFont typeface="StarSymbol"/>
-              <a:buChar char="»"/>
+              <a:buSzPct val="45000"/>
+              <a:buFont typeface="Wingdings" charset="2"/>
+              <a:buChar char=""/>
             </a:pPr>
             <a:r>
-              <a:rPr b="0" lang="en-US" sz="2000" spc="-1" strike="noStrike">
-                <a:solidFill>
-                  <a:srgbClr val="000000"/>
-                </a:solidFill>
-                <a:latin typeface="Calibri"/>
-                <a:ea typeface="ＭＳ Ｐゴシック"/>
+              <a:rPr b="0" lang="en-CA" sz="2000" spc="-1" strike="noStrike">
+                <a:latin typeface="Arial"/>
               </a:rPr>
-              <a:t>Fifth level</a:t>
+              <a:t>Fifth Outline Level</a:t>
             </a:r>
-            <a:endParaRPr b="0" lang="en-US" sz="2000" spc="-1" strike="noStrike">
-              <a:solidFill>
+            <a:endParaRPr b="0" lang="en-CA" sz="2000" spc="-1" strike="noStrike">
+              <a:latin typeface="Arial"/>
+            </a:endParaRPr>
+          </a:p>
+          <a:p>
+            <a:pPr lvl="5" marL="2592000" indent="-216000">
+              <a:spcBef>
+                <a:spcPts val="283"/>
+              </a:spcBef>
+              <a:buClr>
                 <a:srgbClr val="000000"/>
-              </a:solidFill>
-              <a:latin typeface="Calibri"/>
+              </a:buClr>
+              <a:buSzPct val="45000"/>
+              <a:buFont typeface="Wingdings" charset="2"/>
+              <a:buChar char=""/>
+            </a:pPr>
+            <a:r>
+              <a:rPr b="0" lang="en-CA" sz="2000" spc="-1" strike="noStrike">
+                <a:latin typeface="Arial"/>
+              </a:rPr>
+              <a:t>Sixth Outline Level</a:t>
+            </a:r>
+            <a:endParaRPr b="0" lang="en-CA" sz="2000" spc="-1" strike="noStrike">
+              <a:latin typeface="Arial"/>
+            </a:endParaRPr>
+          </a:p>
+          <a:p>
+            <a:pPr lvl="6" marL="3024000" indent="-216000">
+              <a:spcBef>
+                <a:spcPts val="283"/>
+              </a:spcBef>
+              <a:buClr>
+                <a:srgbClr val="000000"/>
+              </a:buClr>
+              <a:buSzPct val="45000"/>
+              <a:buFont typeface="Wingdings" charset="2"/>
+              <a:buChar char=""/>
+            </a:pPr>
+            <a:r>
+              <a:rPr b="0" lang="en-CA" sz="2000" spc="-1" strike="noStrike">
+                <a:latin typeface="Arial"/>
+              </a:rPr>
+              <a:t>Seventh Outline Level</a:t>
+            </a:r>
+            <a:endParaRPr b="0" lang="en-CA" sz="2000" spc="-1" strike="noStrike">
+              <a:latin typeface="Arial"/>
             </a:endParaRPr>
           </a:p>
         </p:txBody>
@@ -4644,14 +4401,14 @@
       </p:grpSpPr>
       <p:sp>
         <p:nvSpPr>
-          <p:cNvPr id="84" name="TextShape 1"/>
-          <p:cNvSpPr txBox="1"/>
+          <p:cNvPr id="84" name="CustomShape 1"/>
+          <p:cNvSpPr/>
           <p:nvPr/>
         </p:nvSpPr>
         <p:spPr>
           <a:xfrm>
             <a:off x="685800" y="2130480"/>
-            <a:ext cx="7772040" cy="1469520"/>
+            <a:ext cx="7771680" cy="1469160"/>
           </a:xfrm>
           <a:prstGeom prst="rect">
             <a:avLst/>
@@ -4661,6 +4418,12 @@
             <a:noFill/>
           </a:ln>
         </p:spPr>
+        <p:style>
+          <a:lnRef idx="0"/>
+          <a:fillRef idx="0"/>
+          <a:effectRef idx="0"/>
+          <a:fontRef idx="minor"/>
+        </p:style>
         <p:txBody>
           <a:bodyPr lIns="90000" rIns="90000" tIns="45000" bIns="45000">
             <a:noAutofit/>
@@ -4681,25 +4444,22 @@
               </a:rPr>
               <a:t>Welcome to COMP-10097</a:t>
             </a:r>
-            <a:endParaRPr b="0" lang="en-US" sz="4400" spc="-1" strike="noStrike">
-              <a:solidFill>
-                <a:srgbClr val="000000"/>
-              </a:solidFill>
-              <a:latin typeface="Arial"/>
-            </a:endParaRPr>
-          </a:p>
-        </p:txBody>
-      </p:sp>
-      <p:sp>
-        <p:nvSpPr>
-          <p:cNvPr id="85" name="TextShape 2"/>
-          <p:cNvSpPr txBox="1"/>
+            <a:endParaRPr b="0" lang="en-CA" sz="4400" spc="-1" strike="noStrike">
+              <a:latin typeface="Arial"/>
+            </a:endParaRPr>
+          </a:p>
+        </p:txBody>
+      </p:sp>
+      <p:sp>
+        <p:nvSpPr>
+          <p:cNvPr id="85" name="CustomShape 2"/>
+          <p:cNvSpPr/>
           <p:nvPr/>
         </p:nvSpPr>
         <p:spPr>
           <a:xfrm>
             <a:off x="1371600" y="3886200"/>
-            <a:ext cx="6400440" cy="1752120"/>
+            <a:ext cx="6400080" cy="1751760"/>
           </a:xfrm>
           <a:prstGeom prst="rect">
             <a:avLst/>
@@ -4709,17 +4469,12 @@
             <a:noFill/>
           </a:ln>
         </p:spPr>
-        <p:txBody>
-          <a:bodyPr lIns="90000" rIns="90000" tIns="45000" bIns="45000">
-            <a:noAutofit/>
-          </a:bodyPr>
-          <a:p>
-            <a:pPr algn="ctr"/>
-            <a:endParaRPr b="0" lang="en-CA" sz="3200" spc="-1" strike="noStrike">
-              <a:latin typeface="Arial"/>
-            </a:endParaRPr>
-          </a:p>
-        </p:txBody>
+        <p:style>
+          <a:lnRef idx="0"/>
+          <a:fillRef idx="0"/>
+          <a:effectRef idx="0"/>
+          <a:fontRef idx="minor"/>
+        </p:style>
       </p:sp>
     </p:spTree>
   </p:cSld>
@@ -4753,14 +4508,14 @@
       </p:grpSpPr>
       <p:sp>
         <p:nvSpPr>
-          <p:cNvPr id="86" name="TextShape 1"/>
-          <p:cNvSpPr txBox="1"/>
+          <p:cNvPr id="86" name="CustomShape 1"/>
+          <p:cNvSpPr/>
           <p:nvPr/>
         </p:nvSpPr>
         <p:spPr>
           <a:xfrm>
             <a:off x="457200" y="274680"/>
-            <a:ext cx="8229240" cy="1142640"/>
+            <a:ext cx="8228880" cy="1142280"/>
           </a:xfrm>
           <a:prstGeom prst="rect">
             <a:avLst/>
@@ -4770,6 +4525,12 @@
             <a:noFill/>
           </a:ln>
         </p:spPr>
+        <p:style>
+          <a:lnRef idx="0"/>
+          <a:fillRef idx="0"/>
+          <a:effectRef idx="0"/>
+          <a:fontRef idx="minor"/>
+        </p:style>
         <p:txBody>
           <a:bodyPr lIns="90000" rIns="90000" tIns="45000" bIns="45000">
             <a:noAutofit/>
@@ -4790,25 +4551,22 @@
               </a:rPr>
               <a:t>Virtualization</a:t>
             </a:r>
-            <a:endParaRPr b="0" lang="en-US" sz="4400" spc="-1" strike="noStrike">
-              <a:solidFill>
-                <a:srgbClr val="000000"/>
-              </a:solidFill>
-              <a:latin typeface="Arial"/>
-            </a:endParaRPr>
-          </a:p>
-        </p:txBody>
-      </p:sp>
-      <p:sp>
-        <p:nvSpPr>
-          <p:cNvPr id="87" name="TextShape 2"/>
-          <p:cNvSpPr txBox="1"/>
+            <a:endParaRPr b="0" lang="en-CA" sz="4400" spc="-1" strike="noStrike">
+              <a:latin typeface="Arial"/>
+            </a:endParaRPr>
+          </a:p>
+        </p:txBody>
+      </p:sp>
+      <p:sp>
+        <p:nvSpPr>
+          <p:cNvPr id="87" name="CustomShape 2"/>
+          <p:cNvSpPr/>
           <p:nvPr/>
         </p:nvSpPr>
         <p:spPr>
           <a:xfrm>
             <a:off x="457200" y="1600200"/>
-            <a:ext cx="8229240" cy="2057040"/>
+            <a:ext cx="8228880" cy="2056680"/>
           </a:xfrm>
           <a:prstGeom prst="rect">
             <a:avLst/>
@@ -4818,12 +4576,18 @@
             <a:noFill/>
           </a:ln>
         </p:spPr>
+        <p:style>
+          <a:lnRef idx="0"/>
+          <a:fillRef idx="0"/>
+          <a:effectRef idx="0"/>
+          <a:fontRef idx="minor"/>
+        </p:style>
         <p:txBody>
           <a:bodyPr lIns="90000" rIns="90000" tIns="45000" bIns="45000">
             <a:noAutofit/>
           </a:bodyPr>
           <a:p>
-            <a:pPr marL="343080" indent="-342720">
+            <a:pPr marL="343080" indent="-342360">
               <a:lnSpc>
                 <a:spcPct val="100000"/>
               </a:lnSpc>
@@ -4833,7 +4597,7 @@
               <a:buClr>
                 <a:srgbClr val="000000"/>
               </a:buClr>
-              <a:buFont typeface="Symbol" charset="2"/>
+              <a:buFont typeface="Symbol"/>
               <a:buChar char=""/>
             </a:pPr>
             <a:r>
@@ -4846,15 +4610,12 @@
               </a:rPr>
               <a:t>Not ‘new’</a:t>
             </a:r>
-            <a:endParaRPr b="0" lang="en-US" sz="3200" spc="-1" strike="noStrike">
-              <a:solidFill>
-                <a:srgbClr val="000000"/>
-              </a:solidFill>
-              <a:latin typeface="Calibri"/>
-            </a:endParaRPr>
-          </a:p>
-          <a:p>
-            <a:pPr marL="343080" indent="-342720">
+            <a:endParaRPr b="0" lang="en-CA" sz="3200" spc="-1" strike="noStrike">
+              <a:latin typeface="Arial"/>
+            </a:endParaRPr>
+          </a:p>
+          <a:p>
+            <a:pPr marL="343080" indent="-342360">
               <a:lnSpc>
                 <a:spcPct val="100000"/>
               </a:lnSpc>
@@ -4864,7 +4625,7 @@
               <a:buClr>
                 <a:srgbClr val="000000"/>
               </a:buClr>
-              <a:buFont typeface="Symbol" charset="2"/>
+              <a:buFont typeface="Symbol"/>
               <a:buChar char=""/>
             </a:pPr>
             <a:r>
@@ -4877,11 +4638,8 @@
               </a:rPr>
               <a:t>Very overloaded* term</a:t>
             </a:r>
-            <a:endParaRPr b="0" lang="en-US" sz="3200" spc="-1" strike="noStrike">
-              <a:solidFill>
-                <a:srgbClr val="000000"/>
-              </a:solidFill>
-              <a:latin typeface="Calibri"/>
+            <a:endParaRPr b="0" lang="en-CA" sz="3200" spc="-1" strike="noStrike">
+              <a:latin typeface="Arial"/>
             </a:endParaRPr>
           </a:p>
         </p:txBody>
@@ -4895,7 +4653,7 @@
         <p:spPr>
           <a:xfrm>
             <a:off x="1787040" y="5715000"/>
-            <a:ext cx="5406840" cy="303480"/>
+            <a:ext cx="5406480" cy="303120"/>
           </a:xfrm>
           <a:prstGeom prst="rect">
             <a:avLst/>
@@ -4927,6 +4685,7 @@
                   <a:srgbClr val="000000"/>
                 </a:solidFill>
                 <a:latin typeface="Arial"/>
+                <a:ea typeface="DejaVu Sans"/>
               </a:rPr>
               <a:t>*fancy computer science term for “same word, different meanings”</a:t>
             </a:r>
@@ -4968,14 +4727,14 @@
       </p:grpSpPr>
       <p:sp>
         <p:nvSpPr>
-          <p:cNvPr id="89" name="TextShape 1"/>
-          <p:cNvSpPr txBox="1"/>
+          <p:cNvPr id="89" name="CustomShape 1"/>
+          <p:cNvSpPr/>
           <p:nvPr/>
         </p:nvSpPr>
         <p:spPr>
           <a:xfrm>
             <a:off x="457200" y="274680"/>
-            <a:ext cx="8229240" cy="1142640"/>
+            <a:ext cx="8228880" cy="1142280"/>
           </a:xfrm>
           <a:prstGeom prst="rect">
             <a:avLst/>
@@ -4985,6 +4744,12 @@
             <a:noFill/>
           </a:ln>
         </p:spPr>
+        <p:style>
+          <a:lnRef idx="0"/>
+          <a:fillRef idx="0"/>
+          <a:effectRef idx="0"/>
+          <a:fontRef idx="minor"/>
+        </p:style>
         <p:txBody>
           <a:bodyPr lIns="90000" rIns="90000" tIns="45000" bIns="45000">
             <a:noAutofit/>
@@ -5005,25 +4770,22 @@
               </a:rPr>
               <a:t>Course Goal</a:t>
             </a:r>
-            <a:endParaRPr b="0" lang="en-US" sz="2400" spc="-1" strike="noStrike">
-              <a:solidFill>
-                <a:srgbClr val="000000"/>
-              </a:solidFill>
-              <a:latin typeface="Arial"/>
-            </a:endParaRPr>
-          </a:p>
-        </p:txBody>
-      </p:sp>
-      <p:sp>
-        <p:nvSpPr>
-          <p:cNvPr id="90" name="TextShape 2"/>
-          <p:cNvSpPr txBox="1"/>
+            <a:endParaRPr b="0" lang="en-CA" sz="2400" spc="-1" strike="noStrike">
+              <a:latin typeface="Arial"/>
+            </a:endParaRPr>
+          </a:p>
+        </p:txBody>
+      </p:sp>
+      <p:sp>
+        <p:nvSpPr>
+          <p:cNvPr id="90" name="CustomShape 2"/>
+          <p:cNvSpPr/>
           <p:nvPr/>
         </p:nvSpPr>
         <p:spPr>
           <a:xfrm>
             <a:off x="609480" y="1295280"/>
-            <a:ext cx="7772040" cy="3504960"/>
+            <a:ext cx="7771680" cy="3504600"/>
           </a:xfrm>
           <a:prstGeom prst="rect">
             <a:avLst/>
@@ -5033,6 +4795,12 @@
             <a:noFill/>
           </a:ln>
         </p:spPr>
+        <p:style>
+          <a:lnRef idx="0"/>
+          <a:fillRef idx="0"/>
+          <a:effectRef idx="0"/>
+          <a:fontRef idx="minor"/>
+        </p:style>
         <p:txBody>
           <a:bodyPr lIns="90000" rIns="90000" tIns="45000" bIns="45000">
             <a:noAutofit/>
@@ -5059,11 +4827,8 @@
               </a:rPr>
               <a:t>Understand the differences between “traditional” (V-Sphere, XEN) virtualization and “application” virtualization (Docker)</a:t>
             </a:r>
-            <a:endParaRPr b="0" lang="en-US" sz="2000" spc="-1" strike="noStrike">
-              <a:solidFill>
-                <a:srgbClr val="000000"/>
-              </a:solidFill>
-              <a:latin typeface="Calibri"/>
+            <a:endParaRPr b="0" lang="en-CA" sz="2000" spc="-1" strike="noStrike">
+              <a:latin typeface="Arial"/>
             </a:endParaRPr>
           </a:p>
           <a:p>
@@ -5078,11 +4843,8 @@
                 <a:tab algn="l" pos="0"/>
               </a:tabLst>
             </a:pPr>
-            <a:endParaRPr b="0" lang="en-US" sz="2000" spc="-1" strike="noStrike">
-              <a:solidFill>
-                <a:srgbClr val="000000"/>
-              </a:solidFill>
-              <a:latin typeface="Calibri"/>
+            <a:endParaRPr b="0" lang="en-CA" sz="2000" spc="-1" strike="noStrike">
+              <a:latin typeface="Arial"/>
             </a:endParaRPr>
           </a:p>
           <a:p>
@@ -5107,11 +4869,8 @@
               </a:rPr>
               <a:t>Understand what each gives you, and what each “costs” you.</a:t>
             </a:r>
-            <a:endParaRPr b="0" lang="en-US" sz="2000" spc="-1" strike="noStrike">
-              <a:solidFill>
-                <a:srgbClr val="000000"/>
-              </a:solidFill>
-              <a:latin typeface="Calibri"/>
+            <a:endParaRPr b="0" lang="en-CA" sz="2000" spc="-1" strike="noStrike">
+              <a:latin typeface="Arial"/>
             </a:endParaRPr>
           </a:p>
           <a:p>
@@ -5126,11 +4885,8 @@
                 <a:tab algn="l" pos="0"/>
               </a:tabLst>
             </a:pPr>
-            <a:endParaRPr b="0" lang="en-US" sz="2000" spc="-1" strike="noStrike">
-              <a:solidFill>
-                <a:srgbClr val="000000"/>
-              </a:solidFill>
-              <a:latin typeface="Calibri"/>
+            <a:endParaRPr b="0" lang="en-CA" sz="2000" spc="-1" strike="noStrike">
+              <a:latin typeface="Arial"/>
             </a:endParaRPr>
           </a:p>
           <a:p>
@@ -5155,11 +4911,8 @@
               </a:rPr>
               <a:t>Explore the operational implications of both strategies.</a:t>
             </a:r>
-            <a:endParaRPr b="0" lang="en-US" sz="2000" spc="-1" strike="noStrike">
-              <a:solidFill>
-                <a:srgbClr val="000000"/>
-              </a:solidFill>
-              <a:latin typeface="Calibri"/>
+            <a:endParaRPr b="0" lang="en-CA" sz="2000" spc="-1" strike="noStrike">
+              <a:latin typeface="Arial"/>
             </a:endParaRPr>
           </a:p>
         </p:txBody>
@@ -5196,14 +4949,14 @@
       </p:grpSpPr>
       <p:sp>
         <p:nvSpPr>
-          <p:cNvPr id="91" name="TextShape 1"/>
-          <p:cNvSpPr txBox="1"/>
+          <p:cNvPr id="91" name="CustomShape 1"/>
+          <p:cNvSpPr/>
           <p:nvPr/>
         </p:nvSpPr>
         <p:spPr>
           <a:xfrm>
             <a:off x="457200" y="274680"/>
-            <a:ext cx="8229240" cy="1142640"/>
+            <a:ext cx="8228880" cy="1142280"/>
           </a:xfrm>
           <a:prstGeom prst="rect">
             <a:avLst/>
@@ -5213,6 +4966,12 @@
             <a:noFill/>
           </a:ln>
         </p:spPr>
+        <p:style>
+          <a:lnRef idx="0"/>
+          <a:fillRef idx="0"/>
+          <a:effectRef idx="0"/>
+          <a:fontRef idx="minor"/>
+        </p:style>
         <p:txBody>
           <a:bodyPr lIns="90000" rIns="90000" tIns="45000" bIns="45000">
             <a:noAutofit/>
@@ -5233,25 +4992,22 @@
               </a:rPr>
               <a:t>Tool Kit</a:t>
             </a:r>
-            <a:endParaRPr b="0" lang="en-US" sz="4400" spc="-1" strike="noStrike">
-              <a:solidFill>
-                <a:srgbClr val="000000"/>
-              </a:solidFill>
-              <a:latin typeface="Arial"/>
-            </a:endParaRPr>
-          </a:p>
-        </p:txBody>
-      </p:sp>
-      <p:sp>
-        <p:nvSpPr>
-          <p:cNvPr id="92" name="TextShape 2"/>
-          <p:cNvSpPr txBox="1"/>
+            <a:endParaRPr b="0" lang="en-CA" sz="4400" spc="-1" strike="noStrike">
+              <a:latin typeface="Arial"/>
+            </a:endParaRPr>
+          </a:p>
+        </p:txBody>
+      </p:sp>
+      <p:sp>
+        <p:nvSpPr>
+          <p:cNvPr id="92" name="CustomShape 2"/>
+          <p:cNvSpPr/>
           <p:nvPr/>
         </p:nvSpPr>
         <p:spPr>
           <a:xfrm>
             <a:off x="1066680" y="1296000"/>
-            <a:ext cx="7619760" cy="3276360"/>
+            <a:ext cx="7619400" cy="3276000"/>
           </a:xfrm>
           <a:prstGeom prst="rect">
             <a:avLst/>
@@ -5261,12 +5017,18 @@
             <a:noFill/>
           </a:ln>
         </p:spPr>
+        <p:style>
+          <a:lnRef idx="0"/>
+          <a:fillRef idx="0"/>
+          <a:effectRef idx="0"/>
+          <a:fontRef idx="minor"/>
+        </p:style>
         <p:txBody>
           <a:bodyPr lIns="90000" rIns="90000" tIns="45000" bIns="45000">
             <a:noAutofit/>
           </a:bodyPr>
           <a:p>
-            <a:pPr marL="343080" indent="-342720">
+            <a:pPr marL="343080" indent="-342360">
               <a:lnSpc>
                 <a:spcPct val="150000"/>
               </a:lnSpc>
@@ -5276,28 +5038,25 @@
               <a:buClr>
                 <a:srgbClr val="000000"/>
               </a:buClr>
-              <a:buFont typeface="Symbol" charset="2"/>
+              <a:buFont typeface="Symbol"/>
               <a:buChar char=""/>
             </a:pPr>
             <a:r>
-              <a:rPr b="1" i="1" lang="en-US" sz="2000" spc="-1" strike="noStrike">
+              <a:rPr b="1" lang="en-US" sz="2000" spc="-1" strike="noStrike">
                 <a:solidFill>
                   <a:srgbClr val="000000"/>
                 </a:solidFill>
                 <a:latin typeface="Calibri"/>
                 <a:ea typeface="ＭＳ Ｐゴシック"/>
               </a:rPr>
-              <a:t>RHEL 7 </a:t>
+              <a:t>Mix of distro’s:</a:t>
             </a:r>
-            <a:endParaRPr b="0" lang="en-US" sz="2000" spc="-1" strike="noStrike">
-              <a:solidFill>
-                <a:srgbClr val="000000"/>
-              </a:solidFill>
-              <a:latin typeface="Calibri"/>
-            </a:endParaRPr>
-          </a:p>
-          <a:p>
-            <a:pPr marL="343080" indent="-342720">
+            <a:endParaRPr b="0" lang="en-CA" sz="2000" spc="-1" strike="noStrike">
+              <a:latin typeface="Arial"/>
+            </a:endParaRPr>
+          </a:p>
+          <a:p>
+            <a:pPr lvl="3" marL="864000" indent="-216000">
               <a:lnSpc>
                 <a:spcPct val="150000"/>
               </a:lnSpc>
@@ -5307,7 +5066,65 @@
               <a:buClr>
                 <a:srgbClr val="000000"/>
               </a:buClr>
-              <a:buFont typeface="Symbol" charset="2"/>
+              <a:buSzPct val="45000"/>
+              <a:buFont typeface="Wingdings" charset="2"/>
+              <a:buChar char=""/>
+            </a:pPr>
+            <a:r>
+              <a:rPr b="1" lang="en-US" sz="2000" spc="-1" strike="noStrike">
+                <a:solidFill>
+                  <a:srgbClr val="000000"/>
+                </a:solidFill>
+                <a:latin typeface="Calibri"/>
+                <a:ea typeface="ＭＳ Ｐゴシック"/>
+              </a:rPr>
+              <a:t>- Ubuntu (20.04 Focal Fossa)</a:t>
+            </a:r>
+            <a:endParaRPr b="0" lang="en-CA" sz="2000" spc="-1" strike="noStrike">
+              <a:latin typeface="Arial"/>
+            </a:endParaRPr>
+          </a:p>
+          <a:p>
+            <a:pPr lvl="3" marL="864000" indent="-216000">
+              <a:lnSpc>
+                <a:spcPct val="150000"/>
+              </a:lnSpc>
+              <a:spcBef>
+                <a:spcPts val="479"/>
+              </a:spcBef>
+              <a:buClr>
+                <a:srgbClr val="000000"/>
+              </a:buClr>
+              <a:buSzPct val="45000"/>
+              <a:buFont typeface="Wingdings" charset="2"/>
+              <a:buChar char=""/>
+            </a:pPr>
+            <a:r>
+              <a:rPr b="1" lang="en-US" sz="2000" spc="-1" strike="noStrike">
+                <a:solidFill>
+                  <a:srgbClr val="000000"/>
+                </a:solidFill>
+                <a:latin typeface="Calibri"/>
+                <a:ea typeface="ＭＳ Ｐゴシック"/>
+              </a:rPr>
+              <a:t>- CentOS Stream 8 </a:t>
+            </a:r>
+            <a:endParaRPr b="0" lang="en-CA" sz="2000" spc="-1" strike="noStrike">
+              <a:latin typeface="Arial"/>
+            </a:endParaRPr>
+          </a:p>
+          <a:p>
+            <a:pPr marL="343080" indent="-342360">
+              <a:lnSpc>
+                <a:spcPct val="150000"/>
+              </a:lnSpc>
+              <a:spcBef>
+                <a:spcPts val="479"/>
+              </a:spcBef>
+              <a:buClr>
+                <a:srgbClr val="000000"/>
+              </a:buClr>
+              <a:buFont typeface="Symbol"/>
               <a:buChar char=""/>
             </a:pPr>
             <a:r>
@@ -5320,15 +5137,12 @@
               </a:rPr>
               <a:t>Docker CE </a:t>
             </a:r>
-            <a:endParaRPr b="0" lang="en-US" sz="2000" spc="-1" strike="noStrike">
-              <a:solidFill>
-                <a:srgbClr val="000000"/>
-              </a:solidFill>
-              <a:latin typeface="Calibri"/>
-            </a:endParaRPr>
-          </a:p>
-          <a:p>
-            <a:pPr marL="343080" indent="-342720">
+            <a:endParaRPr b="0" lang="en-CA" sz="2000" spc="-1" strike="noStrike">
+              <a:latin typeface="Arial"/>
+            </a:endParaRPr>
+          </a:p>
+          <a:p>
+            <a:pPr marL="343080" indent="-342360">
               <a:lnSpc>
                 <a:spcPct val="150000"/>
               </a:lnSpc>
@@ -5338,7 +5152,7 @@
               <a:buClr>
                 <a:srgbClr val="000000"/>
               </a:buClr>
-              <a:buFont typeface="Symbol" charset="2"/>
+              <a:buFont typeface="Symbol"/>
               <a:buChar char=""/>
             </a:pPr>
             <a:r>
@@ -5351,11 +5165,8 @@
               </a:rPr>
               <a:t>VirtualBox (or your own VM environment)</a:t>
             </a:r>
-            <a:endParaRPr b="0" lang="en-US" sz="2000" spc="-1" strike="noStrike">
-              <a:solidFill>
-                <a:srgbClr val="000000"/>
-              </a:solidFill>
-              <a:latin typeface="Calibri"/>
+            <a:endParaRPr b="0" lang="en-CA" sz="2000" spc="-1" strike="noStrike">
+              <a:latin typeface="Arial"/>
             </a:endParaRPr>
           </a:p>
         </p:txBody>
@@ -5392,14 +5203,14 @@
       </p:grpSpPr>
       <p:sp>
         <p:nvSpPr>
-          <p:cNvPr id="93" name="TextShape 1"/>
-          <p:cNvSpPr txBox="1"/>
+          <p:cNvPr id="93" name="CustomShape 1"/>
+          <p:cNvSpPr/>
           <p:nvPr/>
         </p:nvSpPr>
         <p:spPr>
           <a:xfrm>
             <a:off x="457200" y="274680"/>
-            <a:ext cx="8229240" cy="1142640"/>
+            <a:ext cx="8228880" cy="1142280"/>
           </a:xfrm>
           <a:prstGeom prst="rect">
             <a:avLst/>
@@ -5409,6 +5220,12 @@
             <a:noFill/>
           </a:ln>
         </p:spPr>
+        <p:style>
+          <a:lnRef idx="0"/>
+          <a:fillRef idx="0"/>
+          <a:effectRef idx="0"/>
+          <a:fontRef idx="minor"/>
+        </p:style>
         <p:txBody>
           <a:bodyPr lIns="90000" rIns="90000" tIns="45000" bIns="45000">
             <a:noAutofit/>
@@ -5429,25 +5246,22 @@
               </a:rPr>
               <a:t>Evaluation Scheme</a:t>
             </a:r>
-            <a:endParaRPr b="0" lang="en-US" sz="4400" spc="-1" strike="noStrike">
-              <a:solidFill>
-                <a:srgbClr val="000000"/>
-              </a:solidFill>
-              <a:latin typeface="Arial"/>
-            </a:endParaRPr>
-          </a:p>
-        </p:txBody>
-      </p:sp>
-      <p:sp>
-        <p:nvSpPr>
-          <p:cNvPr id="94" name="TextShape 2"/>
-          <p:cNvSpPr txBox="1"/>
+            <a:endParaRPr b="0" lang="en-CA" sz="4400" spc="-1" strike="noStrike">
+              <a:latin typeface="Arial"/>
+            </a:endParaRPr>
+          </a:p>
+        </p:txBody>
+      </p:sp>
+      <p:sp>
+        <p:nvSpPr>
+          <p:cNvPr id="94" name="CustomShape 2"/>
+          <p:cNvSpPr/>
           <p:nvPr/>
         </p:nvSpPr>
         <p:spPr>
           <a:xfrm>
             <a:off x="1143000" y="1295280"/>
-            <a:ext cx="7619760" cy="3276360"/>
+            <a:ext cx="7619400" cy="3276000"/>
           </a:xfrm>
           <a:prstGeom prst="rect">
             <a:avLst/>
@@ -5457,12 +5271,18 @@
             <a:noFill/>
           </a:ln>
         </p:spPr>
+        <p:style>
+          <a:lnRef idx="0"/>
+          <a:fillRef idx="0"/>
+          <a:effectRef idx="0"/>
+          <a:fontRef idx="minor"/>
+        </p:style>
         <p:txBody>
           <a:bodyPr lIns="90000" rIns="90000" tIns="45000" bIns="45000">
             <a:noAutofit/>
           </a:bodyPr>
           <a:p>
-            <a:pPr marL="343080" indent="-342720">
+            <a:pPr marL="343080" indent="-342360">
               <a:lnSpc>
                 <a:spcPct val="150000"/>
               </a:lnSpc>
@@ -5472,7 +5292,7 @@
               <a:buClr>
                 <a:srgbClr val="000000"/>
               </a:buClr>
-              <a:buFont typeface="Symbol" charset="2"/>
+              <a:buFont typeface="Symbol"/>
               <a:buChar char=""/>
             </a:pPr>
             <a:r>
@@ -5485,15 +5305,12 @@
               </a:rPr>
               <a:t>100% activity based</a:t>
             </a:r>
-            <a:endParaRPr b="0" lang="en-US" sz="2400" spc="-1" strike="noStrike">
-              <a:solidFill>
-                <a:srgbClr val="000000"/>
-              </a:solidFill>
-              <a:latin typeface="Calibri"/>
-            </a:endParaRPr>
-          </a:p>
-          <a:p>
-            <a:pPr lvl="1" marL="743040" indent="-285480">
+            <a:endParaRPr b="0" lang="en-CA" sz="2400" spc="-1" strike="noStrike">
+              <a:latin typeface="Arial"/>
+            </a:endParaRPr>
+          </a:p>
+          <a:p>
+            <a:pPr marL="343080" indent="-342360">
               <a:lnSpc>
                 <a:spcPct val="150000"/>
               </a:lnSpc>
@@ -5503,8 +5320,8 @@
               <a:buClr>
                 <a:srgbClr val="000000"/>
               </a:buClr>
-              <a:buFont typeface="Symbol" charset="2"/>
-              <a:buChar char=""/>
+              <a:buFont typeface="Symbol"/>
+              <a:buChar char=""/>
             </a:pPr>
             <a:r>
               <a:rPr b="1" lang="en-US" sz="2000" spc="-1" strike="noStrike">
@@ -5516,15 +5333,12 @@
               </a:rPr>
               <a:t>No tests</a:t>
             </a:r>
-            <a:endParaRPr b="0" lang="en-US" sz="2000" spc="-1" strike="noStrike">
-              <a:solidFill>
-                <a:srgbClr val="000000"/>
-              </a:solidFill>
-              <a:latin typeface="Calibri"/>
-            </a:endParaRPr>
-          </a:p>
-          <a:p>
-            <a:pPr lvl="1" marL="743040" indent="-285480">
+            <a:endParaRPr b="0" lang="en-CA" sz="2000" spc="-1" strike="noStrike">
+              <a:latin typeface="Arial"/>
+            </a:endParaRPr>
+          </a:p>
+          <a:p>
+            <a:pPr marL="343080" indent="-342360">
               <a:lnSpc>
                 <a:spcPct val="150000"/>
               </a:lnSpc>
@@ -5534,8 +5348,8 @@
               <a:buClr>
                 <a:srgbClr val="000000"/>
               </a:buClr>
-              <a:buFont typeface="Symbol" charset="2"/>
-              <a:buChar char=""/>
+              <a:buFont typeface="Symbol"/>
+              <a:buChar char=""/>
             </a:pPr>
             <a:r>
               <a:rPr b="1" lang="en-US" sz="2000" spc="-1" strike="noStrike">
@@ -5547,32 +5361,21 @@
               </a:rPr>
               <a:t>Many reasonable sized assignments</a:t>
             </a:r>
-            <a:endParaRPr b="0" lang="en-US" sz="2000" spc="-1" strike="noStrike">
-              <a:solidFill>
-                <a:srgbClr val="000000"/>
-              </a:solidFill>
-              <a:latin typeface="Calibri"/>
-            </a:endParaRPr>
-          </a:p>
-          <a:p>
-            <a:pPr marL="343080" indent="-342720">
+            <a:endParaRPr b="0" lang="en-CA" sz="2000" spc="-1" strike="noStrike">
+              <a:latin typeface="Arial"/>
+            </a:endParaRPr>
+          </a:p>
+          <a:p>
+            <a:pPr>
               <a:lnSpc>
                 <a:spcPct val="150000"/>
               </a:lnSpc>
               <a:spcBef>
                 <a:spcPts val="479"/>
               </a:spcBef>
-              <a:buClr>
-                <a:srgbClr val="000000"/>
-              </a:buClr>
-              <a:buFont typeface="Symbol" charset="2"/>
-              <a:buChar char=""/>
             </a:pPr>
-            <a:endParaRPr b="0" lang="en-US" sz="2000" spc="-1" strike="noStrike">
-              <a:solidFill>
-                <a:srgbClr val="000000"/>
-              </a:solidFill>
-              <a:latin typeface="Calibri"/>
+            <a:endParaRPr b="0" lang="en-CA" sz="2000" spc="-1" strike="noStrike">
+              <a:latin typeface="Arial"/>
             </a:endParaRPr>
           </a:p>
         </p:txBody>
@@ -5609,14 +5412,14 @@
       </p:grpSpPr>
       <p:sp>
         <p:nvSpPr>
-          <p:cNvPr id="95" name="TextShape 1"/>
-          <p:cNvSpPr txBox="1"/>
+          <p:cNvPr id="95" name="CustomShape 1"/>
+          <p:cNvSpPr/>
           <p:nvPr/>
         </p:nvSpPr>
         <p:spPr>
           <a:xfrm>
             <a:off x="457200" y="274680"/>
-            <a:ext cx="8229240" cy="1142640"/>
+            <a:ext cx="8228880" cy="1142280"/>
           </a:xfrm>
           <a:prstGeom prst="rect">
             <a:avLst/>
@@ -5626,6 +5429,12 @@
             <a:noFill/>
           </a:ln>
         </p:spPr>
+        <p:style>
+          <a:lnRef idx="0"/>
+          <a:fillRef idx="0"/>
+          <a:effectRef idx="0"/>
+          <a:fontRef idx="minor"/>
+        </p:style>
         <p:txBody>
           <a:bodyPr lIns="90000" rIns="90000" tIns="45000" bIns="45000">
             <a:noAutofit/>
@@ -5646,25 +5455,22 @@
               </a:rPr>
               <a:t>Basic Structure</a:t>
             </a:r>
-            <a:endParaRPr b="0" lang="en-US" sz="4400" spc="-1" strike="noStrike">
-              <a:solidFill>
-                <a:srgbClr val="000000"/>
-              </a:solidFill>
-              <a:latin typeface="Arial"/>
-            </a:endParaRPr>
-          </a:p>
-        </p:txBody>
-      </p:sp>
-      <p:sp>
-        <p:nvSpPr>
-          <p:cNvPr id="96" name="TextShape 2"/>
-          <p:cNvSpPr txBox="1"/>
+            <a:endParaRPr b="0" lang="en-CA" sz="4400" spc="-1" strike="noStrike">
+              <a:latin typeface="Arial"/>
+            </a:endParaRPr>
+          </a:p>
+        </p:txBody>
+      </p:sp>
+      <p:sp>
+        <p:nvSpPr>
+          <p:cNvPr id="96" name="CustomShape 2"/>
+          <p:cNvSpPr/>
           <p:nvPr/>
         </p:nvSpPr>
         <p:spPr>
           <a:xfrm>
             <a:off x="999000" y="1296000"/>
-            <a:ext cx="6777000" cy="3962160"/>
+            <a:ext cx="6776640" cy="3961800"/>
           </a:xfrm>
           <a:prstGeom prst="rect">
             <a:avLst/>
@@ -5674,12 +5480,18 @@
             <a:noFill/>
           </a:ln>
         </p:spPr>
+        <p:style>
+          <a:lnRef idx="0"/>
+          <a:fillRef idx="0"/>
+          <a:effectRef idx="0"/>
+          <a:fontRef idx="minor"/>
+        </p:style>
         <p:txBody>
           <a:bodyPr lIns="90000" rIns="90000" tIns="45000" bIns="45000">
             <a:noAutofit/>
           </a:bodyPr>
           <a:p>
-            <a:pPr marL="343080" indent="-342720">
+            <a:pPr marL="343080" indent="-342360">
               <a:lnSpc>
                 <a:spcPct val="150000"/>
               </a:lnSpc>
@@ -5689,7 +5501,7 @@
               <a:buClr>
                 <a:srgbClr val="000000"/>
               </a:buClr>
-              <a:buFont typeface="Symbol" charset="2"/>
+              <a:buFont typeface="Symbol"/>
               <a:buChar char=""/>
             </a:pPr>
             <a:r>
@@ -5702,15 +5514,12 @@
               </a:rPr>
               <a:t>Application Containers (Docker)</a:t>
             </a:r>
-            <a:endParaRPr b="0" lang="en-US" sz="2000" spc="-1" strike="noStrike">
-              <a:solidFill>
-                <a:srgbClr val="000000"/>
-              </a:solidFill>
-              <a:latin typeface="Calibri"/>
-            </a:endParaRPr>
-          </a:p>
-          <a:p>
-            <a:pPr marL="343080" indent="-342720">
+            <a:endParaRPr b="0" lang="en-CA" sz="2000" spc="-1" strike="noStrike">
+              <a:latin typeface="Arial"/>
+            </a:endParaRPr>
+          </a:p>
+          <a:p>
+            <a:pPr marL="343080" indent="-342360">
               <a:lnSpc>
                 <a:spcPct val="150000"/>
               </a:lnSpc>
@@ -5720,7 +5529,7 @@
               <a:buClr>
                 <a:srgbClr val="000000"/>
               </a:buClr>
-              <a:buFont typeface="Symbol" charset="2"/>
+              <a:buFont typeface="Symbol"/>
               <a:buChar char=""/>
             </a:pPr>
             <a:r>
@@ -5733,15 +5542,12 @@
               </a:rPr>
               <a:t>HA Clusters</a:t>
             </a:r>
-            <a:endParaRPr b="0" lang="en-US" sz="2000" spc="-1" strike="noStrike">
-              <a:solidFill>
-                <a:srgbClr val="000000"/>
-              </a:solidFill>
-              <a:latin typeface="Calibri"/>
-            </a:endParaRPr>
-          </a:p>
-          <a:p>
-            <a:pPr marL="343080" indent="-342720">
+            <a:endParaRPr b="0" lang="en-CA" sz="2000" spc="-1" strike="noStrike">
+              <a:latin typeface="Arial"/>
+            </a:endParaRPr>
+          </a:p>
+          <a:p>
+            <a:pPr marL="343080" indent="-342360">
               <a:lnSpc>
                 <a:spcPct val="150000"/>
               </a:lnSpc>
@@ -5751,7 +5557,7 @@
               <a:buClr>
                 <a:srgbClr val="000000"/>
               </a:buClr>
-              <a:buFont typeface="Symbol" charset="2"/>
+              <a:buFont typeface="Symbol"/>
               <a:buChar char=""/>
             </a:pPr>
             <a:r>
@@ -5764,11 +5570,8 @@
               </a:rPr>
               <a:t>Application Deployment and Management</a:t>
             </a:r>
-            <a:endParaRPr b="0" lang="en-US" sz="2000" spc="-1" strike="noStrike">
-              <a:solidFill>
-                <a:srgbClr val="000000"/>
-              </a:solidFill>
-              <a:latin typeface="Calibri"/>
+            <a:endParaRPr b="0" lang="en-CA" sz="2000" spc="-1" strike="noStrike">
+              <a:latin typeface="Arial"/>
             </a:endParaRPr>
           </a:p>
           <a:p>
@@ -5780,11 +5583,8 @@
                 <a:spcPts val="400"/>
               </a:spcBef>
             </a:pPr>
-            <a:endParaRPr b="0" lang="en-US" sz="2000" spc="-1" strike="noStrike">
-              <a:solidFill>
-                <a:srgbClr val="000000"/>
-              </a:solidFill>
-              <a:latin typeface="Calibri"/>
+            <a:endParaRPr b="0" lang="en-CA" sz="2000" spc="-1" strike="noStrike">
+              <a:latin typeface="Arial"/>
             </a:endParaRPr>
           </a:p>
         </p:txBody>
@@ -5821,14 +5621,14 @@
       </p:grpSpPr>
       <p:sp>
         <p:nvSpPr>
-          <p:cNvPr id="97" name="TextShape 1"/>
-          <p:cNvSpPr txBox="1"/>
+          <p:cNvPr id="97" name="CustomShape 1"/>
+          <p:cNvSpPr/>
           <p:nvPr/>
         </p:nvSpPr>
         <p:spPr>
           <a:xfrm>
             <a:off x="457200" y="274680"/>
-            <a:ext cx="8229240" cy="1142640"/>
+            <a:ext cx="8228880" cy="1142280"/>
           </a:xfrm>
           <a:prstGeom prst="rect">
             <a:avLst/>
@@ -5838,6 +5638,12 @@
             <a:noFill/>
           </a:ln>
         </p:spPr>
+        <p:style>
+          <a:lnRef idx="0"/>
+          <a:fillRef idx="0"/>
+          <a:effectRef idx="0"/>
+          <a:fontRef idx="minor"/>
+        </p:style>
         <p:txBody>
           <a:bodyPr lIns="90000" rIns="90000" tIns="45000" bIns="45000">
             <a:noAutofit/>
@@ -5858,25 +5664,22 @@
               </a:rPr>
               <a:t>Course Philosophy</a:t>
             </a:r>
-            <a:endParaRPr b="0" lang="en-US" sz="4400" spc="-1" strike="noStrike">
-              <a:solidFill>
-                <a:srgbClr val="000000"/>
-              </a:solidFill>
-              <a:latin typeface="Arial"/>
-            </a:endParaRPr>
-          </a:p>
-        </p:txBody>
-      </p:sp>
-      <p:sp>
-        <p:nvSpPr>
-          <p:cNvPr id="98" name="TextShape 2"/>
-          <p:cNvSpPr txBox="1"/>
+            <a:endParaRPr b="0" lang="en-CA" sz="4400" spc="-1" strike="noStrike">
+              <a:latin typeface="Arial"/>
+            </a:endParaRPr>
+          </a:p>
+        </p:txBody>
+      </p:sp>
+      <p:sp>
+        <p:nvSpPr>
+          <p:cNvPr id="98" name="CustomShape 2"/>
+          <p:cNvSpPr/>
           <p:nvPr/>
         </p:nvSpPr>
         <p:spPr>
           <a:xfrm>
             <a:off x="1143000" y="1295280"/>
-            <a:ext cx="7619760" cy="3962160"/>
+            <a:ext cx="7619400" cy="3961800"/>
           </a:xfrm>
           <a:prstGeom prst="rect">
             <a:avLst/>
@@ -5886,12 +5689,18 @@
             <a:noFill/>
           </a:ln>
         </p:spPr>
+        <p:style>
+          <a:lnRef idx="0"/>
+          <a:fillRef idx="0"/>
+          <a:effectRef idx="0"/>
+          <a:fontRef idx="minor"/>
+        </p:style>
         <p:txBody>
           <a:bodyPr lIns="90000" rIns="90000" tIns="45000" bIns="45000">
             <a:noAutofit/>
           </a:bodyPr>
           <a:p>
-            <a:pPr marL="343080" indent="-342720">
+            <a:pPr marL="343080" indent="-342360">
               <a:lnSpc>
                 <a:spcPct val="150000"/>
               </a:lnSpc>
@@ -5901,7 +5710,7 @@
               <a:buClr>
                 <a:srgbClr val="000000"/>
               </a:buClr>
-              <a:buFont typeface="Symbol" charset="2"/>
+              <a:buFont typeface="Symbol"/>
               <a:buChar char=""/>
             </a:pPr>
             <a:r>
@@ -5914,15 +5723,12 @@
               </a:rPr>
               <a:t>Learn the tools</a:t>
             </a:r>
-            <a:endParaRPr b="0" lang="en-US" sz="2000" spc="-1" strike="noStrike">
-              <a:solidFill>
-                <a:srgbClr val="000000"/>
-              </a:solidFill>
-              <a:latin typeface="Calibri"/>
-            </a:endParaRPr>
-          </a:p>
-          <a:p>
-            <a:pPr marL="343080" indent="-342720">
+            <a:endParaRPr b="0" lang="en-CA" sz="2000" spc="-1" strike="noStrike">
+              <a:latin typeface="Arial"/>
+            </a:endParaRPr>
+          </a:p>
+          <a:p>
+            <a:pPr marL="343080" indent="-342360">
               <a:lnSpc>
                 <a:spcPct val="150000"/>
               </a:lnSpc>
@@ -5932,7 +5738,7 @@
               <a:buClr>
                 <a:srgbClr val="000000"/>
               </a:buClr>
-              <a:buFont typeface="Symbol" charset="2"/>
+              <a:buFont typeface="Symbol"/>
               <a:buChar char=""/>
             </a:pPr>
             <a:r>
@@ -5945,11 +5751,8 @@
               </a:rPr>
               <a:t>Apply the tools to exercises that simulate tasks you may face in a production environment</a:t>
             </a:r>
-            <a:endParaRPr b="0" lang="en-US" sz="2000" spc="-1" strike="noStrike">
-              <a:solidFill>
-                <a:srgbClr val="000000"/>
-              </a:solidFill>
-              <a:latin typeface="Calibri"/>
+            <a:endParaRPr b="0" lang="en-CA" sz="2000" spc="-1" strike="noStrike">
+              <a:latin typeface="Arial"/>
             </a:endParaRPr>
           </a:p>
         </p:txBody>
@@ -5986,14 +5789,14 @@
       </p:grpSpPr>
       <p:sp>
         <p:nvSpPr>
-          <p:cNvPr id="99" name="TextShape 1"/>
-          <p:cNvSpPr txBox="1"/>
+          <p:cNvPr id="99" name="CustomShape 1"/>
+          <p:cNvSpPr/>
           <p:nvPr/>
         </p:nvSpPr>
         <p:spPr>
           <a:xfrm>
             <a:off x="457200" y="274680"/>
-            <a:ext cx="8229240" cy="1142640"/>
+            <a:ext cx="8228880" cy="1142280"/>
           </a:xfrm>
           <a:prstGeom prst="rect">
             <a:avLst/>
@@ -6003,31 +5806,23 @@
             <a:noFill/>
           </a:ln>
         </p:spPr>
-        <p:txBody>
-          <a:bodyPr lIns="90000" rIns="90000" tIns="45000" bIns="45000">
-            <a:noAutofit/>
-          </a:bodyPr>
-          <a:p>
-            <a:pPr algn="r"/>
-            <a:endParaRPr b="0" lang="en-US" sz="4400" spc="-1" strike="noStrike">
-              <a:solidFill>
-                <a:srgbClr val="000000"/>
-              </a:solidFill>
-              <a:latin typeface="Arial"/>
-            </a:endParaRPr>
-          </a:p>
-        </p:txBody>
-      </p:sp>
-      <p:sp>
-        <p:nvSpPr>
-          <p:cNvPr id="100" name="TextShape 2"/>
-          <p:cNvSpPr txBox="1"/>
+        <p:style>
+          <a:lnRef idx="0"/>
+          <a:fillRef idx="0"/>
+          <a:effectRef idx="0"/>
+          <a:fontRef idx="minor"/>
+        </p:style>
+      </p:sp>
+      <p:sp>
+        <p:nvSpPr>
+          <p:cNvPr id="100" name="CustomShape 2"/>
+          <p:cNvSpPr/>
           <p:nvPr/>
         </p:nvSpPr>
         <p:spPr>
           <a:xfrm>
             <a:off x="1143000" y="1676520"/>
-            <a:ext cx="7619760" cy="3580920"/>
+            <a:ext cx="7619400" cy="3580560"/>
           </a:xfrm>
           <a:prstGeom prst="rect">
             <a:avLst/>
@@ -6037,6 +5832,12 @@
             <a:noFill/>
           </a:ln>
         </p:spPr>
+        <p:style>
+          <a:lnRef idx="0"/>
+          <a:fillRef idx="0"/>
+          <a:effectRef idx="0"/>
+          <a:fontRef idx="minor"/>
+        </p:style>
         <p:txBody>
           <a:bodyPr lIns="90000" rIns="90000" tIns="45000" bIns="45000">
             <a:noAutofit/>
@@ -6063,11 +5864,8 @@
               </a:rPr>
               <a:t>Let’s build some cool stuff!</a:t>
             </a:r>
-            <a:endParaRPr b="0" lang="en-US" sz="3200" spc="-1" strike="noStrike">
-              <a:solidFill>
-                <a:srgbClr val="000000"/>
-              </a:solidFill>
-              <a:latin typeface="Calibri"/>
+            <a:endParaRPr b="0" lang="en-CA" sz="3200" spc="-1" strike="noStrike">
+              <a:latin typeface="Arial"/>
             </a:endParaRPr>
           </a:p>
         </p:txBody>

--- a/Introduction/Lecture.pptx
+++ b/Introduction/Lecture.pptx
@@ -16,7 +16,6 @@
     <p:sldId id="260" r:id="rId9"/>
     <p:sldId id="261" r:id="rId10"/>
     <p:sldId id="262" r:id="rId11"/>
-    <p:sldId id="263" r:id="rId12"/>
   </p:sldIdLst>
   <p:sldSz cx="9144000" cy="6858000"/>
   <p:notesSz cx="6858000" cy="9144000"/>
@@ -247,7 +246,7 @@
           </a:bodyPr>
           <a:p>
             <a:pPr algn="r"/>
-            <a:fld id="{DF9860CB-4478-49D0-B7D9-8FD32604811C}" type="slidenum">
+            <a:fld id="{7368CFC8-ECA1-450C-B160-3FFE370F6F92}" type="slidenum">
               <a:rPr b="0" lang="en-CA" sz="1400" spc="-1" strike="noStrike">
                 <a:latin typeface="Times New Roman"/>
               </a:rPr>
@@ -284,14 +283,14 @@
       </p:grpSpPr>
       <p:sp>
         <p:nvSpPr>
-          <p:cNvPr id="101" name="CustomShape 1"/>
+          <p:cNvPr id="99" name="CustomShape 1"/>
           <p:cNvSpPr/>
           <p:nvPr/>
         </p:nvSpPr>
         <p:spPr>
           <a:xfrm>
             <a:off x="3884760" y="8685360"/>
-            <a:ext cx="2971080" cy="456480"/>
+            <a:ext cx="2970360" cy="455760"/>
           </a:xfrm>
           <a:prstGeom prst="rect">
             <a:avLst/>
@@ -317,8 +316,11 @@
                 <a:spcPct val="100000"/>
               </a:lnSpc>
             </a:pPr>
-            <a:fld id="{FAA011BD-9610-4CBD-B3F0-352FB2A70E67}" type="slidenum">
+            <a:fld id="{270F42BF-6D1C-4450-B3E6-1E905C4266DE}" type="slidenum">
               <a:rPr b="0" lang="en-US" sz="1200" spc="-1" strike="noStrike">
+                <a:solidFill>
+                  <a:srgbClr val="000000"/>
+                </a:solidFill>
                 <a:latin typeface="Times New Roman"/>
                 <a:ea typeface="Lucida Sans Unicode"/>
               </a:rPr>
@@ -332,7 +334,7 @@
       </p:sp>
       <p:sp>
         <p:nvSpPr>
-          <p:cNvPr id="102" name="PlaceHolder 2"/>
+          <p:cNvPr id="100" name="PlaceHolder 2"/>
           <p:cNvSpPr>
             <a:spLocks noGrp="1"/>
           </p:cNvSpPr>
@@ -343,16 +345,16 @@
         <p:spPr>
           <a:xfrm>
             <a:off x="1143000" y="685800"/>
-            <a:ext cx="4571280" cy="3428280"/>
-          </a:xfrm>
-          <a:prstGeom prst="rect">
-            <a:avLst/>
-          </a:prstGeom>
-        </p:spPr>
-      </p:sp>
-      <p:sp>
-        <p:nvSpPr>
-          <p:cNvPr id="103" name="PlaceHolder 3"/>
+            <a:ext cx="4570560" cy="3427560"/>
+          </a:xfrm>
+          <a:prstGeom prst="rect">
+            <a:avLst/>
+          </a:prstGeom>
+        </p:spPr>
+      </p:sp>
+      <p:sp>
+        <p:nvSpPr>
+          <p:cNvPr id="101" name="PlaceHolder 3"/>
           <p:cNvSpPr>
             <a:spLocks noGrp="1"/>
           </p:cNvSpPr>
@@ -363,7 +365,7 @@
         <p:spPr>
           <a:xfrm>
             <a:off x="685800" y="4343400"/>
-            <a:ext cx="5485680" cy="4114080"/>
+            <a:ext cx="5484960" cy="4113360"/>
           </a:xfrm>
           <a:prstGeom prst="rect">
             <a:avLst/>
@@ -404,14 +406,14 @@
       </p:grpSpPr>
       <p:sp>
         <p:nvSpPr>
-          <p:cNvPr id="104" name="CustomShape 1"/>
+          <p:cNvPr id="102" name="CustomShape 1"/>
           <p:cNvSpPr/>
           <p:nvPr/>
         </p:nvSpPr>
         <p:spPr>
           <a:xfrm>
             <a:off x="3884760" y="8685360"/>
-            <a:ext cx="2971080" cy="456480"/>
+            <a:ext cx="2970360" cy="455760"/>
           </a:xfrm>
           <a:prstGeom prst="rect">
             <a:avLst/>
@@ -437,8 +439,11 @@
                 <a:spcPct val="100000"/>
               </a:lnSpc>
             </a:pPr>
-            <a:fld id="{76E59792-F906-4FEB-9403-449A947CA169}" type="slidenum">
+            <a:fld id="{FE71E861-B6CC-4EF9-99C2-8C267DFD6861}" type="slidenum">
               <a:rPr b="0" lang="en-US" sz="1200" spc="-1" strike="noStrike">
+                <a:solidFill>
+                  <a:srgbClr val="000000"/>
+                </a:solidFill>
                 <a:latin typeface="Times New Roman"/>
                 <a:ea typeface="Lucida Sans Unicode"/>
               </a:rPr>
@@ -452,7 +457,7 @@
       </p:sp>
       <p:sp>
         <p:nvSpPr>
-          <p:cNvPr id="105" name="PlaceHolder 2"/>
+          <p:cNvPr id="103" name="PlaceHolder 2"/>
           <p:cNvSpPr>
             <a:spLocks noGrp="1"/>
           </p:cNvSpPr>
@@ -463,16 +468,16 @@
         <p:spPr>
           <a:xfrm>
             <a:off x="1143000" y="685800"/>
-            <a:ext cx="4571280" cy="3428280"/>
-          </a:xfrm>
-          <a:prstGeom prst="rect">
-            <a:avLst/>
-          </a:prstGeom>
-        </p:spPr>
-      </p:sp>
-      <p:sp>
-        <p:nvSpPr>
-          <p:cNvPr id="106" name="PlaceHolder 3"/>
+            <a:ext cx="4570560" cy="3427560"/>
+          </a:xfrm>
+          <a:prstGeom prst="rect">
+            <a:avLst/>
+          </a:prstGeom>
+        </p:spPr>
+      </p:sp>
+      <p:sp>
+        <p:nvSpPr>
+          <p:cNvPr id="104" name="PlaceHolder 3"/>
           <p:cNvSpPr>
             <a:spLocks noGrp="1"/>
           </p:cNvSpPr>
@@ -483,7 +488,7 @@
         <p:spPr>
           <a:xfrm>
             <a:off x="685800" y="4343400"/>
-            <a:ext cx="5485680" cy="4114080"/>
+            <a:ext cx="5484960" cy="4113360"/>
           </a:xfrm>
           <a:prstGeom prst="rect">
             <a:avLst/>
@@ -524,14 +529,14 @@
       </p:grpSpPr>
       <p:sp>
         <p:nvSpPr>
-          <p:cNvPr id="107" name="CustomShape 1"/>
+          <p:cNvPr id="105" name="CustomShape 1"/>
           <p:cNvSpPr/>
           <p:nvPr/>
         </p:nvSpPr>
         <p:spPr>
           <a:xfrm>
             <a:off x="3884760" y="8685360"/>
-            <a:ext cx="2971080" cy="456480"/>
+            <a:ext cx="2970360" cy="455760"/>
           </a:xfrm>
           <a:prstGeom prst="rect">
             <a:avLst/>
@@ -557,8 +562,11 @@
                 <a:spcPct val="100000"/>
               </a:lnSpc>
             </a:pPr>
-            <a:fld id="{0D47E349-7501-4D52-9A7D-9A00C6814818}" type="slidenum">
+            <a:fld id="{F5078E5B-7293-48A2-B01B-B363D9E911A8}" type="slidenum">
               <a:rPr b="0" lang="en-US" sz="1200" spc="-1" strike="noStrike">
+                <a:solidFill>
+                  <a:srgbClr val="000000"/>
+                </a:solidFill>
                 <a:latin typeface="Times New Roman"/>
                 <a:ea typeface="Lucida Sans Unicode"/>
               </a:rPr>
@@ -572,7 +580,7 @@
       </p:sp>
       <p:sp>
         <p:nvSpPr>
-          <p:cNvPr id="108" name="PlaceHolder 2"/>
+          <p:cNvPr id="106" name="PlaceHolder 2"/>
           <p:cNvSpPr>
             <a:spLocks noGrp="1"/>
           </p:cNvSpPr>
@@ -583,16 +591,16 @@
         <p:spPr>
           <a:xfrm>
             <a:off x="1143000" y="685800"/>
-            <a:ext cx="4571280" cy="3428280"/>
-          </a:xfrm>
-          <a:prstGeom prst="rect">
-            <a:avLst/>
-          </a:prstGeom>
-        </p:spPr>
-      </p:sp>
-      <p:sp>
-        <p:nvSpPr>
-          <p:cNvPr id="109" name="PlaceHolder 3"/>
+            <a:ext cx="4570560" cy="3427560"/>
+          </a:xfrm>
+          <a:prstGeom prst="rect">
+            <a:avLst/>
+          </a:prstGeom>
+        </p:spPr>
+      </p:sp>
+      <p:sp>
+        <p:nvSpPr>
+          <p:cNvPr id="107" name="PlaceHolder 3"/>
           <p:cNvSpPr>
             <a:spLocks noGrp="1"/>
           </p:cNvSpPr>
@@ -603,7 +611,7 @@
         <p:spPr>
           <a:xfrm>
             <a:off x="685800" y="4343400"/>
-            <a:ext cx="5485680" cy="4114080"/>
+            <a:ext cx="5484960" cy="4113360"/>
           </a:xfrm>
           <a:prstGeom prst="rect">
             <a:avLst/>
@@ -644,14 +652,14 @@
       </p:grpSpPr>
       <p:sp>
         <p:nvSpPr>
-          <p:cNvPr id="110" name="CustomShape 1"/>
+          <p:cNvPr id="108" name="CustomShape 1"/>
           <p:cNvSpPr/>
           <p:nvPr/>
         </p:nvSpPr>
         <p:spPr>
           <a:xfrm>
             <a:off x="3884760" y="8685360"/>
-            <a:ext cx="2971080" cy="456480"/>
+            <a:ext cx="2970360" cy="455760"/>
           </a:xfrm>
           <a:prstGeom prst="rect">
             <a:avLst/>
@@ -677,8 +685,11 @@
                 <a:spcPct val="100000"/>
               </a:lnSpc>
             </a:pPr>
-            <a:fld id="{02E039FB-92FE-489D-8181-564A40519928}" type="slidenum">
+            <a:fld id="{106F1AAC-C3AD-4F63-AECE-9120635951B6}" type="slidenum">
               <a:rPr b="0" lang="en-US" sz="1200" spc="-1" strike="noStrike">
+                <a:solidFill>
+                  <a:srgbClr val="000000"/>
+                </a:solidFill>
                 <a:latin typeface="Times New Roman"/>
                 <a:ea typeface="Lucida Sans Unicode"/>
               </a:rPr>
@@ -692,7 +703,7 @@
       </p:sp>
       <p:sp>
         <p:nvSpPr>
-          <p:cNvPr id="111" name="PlaceHolder 2"/>
+          <p:cNvPr id="109" name="PlaceHolder 2"/>
           <p:cNvSpPr>
             <a:spLocks noGrp="1"/>
           </p:cNvSpPr>
@@ -703,16 +714,16 @@
         <p:spPr>
           <a:xfrm>
             <a:off x="1143000" y="685800"/>
-            <a:ext cx="4571280" cy="3428280"/>
-          </a:xfrm>
-          <a:prstGeom prst="rect">
-            <a:avLst/>
-          </a:prstGeom>
-        </p:spPr>
-      </p:sp>
-      <p:sp>
-        <p:nvSpPr>
-          <p:cNvPr id="112" name="PlaceHolder 3"/>
+            <a:ext cx="4570560" cy="3427560"/>
+          </a:xfrm>
+          <a:prstGeom prst="rect">
+            <a:avLst/>
+          </a:prstGeom>
+        </p:spPr>
+      </p:sp>
+      <p:sp>
+        <p:nvSpPr>
+          <p:cNvPr id="110" name="PlaceHolder 3"/>
           <p:cNvSpPr>
             <a:spLocks noGrp="1"/>
           </p:cNvSpPr>
@@ -723,7 +734,7 @@
         <p:spPr>
           <a:xfrm>
             <a:off x="685800" y="4343400"/>
-            <a:ext cx="5485680" cy="4114080"/>
+            <a:ext cx="5484960" cy="4113360"/>
           </a:xfrm>
           <a:prstGeom prst="rect">
             <a:avLst/>
@@ -764,14 +775,14 @@
       </p:grpSpPr>
       <p:sp>
         <p:nvSpPr>
-          <p:cNvPr id="113" name="CustomShape 1"/>
+          <p:cNvPr id="111" name="CustomShape 1"/>
           <p:cNvSpPr/>
           <p:nvPr/>
         </p:nvSpPr>
         <p:spPr>
           <a:xfrm>
             <a:off x="3884760" y="8685360"/>
-            <a:ext cx="2971080" cy="456480"/>
+            <a:ext cx="2970360" cy="455760"/>
           </a:xfrm>
           <a:prstGeom prst="rect">
             <a:avLst/>
@@ -797,8 +808,11 @@
                 <a:spcPct val="100000"/>
               </a:lnSpc>
             </a:pPr>
-            <a:fld id="{29E31662-24DB-4672-89CC-44E7DD035B12}" type="slidenum">
+            <a:fld id="{20F84121-B392-469F-8245-E1C02E256BF6}" type="slidenum">
               <a:rPr b="0" lang="en-US" sz="1200" spc="-1" strike="noStrike">
+                <a:solidFill>
+                  <a:srgbClr val="000000"/>
+                </a:solidFill>
                 <a:latin typeface="Times New Roman"/>
                 <a:ea typeface="Lucida Sans Unicode"/>
               </a:rPr>
@@ -812,7 +826,7 @@
       </p:sp>
       <p:sp>
         <p:nvSpPr>
-          <p:cNvPr id="114" name="PlaceHolder 2"/>
+          <p:cNvPr id="112" name="PlaceHolder 2"/>
           <p:cNvSpPr>
             <a:spLocks noGrp="1"/>
           </p:cNvSpPr>
@@ -823,16 +837,16 @@
         <p:spPr>
           <a:xfrm>
             <a:off x="1143000" y="685800"/>
-            <a:ext cx="4571280" cy="3428280"/>
-          </a:xfrm>
-          <a:prstGeom prst="rect">
-            <a:avLst/>
-          </a:prstGeom>
-        </p:spPr>
-      </p:sp>
-      <p:sp>
-        <p:nvSpPr>
-          <p:cNvPr id="115" name="PlaceHolder 3"/>
+            <a:ext cx="4570560" cy="3427560"/>
+          </a:xfrm>
+          <a:prstGeom prst="rect">
+            <a:avLst/>
+          </a:prstGeom>
+        </p:spPr>
+      </p:sp>
+      <p:sp>
+        <p:nvSpPr>
+          <p:cNvPr id="113" name="PlaceHolder 3"/>
           <p:cNvSpPr>
             <a:spLocks noGrp="1"/>
           </p:cNvSpPr>
@@ -843,7 +857,7 @@
         <p:spPr>
           <a:xfrm>
             <a:off x="685800" y="4343400"/>
-            <a:ext cx="5485680" cy="4114080"/>
+            <a:ext cx="5484960" cy="4113360"/>
           </a:xfrm>
           <a:prstGeom prst="rect">
             <a:avLst/>
@@ -884,14 +898,14 @@
       </p:grpSpPr>
       <p:sp>
         <p:nvSpPr>
-          <p:cNvPr id="116" name="CustomShape 1"/>
+          <p:cNvPr id="114" name="CustomShape 1"/>
           <p:cNvSpPr/>
           <p:nvPr/>
         </p:nvSpPr>
         <p:spPr>
           <a:xfrm>
             <a:off x="3884760" y="8685360"/>
-            <a:ext cx="2971080" cy="456480"/>
+            <a:ext cx="2970360" cy="455760"/>
           </a:xfrm>
           <a:prstGeom prst="rect">
             <a:avLst/>
@@ -917,8 +931,11 @@
                 <a:spcPct val="100000"/>
               </a:lnSpc>
             </a:pPr>
-            <a:fld id="{71C00E6B-CF9E-4E1F-BC5E-BBDAD6E9124E}" type="slidenum">
+            <a:fld id="{AE7F6E36-5AC0-4578-B0C9-4036EF9B813D}" type="slidenum">
               <a:rPr b="0" lang="en-US" sz="1200" spc="-1" strike="noStrike">
+                <a:solidFill>
+                  <a:srgbClr val="000000"/>
+                </a:solidFill>
                 <a:latin typeface="Times New Roman"/>
                 <a:ea typeface="Lucida Sans Unicode"/>
               </a:rPr>
@@ -932,7 +949,7 @@
       </p:sp>
       <p:sp>
         <p:nvSpPr>
-          <p:cNvPr id="117" name="PlaceHolder 2"/>
+          <p:cNvPr id="115" name="PlaceHolder 2"/>
           <p:cNvSpPr>
             <a:spLocks noGrp="1"/>
           </p:cNvSpPr>
@@ -943,16 +960,16 @@
         <p:spPr>
           <a:xfrm>
             <a:off x="1143000" y="685800"/>
-            <a:ext cx="4571280" cy="3428280"/>
-          </a:xfrm>
-          <a:prstGeom prst="rect">
-            <a:avLst/>
-          </a:prstGeom>
-        </p:spPr>
-      </p:sp>
-      <p:sp>
-        <p:nvSpPr>
-          <p:cNvPr id="118" name="PlaceHolder 3"/>
+            <a:ext cx="4570560" cy="3427560"/>
+          </a:xfrm>
+          <a:prstGeom prst="rect">
+            <a:avLst/>
+          </a:prstGeom>
+        </p:spPr>
+      </p:sp>
+      <p:sp>
+        <p:nvSpPr>
+          <p:cNvPr id="116" name="PlaceHolder 3"/>
           <p:cNvSpPr>
             <a:spLocks noGrp="1"/>
           </p:cNvSpPr>
@@ -963,127 +980,7 @@
         <p:spPr>
           <a:xfrm>
             <a:off x="685800" y="4343400"/>
-            <a:ext cx="5485680" cy="4114080"/>
-          </a:xfrm>
-          <a:prstGeom prst="rect">
-            <a:avLst/>
-          </a:prstGeom>
-        </p:spPr>
-        <p:txBody>
-          <a:bodyPr lIns="0" rIns="0" tIns="0" bIns="0">
-            <a:noAutofit/>
-          </a:bodyPr>
-          <a:p>
-            <a:endParaRPr b="0" lang="en-CA" sz="2000" spc="-1" strike="noStrike">
-              <a:latin typeface="Arial"/>
-            </a:endParaRPr>
-          </a:p>
-        </p:txBody>
-      </p:sp>
-    </p:spTree>
-  </p:cSld>
-</p:notes>
-</file>
-
-<file path=ppt/notesSlides/notesSlide8.xml><?xml version="1.0" encoding="utf-8"?>
-<p:notes xmlns:a="http://schemas.openxmlformats.org/drawingml/2006/main" xmlns:p="http://schemas.openxmlformats.org/presentationml/2006/main" xmlns:r="http://schemas.openxmlformats.org/officeDocument/2006/relationships" xmlns:p14="http://schemas.microsoft.com/office/powerpoint/2010/main" xmlns:p15="http://schemas.microsoft.com/office/powerpoint/2012/main" xmlns:mc="http://schemas.openxmlformats.org/markup-compatibility/2006">
-  <p:cSld>
-    <p:spTree>
-      <p:nvGrpSpPr>
-        <p:cNvPr id="1" name=""/>
-        <p:cNvGrpSpPr/>
-        <p:nvPr/>
-      </p:nvGrpSpPr>
-      <p:grpSpPr>
-        <a:xfrm>
-          <a:off x="0" y="0"/>
-          <a:ext cx="0" cy="0"/>
-          <a:chOff x="0" y="0"/>
-          <a:chExt cx="0" cy="0"/>
-        </a:xfrm>
-      </p:grpSpPr>
-      <p:sp>
-        <p:nvSpPr>
-          <p:cNvPr id="119" name="CustomShape 1"/>
-          <p:cNvSpPr/>
-          <p:nvPr/>
-        </p:nvSpPr>
-        <p:spPr>
-          <a:xfrm>
-            <a:off x="3884760" y="8685360"/>
-            <a:ext cx="2971080" cy="456480"/>
-          </a:xfrm>
-          <a:prstGeom prst="rect">
-            <a:avLst/>
-          </a:prstGeom>
-          <a:noFill/>
-          <a:ln w="9360">
-            <a:noFill/>
-          </a:ln>
-        </p:spPr>
-        <p:style>
-          <a:lnRef idx="0"/>
-          <a:fillRef idx="0"/>
-          <a:effectRef idx="0"/>
-          <a:fontRef idx="minor"/>
-        </p:style>
-        <p:txBody>
-          <a:bodyPr lIns="90000" rIns="90000" tIns="45000" bIns="45000" anchor="b">
-            <a:noAutofit/>
-          </a:bodyPr>
-          <a:p>
-            <a:pPr>
-              <a:lnSpc>
-                <a:spcPct val="100000"/>
-              </a:lnSpc>
-            </a:pPr>
-            <a:fld id="{32D55D77-2201-40A4-B4C6-FB051D2BEBBB}" type="slidenum">
-              <a:rPr b="0" lang="en-US" sz="1200" spc="-1" strike="noStrike">
-                <a:latin typeface="Times New Roman"/>
-                <a:ea typeface="Lucida Sans Unicode"/>
-              </a:rPr>
-              <a:t>&lt;number&gt;</a:t>
-            </a:fld>
-            <a:endParaRPr b="0" lang="en-CA" sz="1200" spc="-1" strike="noStrike">
-              <a:latin typeface="Arial"/>
-            </a:endParaRPr>
-          </a:p>
-        </p:txBody>
-      </p:sp>
-      <p:sp>
-        <p:nvSpPr>
-          <p:cNvPr id="120" name="PlaceHolder 2"/>
-          <p:cNvSpPr>
-            <a:spLocks noGrp="1"/>
-          </p:cNvSpPr>
-          <p:nvPr>
-            <p:ph type="sldImg"/>
-          </p:nvPr>
-        </p:nvSpPr>
-        <p:spPr>
-          <a:xfrm>
-            <a:off x="1143000" y="685800"/>
-            <a:ext cx="4571280" cy="3428280"/>
-          </a:xfrm>
-          <a:prstGeom prst="rect">
-            <a:avLst/>
-          </a:prstGeom>
-        </p:spPr>
-      </p:sp>
-      <p:sp>
-        <p:nvSpPr>
-          <p:cNvPr id="121" name="PlaceHolder 3"/>
-          <p:cNvSpPr>
-            <a:spLocks noGrp="1"/>
-          </p:cNvSpPr>
-          <p:nvPr>
-            <p:ph type="body"/>
-          </p:nvPr>
-        </p:nvSpPr>
-        <p:spPr>
-          <a:xfrm>
-            <a:off x="685800" y="4343400"/>
-            <a:ext cx="5485680" cy="4114080"/>
+            <a:ext cx="5484960" cy="4113360"/>
           </a:xfrm>
           <a:prstGeom prst="rect">
             <a:avLst/>
@@ -3854,7 +3751,7 @@
         <p:spPr>
           <a:xfrm>
             <a:off x="35640" y="6099120"/>
-            <a:ext cx="2532960" cy="713520"/>
+            <a:ext cx="2532240" cy="712800"/>
           </a:xfrm>
           <a:prstGeom prst="rect">
             <a:avLst/>
@@ -3876,8 +3773,8 @@
         </p:nvSpPr>
         <p:spPr>
           <a:xfrm>
-            <a:off x="457200" y="274680"/>
-            <a:ext cx="8228880" cy="1142280"/>
+            <a:off x="457200" y="273600"/>
+            <a:ext cx="8229240" cy="1144800"/>
           </a:xfrm>
           <a:prstGeom prst="rect">
             <a:avLst/>
@@ -3888,13 +3785,14 @@
             <a:noAutofit/>
           </a:bodyPr>
           <a:p>
+            <a:pPr algn="ctr"/>
             <a:r>
-              <a:rPr b="0" lang="en-CA" sz="1800" spc="-1" strike="noStrike">
+              <a:rPr b="0" lang="en-CA" sz="4400" spc="-1" strike="noStrike">
                 <a:latin typeface="Arial"/>
               </a:rPr>
               <a:t>Click to edit the title text format</a:t>
             </a:r>
-            <a:endParaRPr b="0" lang="en-CA" sz="1800" spc="-1" strike="noStrike">
+            <a:endParaRPr b="0" lang="en-CA" sz="4400" spc="-1" strike="noStrike">
               <a:latin typeface="Arial"/>
             </a:endParaRPr>
           </a:p>
@@ -4136,7 +4034,7 @@
         <p:spPr>
           <a:xfrm>
             <a:off x="35640" y="6099120"/>
-            <a:ext cx="2532960" cy="713520"/>
+            <a:ext cx="2532240" cy="712800"/>
           </a:xfrm>
           <a:prstGeom prst="rect">
             <a:avLst/>
@@ -4408,7 +4306,7 @@
         <p:spPr>
           <a:xfrm>
             <a:off x="685800" y="2130480"/>
-            <a:ext cx="7771680" cy="1469160"/>
+            <a:ext cx="7770960" cy="1468440"/>
           </a:xfrm>
           <a:prstGeom prst="rect">
             <a:avLst/>
@@ -4459,7 +4357,7 @@
         <p:spPr>
           <a:xfrm>
             <a:off x="1371600" y="3886200"/>
-            <a:ext cx="6400080" cy="1751760"/>
+            <a:ext cx="6399360" cy="1751040"/>
           </a:xfrm>
           <a:prstGeom prst="rect">
             <a:avLst/>
@@ -4515,7 +4413,7 @@
         <p:spPr>
           <a:xfrm>
             <a:off x="457200" y="274680"/>
-            <a:ext cx="8228880" cy="1142280"/>
+            <a:ext cx="8228160" cy="1141560"/>
           </a:xfrm>
           <a:prstGeom prst="rect">
             <a:avLst/>
@@ -4566,7 +4464,7 @@
         <p:spPr>
           <a:xfrm>
             <a:off x="457200" y="1600200"/>
-            <a:ext cx="8228880" cy="2056680"/>
+            <a:ext cx="8228160" cy="2055960"/>
           </a:xfrm>
           <a:prstGeom prst="rect">
             <a:avLst/>
@@ -4587,7 +4485,7 @@
             <a:noAutofit/>
           </a:bodyPr>
           <a:p>
-            <a:pPr marL="343080" indent="-342360">
+            <a:pPr marL="343080" indent="-341640">
               <a:lnSpc>
                 <a:spcPct val="100000"/>
               </a:lnSpc>
@@ -4615,7 +4513,7 @@
             </a:endParaRPr>
           </a:p>
           <a:p>
-            <a:pPr marL="343080" indent="-342360">
+            <a:pPr marL="343080" indent="-341640">
               <a:lnSpc>
                 <a:spcPct val="100000"/>
               </a:lnSpc>
@@ -4653,7 +4551,7 @@
         <p:spPr>
           <a:xfrm>
             <a:off x="1787040" y="5715000"/>
-            <a:ext cx="5406480" cy="303120"/>
+            <a:ext cx="5405760" cy="302760"/>
           </a:xfrm>
           <a:prstGeom prst="rect">
             <a:avLst/>
@@ -4734,7 +4632,7 @@
         <p:spPr>
           <a:xfrm>
             <a:off x="457200" y="274680"/>
-            <a:ext cx="8228880" cy="1142280"/>
+            <a:ext cx="8228160" cy="1141560"/>
           </a:xfrm>
           <a:prstGeom prst="rect">
             <a:avLst/>
@@ -4785,7 +4683,7 @@
         <p:spPr>
           <a:xfrm>
             <a:off x="609480" y="1295280"/>
-            <a:ext cx="7771680" cy="3504600"/>
+            <a:ext cx="7770960" cy="3503880"/>
           </a:xfrm>
           <a:prstGeom prst="rect">
             <a:avLst/>
@@ -4956,7 +4854,7 @@
         <p:spPr>
           <a:xfrm>
             <a:off x="457200" y="274680"/>
-            <a:ext cx="8228880" cy="1142280"/>
+            <a:ext cx="8228160" cy="1141560"/>
           </a:xfrm>
           <a:prstGeom prst="rect">
             <a:avLst/>
@@ -5006,8 +4904,8 @@
         </p:nvSpPr>
         <p:spPr>
           <a:xfrm>
-            <a:off x="1066680" y="1296000"/>
-            <a:ext cx="7619400" cy="3276000"/>
+            <a:off x="805320" y="1260720"/>
+            <a:ext cx="7618680" cy="3275280"/>
           </a:xfrm>
           <a:prstGeom prst="rect">
             <a:avLst/>
@@ -5028,7 +4926,7 @@
             <a:noAutofit/>
           </a:bodyPr>
           <a:p>
-            <a:pPr marL="343080" indent="-342360">
+            <a:pPr marL="343080" indent="-341640">
               <a:lnSpc>
                 <a:spcPct val="150000"/>
               </a:lnSpc>
@@ -5042,79 +4940,21 @@
               <a:buChar char=""/>
             </a:pPr>
             <a:r>
-              <a:rPr b="1" lang="en-US" sz="2000" spc="-1" strike="noStrike">
+              <a:rPr b="0" lang="en-US" sz="2000" spc="-1" strike="noStrike">
                 <a:solidFill>
                   <a:srgbClr val="000000"/>
                 </a:solidFill>
-                <a:latin typeface="Calibri"/>
+                <a:latin typeface="FreeSerif"/>
                 <a:ea typeface="ＭＳ Ｐゴシック"/>
               </a:rPr>
-              <a:t>Mix of distro’s:</a:t>
+              <a:t>It is each student’s responsibility to manage their own lab environment. </a:t>
             </a:r>
             <a:endParaRPr b="0" lang="en-CA" sz="2000" spc="-1" strike="noStrike">
               <a:latin typeface="Arial"/>
             </a:endParaRPr>
           </a:p>
           <a:p>
-            <a:pPr lvl="3" marL="864000" indent="-216000">
-              <a:lnSpc>
-                <a:spcPct val="150000"/>
-              </a:lnSpc>
-              <a:spcBef>
-                <a:spcPts val="479"/>
-              </a:spcBef>
-              <a:buClr>
-                <a:srgbClr val="000000"/>
-              </a:buClr>
-              <a:buSzPct val="45000"/>
-              <a:buFont typeface="Wingdings" charset="2"/>
-              <a:buChar char=""/>
-            </a:pPr>
-            <a:r>
-              <a:rPr b="1" lang="en-US" sz="2000" spc="-1" strike="noStrike">
-                <a:solidFill>
-                  <a:srgbClr val="000000"/>
-                </a:solidFill>
-                <a:latin typeface="Calibri"/>
-                <a:ea typeface="ＭＳ Ｐゴシック"/>
-              </a:rPr>
-              <a:t>- Ubuntu (20.04 Focal Fossa)</a:t>
-            </a:r>
-            <a:endParaRPr b="0" lang="en-CA" sz="2000" spc="-1" strike="noStrike">
-              <a:latin typeface="Arial"/>
-            </a:endParaRPr>
-          </a:p>
-          <a:p>
-            <a:pPr lvl="3" marL="864000" indent="-216000">
-              <a:lnSpc>
-                <a:spcPct val="150000"/>
-              </a:lnSpc>
-              <a:spcBef>
-                <a:spcPts val="479"/>
-              </a:spcBef>
-              <a:buClr>
-                <a:srgbClr val="000000"/>
-              </a:buClr>
-              <a:buSzPct val="45000"/>
-              <a:buFont typeface="Wingdings" charset="2"/>
-              <a:buChar char=""/>
-            </a:pPr>
-            <a:r>
-              <a:rPr b="1" lang="en-US" sz="2000" spc="-1" strike="noStrike">
-                <a:solidFill>
-                  <a:srgbClr val="000000"/>
-                </a:solidFill>
-                <a:latin typeface="Calibri"/>
-                <a:ea typeface="ＭＳ Ｐゴシック"/>
-              </a:rPr>
-              <a:t>- CentOS Stream 8 </a:t>
-            </a:r>
-            <a:endParaRPr b="0" lang="en-CA" sz="2000" spc="-1" strike="noStrike">
-              <a:latin typeface="Arial"/>
-            </a:endParaRPr>
-          </a:p>
-          <a:p>
-            <a:pPr marL="343080" indent="-342360">
+            <a:pPr marL="343080" indent="-341640">
               <a:lnSpc>
                 <a:spcPct val="150000"/>
               </a:lnSpc>
@@ -5128,21 +4968,61 @@
               <a:buChar char=""/>
             </a:pPr>
             <a:r>
-              <a:rPr b="1" lang="en-US" sz="2000" spc="-1" strike="noStrike">
+              <a:rPr b="0" lang="en-US" sz="2000" spc="-1" strike="noStrike">
                 <a:solidFill>
                   <a:srgbClr val="000000"/>
                 </a:solidFill>
-                <a:latin typeface="Calibri"/>
+                <a:latin typeface="FreeSerif"/>
                 <a:ea typeface="ＭＳ Ｐゴシック"/>
               </a:rPr>
-              <a:t>Docker CE </a:t>
+              <a:t>The labs have been tested with Debian 12, </a:t>
+            </a:r>
+            <a:r>
+              <a:rPr b="0" i="1" lang="en-US" sz="2000" spc="-1" strike="noStrike">
+                <a:solidFill>
+                  <a:srgbClr val="000000"/>
+                </a:solidFill>
+                <a:latin typeface="FreeSerif"/>
+                <a:ea typeface="ＭＳ Ｐゴシック"/>
+              </a:rPr>
+              <a:t>bookworm, </a:t>
+            </a:r>
+            <a:r>
+              <a:rPr b="0" lang="en-US" sz="2000" spc="-1" strike="noStrike">
+                <a:solidFill>
+                  <a:srgbClr val="000000"/>
+                </a:solidFill>
+                <a:latin typeface="FreeSerif"/>
+                <a:ea typeface="ＭＳ Ｐゴシック"/>
+              </a:rPr>
+              <a:t>using packages strictly from the Debian repositories.  A VirtualBox appliance is supplied containing a minimal </a:t>
+            </a:r>
+            <a:r>
+              <a:rPr b="0" i="1" lang="en-US" sz="2000" spc="-1" strike="noStrike">
+                <a:solidFill>
+                  <a:srgbClr val="000000"/>
+                </a:solidFill>
+                <a:latin typeface="FreeSerif"/>
+                <a:ea typeface="ＭＳ Ｐゴシック"/>
+              </a:rPr>
+              <a:t>bookworm</a:t>
+            </a:r>
+            <a:r>
+              <a:rPr b="0" lang="en-US" sz="2000" spc="-1" strike="noStrike">
+                <a:solidFill>
+                  <a:srgbClr val="000000"/>
+                </a:solidFill>
+                <a:latin typeface="FreeSerif"/>
+                <a:ea typeface="ＭＳ Ｐゴシック"/>
+              </a:rPr>
+              <a:t> VM.  </a:t>
             </a:r>
             <a:endParaRPr b="0" lang="en-CA" sz="2000" spc="-1" strike="noStrike">
               <a:latin typeface="Arial"/>
             </a:endParaRPr>
           </a:p>
           <a:p>
-            <a:pPr marL="343080" indent="-342360">
+            <a:pPr marL="343080" indent="-341640">
               <a:lnSpc>
                 <a:spcPct val="150000"/>
               </a:lnSpc>
@@ -5156,14 +5036,98 @@
               <a:buChar char=""/>
             </a:pPr>
             <a:r>
-              <a:rPr b="1" lang="en-US" sz="2000" spc="-1" strike="noStrike">
+              <a:rPr b="0" lang="en-US" sz="2000" spc="-1" strike="noStrike">
+                <a:solidFill>
+                  <a:srgbClr val="000000"/>
+                </a:solidFill>
+                <a:latin typeface="FreeSerif"/>
+                <a:ea typeface="ＭＳ Ｐゴシック"/>
+              </a:rPr>
+              <a:t> </a:t>
+            </a:r>
+            <a:endParaRPr b="0" lang="en-CA" sz="2000" spc="-1" strike="noStrike">
+              <a:latin typeface="Arial"/>
+            </a:endParaRPr>
+          </a:p>
+          <a:p>
+            <a:pPr marL="343080" indent="-341640">
+              <a:lnSpc>
+                <a:spcPct val="150000"/>
+              </a:lnSpc>
+              <a:spcBef>
+                <a:spcPts val="479"/>
+              </a:spcBef>
+              <a:buClr>
+                <a:srgbClr val="000000"/>
+              </a:buClr>
+              <a:buFont typeface="Symbol"/>
+              <a:buChar char=""/>
+            </a:pPr>
+            <a:r>
+              <a:rPr b="0" lang="en-US" sz="2000" spc="-1" strike="noStrike">
+                <a:solidFill>
+                  <a:srgbClr val="000000"/>
+                </a:solidFill>
+                <a:latin typeface="FreeSerif"/>
+                <a:ea typeface="ＭＳ Ｐゴシック"/>
+              </a:rPr>
+              <a:t>Adventurous students may make any substitutions they choose.</a:t>
+            </a:r>
+            <a:endParaRPr b="0" lang="en-CA" sz="2000" spc="-1" strike="noStrike">
+              <a:latin typeface="Arial"/>
+            </a:endParaRPr>
+          </a:p>
+          <a:p>
+            <a:pPr marL="343080" indent="-341640">
+              <a:lnSpc>
+                <a:spcPct val="150000"/>
+              </a:lnSpc>
+              <a:spcBef>
+                <a:spcPts val="479"/>
+              </a:spcBef>
+              <a:buClr>
+                <a:srgbClr val="000000"/>
+              </a:buClr>
+              <a:buFont typeface="Symbol"/>
+              <a:buChar char=""/>
+            </a:pPr>
+            <a:r>
+              <a:rPr b="0" lang="en-US" sz="2000" spc="-1" strike="noStrike">
                 <a:solidFill>
                   <a:srgbClr val="000000"/>
                 </a:solidFill>
                 <a:latin typeface="Calibri"/>
                 <a:ea typeface="ＭＳ Ｐゴシック"/>
               </a:rPr>
-              <a:t>VirtualBox (or your own VM environment)</a:t>
+              <a:t> </a:t>
+            </a:r>
+            <a:endParaRPr b="0" lang="en-CA" sz="2000" spc="-1" strike="noStrike">
+              <a:latin typeface="Arial"/>
+            </a:endParaRPr>
+          </a:p>
+          <a:p>
+            <a:pPr marL="343080" indent="-341640">
+              <a:lnSpc>
+                <a:spcPct val="150000"/>
+              </a:lnSpc>
+              <a:spcBef>
+                <a:spcPts val="479"/>
+              </a:spcBef>
+              <a:buClr>
+                <a:srgbClr val="000000"/>
+              </a:buClr>
+              <a:buFont typeface="Symbol"/>
+              <a:buChar char=""/>
+            </a:pPr>
+            <a:r>
+              <a:rPr b="0" lang="en-US" sz="2000" spc="-1" strike="noStrike">
+                <a:solidFill>
+                  <a:srgbClr val="000000"/>
+                </a:solidFill>
+                <a:latin typeface="Calibri"/>
+                <a:ea typeface="ＭＳ Ｐゴシック"/>
+              </a:rPr>
+              <a:t> </a:t>
             </a:r>
             <a:endParaRPr b="0" lang="en-CA" sz="2000" spc="-1" strike="noStrike">
               <a:latin typeface="Arial"/>
@@ -5210,7 +5174,7 @@
         <p:spPr>
           <a:xfrm>
             <a:off x="457200" y="274680"/>
-            <a:ext cx="8228880" cy="1142280"/>
+            <a:ext cx="8228160" cy="1141560"/>
           </a:xfrm>
           <a:prstGeom prst="rect">
             <a:avLst/>
@@ -5261,7 +5225,7 @@
         <p:spPr>
           <a:xfrm>
             <a:off x="1143000" y="1295280"/>
-            <a:ext cx="7619400" cy="3276000"/>
+            <a:ext cx="7618680" cy="3275280"/>
           </a:xfrm>
           <a:prstGeom prst="rect">
             <a:avLst/>
@@ -5282,7 +5246,7 @@
             <a:noAutofit/>
           </a:bodyPr>
           <a:p>
-            <a:pPr marL="343080" indent="-342360">
+            <a:pPr marL="343080" indent="-341640">
               <a:lnSpc>
                 <a:spcPct val="150000"/>
               </a:lnSpc>
@@ -5296,7 +5260,7 @@
               <a:buChar char=""/>
             </a:pPr>
             <a:r>
-              <a:rPr b="1" lang="en-US" sz="2400" spc="-1" strike="noStrike">
+              <a:rPr b="0" lang="en-US" sz="2400" spc="-1" strike="noStrike">
                 <a:solidFill>
                   <a:srgbClr val="000000"/>
                 </a:solidFill>
@@ -5310,7 +5274,7 @@
             </a:endParaRPr>
           </a:p>
           <a:p>
-            <a:pPr marL="343080" indent="-342360">
+            <a:pPr marL="343080" indent="-341640">
               <a:lnSpc>
                 <a:spcPct val="150000"/>
               </a:lnSpc>
@@ -5324,7 +5288,7 @@
               <a:buChar char=""/>
             </a:pPr>
             <a:r>
-              <a:rPr b="1" lang="en-US" sz="2000" spc="-1" strike="noStrike">
+              <a:rPr b="0" lang="en-US" sz="2000" spc="-1" strike="noStrike">
                 <a:solidFill>
                   <a:srgbClr val="000000"/>
                 </a:solidFill>
@@ -5338,7 +5302,7 @@
             </a:endParaRPr>
           </a:p>
           <a:p>
-            <a:pPr marL="343080" indent="-342360">
+            <a:pPr marL="343080" indent="-341640">
               <a:lnSpc>
                 <a:spcPct val="150000"/>
               </a:lnSpc>
@@ -5352,7 +5316,7 @@
               <a:buChar char=""/>
             </a:pPr>
             <a:r>
-              <a:rPr b="1" lang="en-US" sz="2000" spc="-1" strike="noStrike">
+              <a:rPr b="0" lang="en-US" sz="2000" spc="-1" strike="noStrike">
                 <a:solidFill>
                   <a:srgbClr val="000000"/>
                 </a:solidFill>
@@ -5419,7 +5383,7 @@
         <p:spPr>
           <a:xfrm>
             <a:off x="457200" y="274680"/>
-            <a:ext cx="8228880" cy="1142280"/>
+            <a:ext cx="8228160" cy="1141560"/>
           </a:xfrm>
           <a:prstGeom prst="rect">
             <a:avLst/>
@@ -5470,7 +5434,7 @@
         <p:spPr>
           <a:xfrm>
             <a:off x="999000" y="1296000"/>
-            <a:ext cx="6776640" cy="3961800"/>
+            <a:ext cx="6775920" cy="3961080"/>
           </a:xfrm>
           <a:prstGeom prst="rect">
             <a:avLst/>
@@ -5491,7 +5455,7 @@
             <a:noAutofit/>
           </a:bodyPr>
           <a:p>
-            <a:pPr marL="343080" indent="-342360">
+            <a:pPr marL="343080" indent="-341640">
               <a:lnSpc>
                 <a:spcPct val="150000"/>
               </a:lnSpc>
@@ -5512,14 +5476,14 @@
                 <a:latin typeface="Calibri"/>
                 <a:ea typeface="ＭＳ Ｐゴシック"/>
               </a:rPr>
-              <a:t>Application Containers (Docker)</a:t>
+              <a:t>Most week’s classes will start with a lecture or demonstration.  </a:t>
             </a:r>
             <a:endParaRPr b="0" lang="en-CA" sz="2000" spc="-1" strike="noStrike">
               <a:latin typeface="Arial"/>
             </a:endParaRPr>
           </a:p>
           <a:p>
-            <a:pPr marL="343080" indent="-342360">
+            <a:pPr marL="343080" indent="-341640">
               <a:lnSpc>
                 <a:spcPct val="150000"/>
               </a:lnSpc>
@@ -5540,35 +5504,7 @@
                 <a:latin typeface="Calibri"/>
                 <a:ea typeface="ＭＳ Ｐゴシック"/>
               </a:rPr>
-              <a:t>HA Clusters</a:t>
-            </a:r>
-            <a:endParaRPr b="0" lang="en-CA" sz="2000" spc="-1" strike="noStrike">
-              <a:latin typeface="Arial"/>
-            </a:endParaRPr>
-          </a:p>
-          <a:p>
-            <a:pPr marL="343080" indent="-342360">
-              <a:lnSpc>
-                <a:spcPct val="150000"/>
-              </a:lnSpc>
-              <a:spcBef>
-                <a:spcPts val="400"/>
-              </a:spcBef>
-              <a:buClr>
-                <a:srgbClr val="000000"/>
-              </a:buClr>
-              <a:buFont typeface="Symbol"/>
-              <a:buChar char=""/>
-            </a:pPr>
-            <a:r>
-              <a:rPr b="0" lang="en-US" sz="2000" spc="-1" strike="noStrike">
-                <a:solidFill>
-                  <a:srgbClr val="000000"/>
-                </a:solidFill>
-                <a:latin typeface="Calibri"/>
-                <a:ea typeface="ＭＳ Ｐゴシック"/>
-              </a:rPr>
-              <a:t>Application Deployment and Management</a:t>
+              <a:t>A pace of approximately one lab per week is recommended.</a:t>
             </a:r>
             <a:endParaRPr b="0" lang="en-CA" sz="2000" spc="-1" strike="noStrike">
               <a:latin typeface="Arial"/>
@@ -5628,7 +5564,7 @@
         <p:spPr>
           <a:xfrm>
             <a:off x="457200" y="274680"/>
-            <a:ext cx="8228880" cy="1142280"/>
+            <a:ext cx="8228160" cy="1141560"/>
           </a:xfrm>
           <a:prstGeom prst="rect">
             <a:avLst/>
@@ -5678,8 +5614,8 @@
         </p:nvSpPr>
         <p:spPr>
           <a:xfrm>
-            <a:off x="1143000" y="1295280"/>
-            <a:ext cx="7619400" cy="3961800"/>
+            <a:off x="1143000" y="2016000"/>
+            <a:ext cx="7618680" cy="3240360"/>
           </a:xfrm>
           <a:prstGeom prst="rect">
             <a:avLst/>
@@ -5700,7 +5636,7 @@
             <a:noAutofit/>
           </a:bodyPr>
           <a:p>
-            <a:pPr marL="343080" indent="-342360">
+            <a:pPr marL="343080" indent="-341640">
               <a:lnSpc>
                 <a:spcPct val="150000"/>
               </a:lnSpc>
@@ -5728,7 +5664,7 @@
             </a:endParaRPr>
           </a:p>
           <a:p>
-            <a:pPr marL="343080" indent="-342360">
+            <a:pPr marL="343080" indent="-341640">
               <a:lnSpc>
                 <a:spcPct val="150000"/>
               </a:lnSpc>
@@ -5752,119 +5688,6 @@
               <a:t>Apply the tools to exercises that simulate tasks you may face in a production environment</a:t>
             </a:r>
             <a:endParaRPr b="0" lang="en-CA" sz="2000" spc="-1" strike="noStrike">
-              <a:latin typeface="Arial"/>
-            </a:endParaRPr>
-          </a:p>
-        </p:txBody>
-      </p:sp>
-    </p:spTree>
-  </p:cSld>
-  <mc:AlternateContent>
-    <mc:Choice Requires="p14">
-      <p:transition spd="slow" p14:dur="2000"/>
-    </mc:Choice>
-    <mc:Fallback>
-      <p:transition spd="slow"/>
-    </mc:Fallback>
-  </mc:AlternateContent>
-</p:sld>
-</file>
-
-<file path=ppt/slides/slide8.xml><?xml version="1.0" encoding="utf-8"?>
-<p:sld xmlns:a="http://schemas.openxmlformats.org/drawingml/2006/main" xmlns:p="http://schemas.openxmlformats.org/presentationml/2006/main" xmlns:r="http://schemas.openxmlformats.org/officeDocument/2006/relationships" xmlns:p14="http://schemas.microsoft.com/office/powerpoint/2010/main" xmlns:p15="http://schemas.microsoft.com/office/powerpoint/2012/main" xmlns:mc="http://schemas.openxmlformats.org/markup-compatibility/2006">
-  <p:cSld>
-    <p:spTree>
-      <p:nvGrpSpPr>
-        <p:cNvPr id="1" name=""/>
-        <p:cNvGrpSpPr/>
-        <p:nvPr/>
-      </p:nvGrpSpPr>
-      <p:grpSpPr>
-        <a:xfrm>
-          <a:off x="0" y="0"/>
-          <a:ext cx="0" cy="0"/>
-          <a:chOff x="0" y="0"/>
-          <a:chExt cx="0" cy="0"/>
-        </a:xfrm>
-      </p:grpSpPr>
-      <p:sp>
-        <p:nvSpPr>
-          <p:cNvPr id="99" name="CustomShape 1"/>
-          <p:cNvSpPr/>
-          <p:nvPr/>
-        </p:nvSpPr>
-        <p:spPr>
-          <a:xfrm>
-            <a:off x="457200" y="274680"/>
-            <a:ext cx="8228880" cy="1142280"/>
-          </a:xfrm>
-          <a:prstGeom prst="rect">
-            <a:avLst/>
-          </a:prstGeom>
-          <a:noFill/>
-          <a:ln>
-            <a:noFill/>
-          </a:ln>
-        </p:spPr>
-        <p:style>
-          <a:lnRef idx="0"/>
-          <a:fillRef idx="0"/>
-          <a:effectRef idx="0"/>
-          <a:fontRef idx="minor"/>
-        </p:style>
-      </p:sp>
-      <p:sp>
-        <p:nvSpPr>
-          <p:cNvPr id="100" name="CustomShape 2"/>
-          <p:cNvSpPr/>
-          <p:nvPr/>
-        </p:nvSpPr>
-        <p:spPr>
-          <a:xfrm>
-            <a:off x="1143000" y="1676520"/>
-            <a:ext cx="7619400" cy="3580560"/>
-          </a:xfrm>
-          <a:prstGeom prst="rect">
-            <a:avLst/>
-          </a:prstGeom>
-          <a:noFill/>
-          <a:ln>
-            <a:noFill/>
-          </a:ln>
-        </p:spPr>
-        <p:style>
-          <a:lnRef idx="0"/>
-          <a:fillRef idx="0"/>
-          <a:effectRef idx="0"/>
-          <a:fontRef idx="minor"/>
-        </p:style>
-        <p:txBody>
-          <a:bodyPr lIns="90000" rIns="90000" tIns="45000" bIns="45000">
-            <a:noAutofit/>
-          </a:bodyPr>
-          <a:p>
-            <a:pPr>
-              <a:lnSpc>
-                <a:spcPct val="150000"/>
-              </a:lnSpc>
-              <a:spcBef>
-                <a:spcPts val="641"/>
-              </a:spcBef>
-              <a:tabLst>
-                <a:tab algn="l" pos="0"/>
-              </a:tabLst>
-            </a:pPr>
-            <a:r>
-              <a:rPr b="1" i="1" lang="en-US" sz="3200" spc="-1" strike="noStrike">
-                <a:solidFill>
-                  <a:srgbClr val="000000"/>
-                </a:solidFill>
-                <a:latin typeface="Calibri"/>
-                <a:ea typeface="ＭＳ Ｐゴシック"/>
-              </a:rPr>
-              <a:t>Let’s build some cool stuff!</a:t>
-            </a:r>
-            <a:endParaRPr b="0" lang="en-CA" sz="3200" spc="-1" strike="noStrike">
               <a:latin typeface="Arial"/>
             </a:endParaRPr>
           </a:p>

--- a/Introduction/Lecture.pptx
+++ b/Introduction/Lecture.pptx
@@ -57,13 +57,19 @@
           <a:prstGeom prst="rect">
             <a:avLst/>
           </a:prstGeom>
+          <a:noFill/>
+          <a:ln w="0">
+            <a:noFill/>
+          </a:ln>
         </p:spPr>
         <p:txBody>
           <a:bodyPr lIns="0" rIns="0" tIns="0" bIns="0" anchor="ctr">
             <a:noAutofit/>
           </a:bodyPr>
           <a:p>
-            <a:pPr algn="ctr"/>
+            <a:pPr algn="ctr">
+              <a:buNone/>
+            </a:pPr>
             <a:r>
               <a:rPr b="0" lang="en-CA" sz="4400" spc="-1" strike="noStrike">
                 <a:latin typeface="Arial"/>
@@ -94,9 +100,13 @@
           <a:prstGeom prst="rect">
             <a:avLst/>
           </a:prstGeom>
-        </p:spPr>
-        <p:txBody>
-          <a:bodyPr lIns="0" rIns="0" tIns="0" bIns="0">
+          <a:noFill/>
+          <a:ln w="0">
+            <a:noFill/>
+          </a:ln>
+        </p:spPr>
+        <p:txBody>
+          <a:bodyPr lIns="0" rIns="0" tIns="0" bIns="0" anchor="t">
             <a:noAutofit/>
           </a:bodyPr>
           <a:p>
@@ -130,9 +140,13 @@
           <a:prstGeom prst="rect">
             <a:avLst/>
           </a:prstGeom>
-        </p:spPr>
-        <p:txBody>
-          <a:bodyPr lIns="0" rIns="0" tIns="0" bIns="0">
+          <a:noFill/>
+          <a:ln w="0">
+            <a:noFill/>
+          </a:ln>
+        </p:spPr>
+        <p:txBody>
+          <a:bodyPr lIns="0" rIns="0" tIns="0" bIns="0" anchor="t">
             <a:noAutofit/>
           </a:bodyPr>
           <a:p>
@@ -155,7 +169,7 @@
             <a:spLocks noGrp="1"/>
           </p:cNvSpPr>
           <p:nvPr>
-            <p:ph type="dt"/>
+            <p:ph type="dt" idx="1"/>
           </p:nvPr>
         </p:nvSpPr>
         <p:spPr>
@@ -166,13 +180,27 @@
           <a:prstGeom prst="rect">
             <a:avLst/>
           </a:prstGeom>
-        </p:spPr>
-        <p:txBody>
-          <a:bodyPr lIns="0" rIns="0" tIns="0" bIns="0">
+          <a:noFill/>
+          <a:ln w="0">
+            <a:noFill/>
+          </a:ln>
+        </p:spPr>
+        <p:txBody>
+          <a:bodyPr lIns="0" rIns="0" tIns="0" bIns="0" anchor="t">
             <a:noAutofit/>
           </a:bodyPr>
-          <a:p>
-            <a:pPr algn="r"/>
+          <a:lstStyle>
+            <a:lvl1pPr algn="r">
+              <a:buNone/>
+              <a:defRPr b="0" lang="en-CA" sz="1400" spc="-1" strike="noStrike">
+                <a:latin typeface="Times New Roman"/>
+              </a:defRPr>
+            </a:lvl1pPr>
+          </a:lstStyle>
+          <a:p>
+            <a:pPr algn="r">
+              <a:buNone/>
+            </a:pPr>
             <a:r>
               <a:rPr b="0" lang="en-CA" sz="1400" spc="-1" strike="noStrike">
                 <a:latin typeface="Times New Roman"/>
@@ -192,7 +220,7 @@
             <a:spLocks noGrp="1"/>
           </p:cNvSpPr>
           <p:nvPr>
-            <p:ph type="ftr"/>
+            <p:ph type="ftr" idx="2"/>
           </p:nvPr>
         </p:nvSpPr>
         <p:spPr>
@@ -203,11 +231,22 @@
           <a:prstGeom prst="rect">
             <a:avLst/>
           </a:prstGeom>
+          <a:noFill/>
+          <a:ln w="0">
+            <a:noFill/>
+          </a:ln>
         </p:spPr>
         <p:txBody>
           <a:bodyPr lIns="0" rIns="0" tIns="0" bIns="0" anchor="b">
             <a:noAutofit/>
           </a:bodyPr>
+          <a:lstStyle>
+            <a:lvl1pPr>
+              <a:defRPr b="0" lang="en-CA" sz="1400" spc="-1" strike="noStrike">
+                <a:latin typeface="Times New Roman"/>
+              </a:defRPr>
+            </a:lvl1pPr>
+          </a:lstStyle>
           <a:p>
             <a:r>
               <a:rPr b="0" lang="en-CA" sz="1400" spc="-1" strike="noStrike">
@@ -228,7 +267,7 @@
             <a:spLocks noGrp="1"/>
           </p:cNvSpPr>
           <p:nvPr>
-            <p:ph type="sldNum"/>
+            <p:ph type="sldNum" idx="3"/>
           </p:nvPr>
         </p:nvSpPr>
         <p:spPr>
@@ -239,14 +278,28 @@
           <a:prstGeom prst="rect">
             <a:avLst/>
           </a:prstGeom>
+          <a:noFill/>
+          <a:ln w="0">
+            <a:noFill/>
+          </a:ln>
         </p:spPr>
         <p:txBody>
           <a:bodyPr lIns="0" rIns="0" tIns="0" bIns="0" anchor="b">
             <a:noAutofit/>
           </a:bodyPr>
-          <a:p>
-            <a:pPr algn="r"/>
-            <a:fld id="{7368CFC8-ECA1-450C-B160-3FFE370F6F92}" type="slidenum">
+          <a:lstStyle>
+            <a:lvl1pPr algn="r">
+              <a:buNone/>
+              <a:defRPr b="0" lang="en-CA" sz="1400" spc="-1" strike="noStrike">
+                <a:latin typeface="Times New Roman"/>
+              </a:defRPr>
+            </a:lvl1pPr>
+          </a:lstStyle>
+          <a:p>
+            <a:pPr algn="r">
+              <a:buNone/>
+            </a:pPr>
+            <a:fld id="{83C2C7ED-A5A2-49EC-B12A-7F831C0985FE}" type="slidenum">
               <a:rPr b="0" lang="en-CA" sz="1400" spc="-1" strike="noStrike">
                 <a:latin typeface="Times New Roman"/>
               </a:rPr>
@@ -290,7 +343,7 @@
         <p:spPr>
           <a:xfrm>
             <a:off x="3884760" y="8685360"/>
-            <a:ext cx="2970360" cy="455760"/>
+            <a:ext cx="2970000" cy="455400"/>
           </a:xfrm>
           <a:prstGeom prst="rect">
             <a:avLst/>
@@ -315,8 +368,9 @@
               <a:lnSpc>
                 <a:spcPct val="100000"/>
               </a:lnSpc>
-            </a:pPr>
-            <a:fld id="{270F42BF-6D1C-4450-B3E6-1E905C4266DE}" type="slidenum">
+              <a:buNone/>
+            </a:pPr>
+            <a:fld id="{C96615A8-9AC0-4257-8A7F-FB3567DEA624}" type="slidenum">
               <a:rPr b="0" lang="en-US" sz="1200" spc="-1" strike="noStrike">
                 <a:solidFill>
                   <a:srgbClr val="000000"/>
@@ -334,7 +388,7 @@
       </p:sp>
       <p:sp>
         <p:nvSpPr>
-          <p:cNvPr id="100" name="PlaceHolder 2"/>
+          <p:cNvPr id="100" name="PlaceHolder 1"/>
           <p:cNvSpPr>
             <a:spLocks noGrp="1"/>
           </p:cNvSpPr>
@@ -345,16 +399,19 @@
         <p:spPr>
           <a:xfrm>
             <a:off x="1143000" y="685800"/>
-            <a:ext cx="4570560" cy="3427560"/>
-          </a:xfrm>
-          <a:prstGeom prst="rect">
-            <a:avLst/>
-          </a:prstGeom>
-        </p:spPr>
-      </p:sp>
-      <p:sp>
-        <p:nvSpPr>
-          <p:cNvPr id="101" name="PlaceHolder 3"/>
+            <a:ext cx="4570200" cy="3427200"/>
+          </a:xfrm>
+          <a:prstGeom prst="rect">
+            <a:avLst/>
+          </a:prstGeom>
+          <a:ln w="0">
+            <a:noFill/>
+          </a:ln>
+        </p:spPr>
+      </p:sp>
+      <p:sp>
+        <p:nvSpPr>
+          <p:cNvPr id="101" name="PlaceHolder 2"/>
           <p:cNvSpPr>
             <a:spLocks noGrp="1"/>
           </p:cNvSpPr>
@@ -365,14 +422,18 @@
         <p:spPr>
           <a:xfrm>
             <a:off x="685800" y="4343400"/>
-            <a:ext cx="5484960" cy="4113360"/>
-          </a:xfrm>
-          <a:prstGeom prst="rect">
-            <a:avLst/>
-          </a:prstGeom>
-        </p:spPr>
-        <p:txBody>
-          <a:bodyPr lIns="0" rIns="0" tIns="0" bIns="0">
+            <a:ext cx="5484600" cy="4113000"/>
+          </a:xfrm>
+          <a:prstGeom prst="rect">
+            <a:avLst/>
+          </a:prstGeom>
+          <a:noFill/>
+          <a:ln w="0">
+            <a:noFill/>
+          </a:ln>
+        </p:spPr>
+        <p:txBody>
+          <a:bodyPr lIns="0" rIns="0" tIns="0" bIns="0" anchor="t">
             <a:noAutofit/>
           </a:bodyPr>
           <a:p>
@@ -413,7 +474,7 @@
         <p:spPr>
           <a:xfrm>
             <a:off x="3884760" y="8685360"/>
-            <a:ext cx="2970360" cy="455760"/>
+            <a:ext cx="2970000" cy="455400"/>
           </a:xfrm>
           <a:prstGeom prst="rect">
             <a:avLst/>
@@ -438,8 +499,9 @@
               <a:lnSpc>
                 <a:spcPct val="100000"/>
               </a:lnSpc>
-            </a:pPr>
-            <a:fld id="{FE71E861-B6CC-4EF9-99C2-8C267DFD6861}" type="slidenum">
+              <a:buNone/>
+            </a:pPr>
+            <a:fld id="{44000995-504C-4C57-A483-D190E4894C82}" type="slidenum">
               <a:rPr b="0" lang="en-US" sz="1200" spc="-1" strike="noStrike">
                 <a:solidFill>
                   <a:srgbClr val="000000"/>
@@ -457,7 +519,7 @@
       </p:sp>
       <p:sp>
         <p:nvSpPr>
-          <p:cNvPr id="103" name="PlaceHolder 2"/>
+          <p:cNvPr id="103" name="PlaceHolder 1"/>
           <p:cNvSpPr>
             <a:spLocks noGrp="1"/>
           </p:cNvSpPr>
@@ -468,16 +530,19 @@
         <p:spPr>
           <a:xfrm>
             <a:off x="1143000" y="685800"/>
-            <a:ext cx="4570560" cy="3427560"/>
-          </a:xfrm>
-          <a:prstGeom prst="rect">
-            <a:avLst/>
-          </a:prstGeom>
-        </p:spPr>
-      </p:sp>
-      <p:sp>
-        <p:nvSpPr>
-          <p:cNvPr id="104" name="PlaceHolder 3"/>
+            <a:ext cx="4570200" cy="3427200"/>
+          </a:xfrm>
+          <a:prstGeom prst="rect">
+            <a:avLst/>
+          </a:prstGeom>
+          <a:ln w="0">
+            <a:noFill/>
+          </a:ln>
+        </p:spPr>
+      </p:sp>
+      <p:sp>
+        <p:nvSpPr>
+          <p:cNvPr id="104" name="PlaceHolder 2"/>
           <p:cNvSpPr>
             <a:spLocks noGrp="1"/>
           </p:cNvSpPr>
@@ -488,14 +553,18 @@
         <p:spPr>
           <a:xfrm>
             <a:off x="685800" y="4343400"/>
-            <a:ext cx="5484960" cy="4113360"/>
-          </a:xfrm>
-          <a:prstGeom prst="rect">
-            <a:avLst/>
-          </a:prstGeom>
-        </p:spPr>
-        <p:txBody>
-          <a:bodyPr lIns="0" rIns="0" tIns="0" bIns="0">
+            <a:ext cx="5484600" cy="4113000"/>
+          </a:xfrm>
+          <a:prstGeom prst="rect">
+            <a:avLst/>
+          </a:prstGeom>
+          <a:noFill/>
+          <a:ln w="0">
+            <a:noFill/>
+          </a:ln>
+        </p:spPr>
+        <p:txBody>
+          <a:bodyPr lIns="0" rIns="0" tIns="0" bIns="0" anchor="t">
             <a:noAutofit/>
           </a:bodyPr>
           <a:p>
@@ -536,7 +605,7 @@
         <p:spPr>
           <a:xfrm>
             <a:off x="3884760" y="8685360"/>
-            <a:ext cx="2970360" cy="455760"/>
+            <a:ext cx="2970000" cy="455400"/>
           </a:xfrm>
           <a:prstGeom prst="rect">
             <a:avLst/>
@@ -561,8 +630,9 @@
               <a:lnSpc>
                 <a:spcPct val="100000"/>
               </a:lnSpc>
-            </a:pPr>
-            <a:fld id="{F5078E5B-7293-48A2-B01B-B363D9E911A8}" type="slidenum">
+              <a:buNone/>
+            </a:pPr>
+            <a:fld id="{8FC4B9FE-223D-4906-BCD7-44CA851FF1D9}" type="slidenum">
               <a:rPr b="0" lang="en-US" sz="1200" spc="-1" strike="noStrike">
                 <a:solidFill>
                   <a:srgbClr val="000000"/>
@@ -580,7 +650,7 @@
       </p:sp>
       <p:sp>
         <p:nvSpPr>
-          <p:cNvPr id="106" name="PlaceHolder 2"/>
+          <p:cNvPr id="106" name="PlaceHolder 1"/>
           <p:cNvSpPr>
             <a:spLocks noGrp="1"/>
           </p:cNvSpPr>
@@ -591,16 +661,19 @@
         <p:spPr>
           <a:xfrm>
             <a:off x="1143000" y="685800"/>
-            <a:ext cx="4570560" cy="3427560"/>
-          </a:xfrm>
-          <a:prstGeom prst="rect">
-            <a:avLst/>
-          </a:prstGeom>
-        </p:spPr>
-      </p:sp>
-      <p:sp>
-        <p:nvSpPr>
-          <p:cNvPr id="107" name="PlaceHolder 3"/>
+            <a:ext cx="4570200" cy="3427200"/>
+          </a:xfrm>
+          <a:prstGeom prst="rect">
+            <a:avLst/>
+          </a:prstGeom>
+          <a:ln w="0">
+            <a:noFill/>
+          </a:ln>
+        </p:spPr>
+      </p:sp>
+      <p:sp>
+        <p:nvSpPr>
+          <p:cNvPr id="107" name="PlaceHolder 2"/>
           <p:cNvSpPr>
             <a:spLocks noGrp="1"/>
           </p:cNvSpPr>
@@ -611,14 +684,18 @@
         <p:spPr>
           <a:xfrm>
             <a:off x="685800" y="4343400"/>
-            <a:ext cx="5484960" cy="4113360"/>
-          </a:xfrm>
-          <a:prstGeom prst="rect">
-            <a:avLst/>
-          </a:prstGeom>
-        </p:spPr>
-        <p:txBody>
-          <a:bodyPr lIns="0" rIns="0" tIns="0" bIns="0">
+            <a:ext cx="5484600" cy="4113000"/>
+          </a:xfrm>
+          <a:prstGeom prst="rect">
+            <a:avLst/>
+          </a:prstGeom>
+          <a:noFill/>
+          <a:ln w="0">
+            <a:noFill/>
+          </a:ln>
+        </p:spPr>
+        <p:txBody>
+          <a:bodyPr lIns="0" rIns="0" tIns="0" bIns="0" anchor="t">
             <a:noAutofit/>
           </a:bodyPr>
           <a:p>
@@ -659,7 +736,7 @@
         <p:spPr>
           <a:xfrm>
             <a:off x="3884760" y="8685360"/>
-            <a:ext cx="2970360" cy="455760"/>
+            <a:ext cx="2970000" cy="455400"/>
           </a:xfrm>
           <a:prstGeom prst="rect">
             <a:avLst/>
@@ -684,8 +761,9 @@
               <a:lnSpc>
                 <a:spcPct val="100000"/>
               </a:lnSpc>
-            </a:pPr>
-            <a:fld id="{106F1AAC-C3AD-4F63-AECE-9120635951B6}" type="slidenum">
+              <a:buNone/>
+            </a:pPr>
+            <a:fld id="{4C23715C-131A-4AB1-B54A-29B91EB3898C}" type="slidenum">
               <a:rPr b="0" lang="en-US" sz="1200" spc="-1" strike="noStrike">
                 <a:solidFill>
                   <a:srgbClr val="000000"/>
@@ -703,7 +781,7 @@
       </p:sp>
       <p:sp>
         <p:nvSpPr>
-          <p:cNvPr id="109" name="PlaceHolder 2"/>
+          <p:cNvPr id="109" name="PlaceHolder 1"/>
           <p:cNvSpPr>
             <a:spLocks noGrp="1"/>
           </p:cNvSpPr>
@@ -714,16 +792,19 @@
         <p:spPr>
           <a:xfrm>
             <a:off x="1143000" y="685800"/>
-            <a:ext cx="4570560" cy="3427560"/>
-          </a:xfrm>
-          <a:prstGeom prst="rect">
-            <a:avLst/>
-          </a:prstGeom>
-        </p:spPr>
-      </p:sp>
-      <p:sp>
-        <p:nvSpPr>
-          <p:cNvPr id="110" name="PlaceHolder 3"/>
+            <a:ext cx="4570200" cy="3427200"/>
+          </a:xfrm>
+          <a:prstGeom prst="rect">
+            <a:avLst/>
+          </a:prstGeom>
+          <a:ln w="0">
+            <a:noFill/>
+          </a:ln>
+        </p:spPr>
+      </p:sp>
+      <p:sp>
+        <p:nvSpPr>
+          <p:cNvPr id="110" name="PlaceHolder 2"/>
           <p:cNvSpPr>
             <a:spLocks noGrp="1"/>
           </p:cNvSpPr>
@@ -734,14 +815,18 @@
         <p:spPr>
           <a:xfrm>
             <a:off x="685800" y="4343400"/>
-            <a:ext cx="5484960" cy="4113360"/>
-          </a:xfrm>
-          <a:prstGeom prst="rect">
-            <a:avLst/>
-          </a:prstGeom>
-        </p:spPr>
-        <p:txBody>
-          <a:bodyPr lIns="0" rIns="0" tIns="0" bIns="0">
+            <a:ext cx="5484600" cy="4113000"/>
+          </a:xfrm>
+          <a:prstGeom prst="rect">
+            <a:avLst/>
+          </a:prstGeom>
+          <a:noFill/>
+          <a:ln w="0">
+            <a:noFill/>
+          </a:ln>
+        </p:spPr>
+        <p:txBody>
+          <a:bodyPr lIns="0" rIns="0" tIns="0" bIns="0" anchor="t">
             <a:noAutofit/>
           </a:bodyPr>
           <a:p>
@@ -782,7 +867,7 @@
         <p:spPr>
           <a:xfrm>
             <a:off x="3884760" y="8685360"/>
-            <a:ext cx="2970360" cy="455760"/>
+            <a:ext cx="2970000" cy="455400"/>
           </a:xfrm>
           <a:prstGeom prst="rect">
             <a:avLst/>
@@ -807,8 +892,9 @@
               <a:lnSpc>
                 <a:spcPct val="100000"/>
               </a:lnSpc>
-            </a:pPr>
-            <a:fld id="{20F84121-B392-469F-8245-E1C02E256BF6}" type="slidenum">
+              <a:buNone/>
+            </a:pPr>
+            <a:fld id="{4F3B4770-9252-4245-A391-5866836792EA}" type="slidenum">
               <a:rPr b="0" lang="en-US" sz="1200" spc="-1" strike="noStrike">
                 <a:solidFill>
                   <a:srgbClr val="000000"/>
@@ -826,7 +912,7 @@
       </p:sp>
       <p:sp>
         <p:nvSpPr>
-          <p:cNvPr id="112" name="PlaceHolder 2"/>
+          <p:cNvPr id="112" name="PlaceHolder 1"/>
           <p:cNvSpPr>
             <a:spLocks noGrp="1"/>
           </p:cNvSpPr>
@@ -837,16 +923,19 @@
         <p:spPr>
           <a:xfrm>
             <a:off x="1143000" y="685800"/>
-            <a:ext cx="4570560" cy="3427560"/>
-          </a:xfrm>
-          <a:prstGeom prst="rect">
-            <a:avLst/>
-          </a:prstGeom>
-        </p:spPr>
-      </p:sp>
-      <p:sp>
-        <p:nvSpPr>
-          <p:cNvPr id="113" name="PlaceHolder 3"/>
+            <a:ext cx="4570200" cy="3427200"/>
+          </a:xfrm>
+          <a:prstGeom prst="rect">
+            <a:avLst/>
+          </a:prstGeom>
+          <a:ln w="0">
+            <a:noFill/>
+          </a:ln>
+        </p:spPr>
+      </p:sp>
+      <p:sp>
+        <p:nvSpPr>
+          <p:cNvPr id="113" name="PlaceHolder 2"/>
           <p:cNvSpPr>
             <a:spLocks noGrp="1"/>
           </p:cNvSpPr>
@@ -857,14 +946,18 @@
         <p:spPr>
           <a:xfrm>
             <a:off x="685800" y="4343400"/>
-            <a:ext cx="5484960" cy="4113360"/>
-          </a:xfrm>
-          <a:prstGeom prst="rect">
-            <a:avLst/>
-          </a:prstGeom>
-        </p:spPr>
-        <p:txBody>
-          <a:bodyPr lIns="0" rIns="0" tIns="0" bIns="0">
+            <a:ext cx="5484600" cy="4113000"/>
+          </a:xfrm>
+          <a:prstGeom prst="rect">
+            <a:avLst/>
+          </a:prstGeom>
+          <a:noFill/>
+          <a:ln w="0">
+            <a:noFill/>
+          </a:ln>
+        </p:spPr>
+        <p:txBody>
+          <a:bodyPr lIns="0" rIns="0" tIns="0" bIns="0" anchor="t">
             <a:noAutofit/>
           </a:bodyPr>
           <a:p>
@@ -905,7 +998,7 @@
         <p:spPr>
           <a:xfrm>
             <a:off x="3884760" y="8685360"/>
-            <a:ext cx="2970360" cy="455760"/>
+            <a:ext cx="2970000" cy="455400"/>
           </a:xfrm>
           <a:prstGeom prst="rect">
             <a:avLst/>
@@ -930,8 +1023,9 @@
               <a:lnSpc>
                 <a:spcPct val="100000"/>
               </a:lnSpc>
-            </a:pPr>
-            <a:fld id="{AE7F6E36-5AC0-4578-B0C9-4036EF9B813D}" type="slidenum">
+              <a:buNone/>
+            </a:pPr>
+            <a:fld id="{7FCCFFB8-F121-4417-AA0F-A5A68B69703F}" type="slidenum">
               <a:rPr b="0" lang="en-US" sz="1200" spc="-1" strike="noStrike">
                 <a:solidFill>
                   <a:srgbClr val="000000"/>
@@ -949,7 +1043,7 @@
       </p:sp>
       <p:sp>
         <p:nvSpPr>
-          <p:cNvPr id="115" name="PlaceHolder 2"/>
+          <p:cNvPr id="115" name="PlaceHolder 1"/>
           <p:cNvSpPr>
             <a:spLocks noGrp="1"/>
           </p:cNvSpPr>
@@ -960,16 +1054,19 @@
         <p:spPr>
           <a:xfrm>
             <a:off x="1143000" y="685800"/>
-            <a:ext cx="4570560" cy="3427560"/>
-          </a:xfrm>
-          <a:prstGeom prst="rect">
-            <a:avLst/>
-          </a:prstGeom>
-        </p:spPr>
-      </p:sp>
-      <p:sp>
-        <p:nvSpPr>
-          <p:cNvPr id="116" name="PlaceHolder 3"/>
+            <a:ext cx="4570200" cy="3427200"/>
+          </a:xfrm>
+          <a:prstGeom prst="rect">
+            <a:avLst/>
+          </a:prstGeom>
+          <a:ln w="0">
+            <a:noFill/>
+          </a:ln>
+        </p:spPr>
+      </p:sp>
+      <p:sp>
+        <p:nvSpPr>
+          <p:cNvPr id="116" name="PlaceHolder 2"/>
           <p:cNvSpPr>
             <a:spLocks noGrp="1"/>
           </p:cNvSpPr>
@@ -980,14 +1077,18 @@
         <p:spPr>
           <a:xfrm>
             <a:off x="685800" y="4343400"/>
-            <a:ext cx="5484960" cy="4113360"/>
-          </a:xfrm>
-          <a:prstGeom prst="rect">
-            <a:avLst/>
-          </a:prstGeom>
-        </p:spPr>
-        <p:txBody>
-          <a:bodyPr lIns="0" rIns="0" tIns="0" bIns="0">
+            <a:ext cx="5484600" cy="4113000"/>
+          </a:xfrm>
+          <a:prstGeom prst="rect">
+            <a:avLst/>
+          </a:prstGeom>
+          <a:noFill/>
+          <a:ln w="0">
+            <a:noFill/>
+          </a:ln>
+        </p:spPr>
+        <p:txBody>
+          <a:bodyPr lIns="0" rIns="0" tIns="0" bIns="0" anchor="t">
             <a:noAutofit/>
           </a:bodyPr>
           <a:p>
@@ -1059,13 +1160,19 @@
           <a:prstGeom prst="rect">
             <a:avLst/>
           </a:prstGeom>
+          <a:noFill/>
+          <a:ln w="0">
+            <a:noFill/>
+          </a:ln>
         </p:spPr>
         <p:txBody>
           <a:bodyPr lIns="0" rIns="0" tIns="0" bIns="0" anchor="ctr">
             <a:noAutofit/>
           </a:bodyPr>
           <a:p>
-            <a:pPr algn="ctr"/>
+            <a:pPr algn="ctr">
+              <a:buNone/>
+            </a:pPr>
             <a:endParaRPr b="0" lang="en-CA" sz="4400" spc="-1" strike="noStrike">
               <a:latin typeface="Arial"/>
             </a:endParaRPr>
@@ -1079,7 +1186,7 @@
             <a:spLocks noGrp="1"/>
           </p:cNvSpPr>
           <p:nvPr>
-            <p:ph type="body"/>
+            <p:ph/>
           </p:nvPr>
         </p:nvSpPr>
         <p:spPr>
@@ -1090,9 +1197,13 @@
           <a:prstGeom prst="rect">
             <a:avLst/>
           </a:prstGeom>
-        </p:spPr>
-        <p:txBody>
-          <a:bodyPr lIns="0" rIns="0" tIns="0" bIns="0">
+          <a:noFill/>
+          <a:ln w="0">
+            <a:noFill/>
+          </a:ln>
+        </p:spPr>
+        <p:txBody>
+          <a:bodyPr lIns="0" rIns="0" tIns="0" bIns="0" anchor="t">
             <a:normAutofit/>
           </a:bodyPr>
           <a:p>
@@ -1109,7 +1220,7 @@
             <a:spLocks noGrp="1"/>
           </p:cNvSpPr>
           <p:nvPr>
-            <p:ph type="body"/>
+            <p:ph/>
           </p:nvPr>
         </p:nvSpPr>
         <p:spPr>
@@ -1120,9 +1231,13 @@
           <a:prstGeom prst="rect">
             <a:avLst/>
           </a:prstGeom>
-        </p:spPr>
-        <p:txBody>
-          <a:bodyPr lIns="0" rIns="0" tIns="0" bIns="0">
+          <a:noFill/>
+          <a:ln w="0">
+            <a:noFill/>
+          </a:ln>
+        </p:spPr>
+        <p:txBody>
+          <a:bodyPr lIns="0" rIns="0" tIns="0" bIns="0" anchor="t">
             <a:normAutofit/>
           </a:bodyPr>
           <a:p>
@@ -1172,13 +1287,19 @@
           <a:prstGeom prst="rect">
             <a:avLst/>
           </a:prstGeom>
+          <a:noFill/>
+          <a:ln w="0">
+            <a:noFill/>
+          </a:ln>
         </p:spPr>
         <p:txBody>
           <a:bodyPr lIns="0" rIns="0" tIns="0" bIns="0" anchor="ctr">
             <a:noAutofit/>
           </a:bodyPr>
           <a:p>
-            <a:pPr algn="ctr"/>
+            <a:pPr algn="ctr">
+              <a:buNone/>
+            </a:pPr>
             <a:endParaRPr b="0" lang="en-CA" sz="4400" spc="-1" strike="noStrike">
               <a:latin typeface="Arial"/>
             </a:endParaRPr>
@@ -1192,7 +1313,7 @@
             <a:spLocks noGrp="1"/>
           </p:cNvSpPr>
           <p:nvPr>
-            <p:ph type="body"/>
+            <p:ph/>
           </p:nvPr>
         </p:nvSpPr>
         <p:spPr>
@@ -1203,9 +1324,13 @@
           <a:prstGeom prst="rect">
             <a:avLst/>
           </a:prstGeom>
-        </p:spPr>
-        <p:txBody>
-          <a:bodyPr lIns="0" rIns="0" tIns="0" bIns="0">
+          <a:noFill/>
+          <a:ln w="0">
+            <a:noFill/>
+          </a:ln>
+        </p:spPr>
+        <p:txBody>
+          <a:bodyPr lIns="0" rIns="0" tIns="0" bIns="0" anchor="t">
             <a:normAutofit/>
           </a:bodyPr>
           <a:p>
@@ -1222,7 +1347,7 @@
             <a:spLocks noGrp="1"/>
           </p:cNvSpPr>
           <p:nvPr>
-            <p:ph type="body"/>
+            <p:ph/>
           </p:nvPr>
         </p:nvSpPr>
         <p:spPr>
@@ -1233,9 +1358,13 @@
           <a:prstGeom prst="rect">
             <a:avLst/>
           </a:prstGeom>
-        </p:spPr>
-        <p:txBody>
-          <a:bodyPr lIns="0" rIns="0" tIns="0" bIns="0">
+          <a:noFill/>
+          <a:ln w="0">
+            <a:noFill/>
+          </a:ln>
+        </p:spPr>
+        <p:txBody>
+          <a:bodyPr lIns="0" rIns="0" tIns="0" bIns="0" anchor="t">
             <a:normAutofit/>
           </a:bodyPr>
           <a:p>
@@ -1252,7 +1381,7 @@
             <a:spLocks noGrp="1"/>
           </p:cNvSpPr>
           <p:nvPr>
-            <p:ph type="body"/>
+            <p:ph/>
           </p:nvPr>
         </p:nvSpPr>
         <p:spPr>
@@ -1263,9 +1392,13 @@
           <a:prstGeom prst="rect">
             <a:avLst/>
           </a:prstGeom>
-        </p:spPr>
-        <p:txBody>
-          <a:bodyPr lIns="0" rIns="0" tIns="0" bIns="0">
+          <a:noFill/>
+          <a:ln w="0">
+            <a:noFill/>
+          </a:ln>
+        </p:spPr>
+        <p:txBody>
+          <a:bodyPr lIns="0" rIns="0" tIns="0" bIns="0" anchor="t">
             <a:normAutofit/>
           </a:bodyPr>
           <a:p>
@@ -1282,7 +1415,7 @@
             <a:spLocks noGrp="1"/>
           </p:cNvSpPr>
           <p:nvPr>
-            <p:ph type="body"/>
+            <p:ph/>
           </p:nvPr>
         </p:nvSpPr>
         <p:spPr>
@@ -1293,9 +1426,13 @@
           <a:prstGeom prst="rect">
             <a:avLst/>
           </a:prstGeom>
-        </p:spPr>
-        <p:txBody>
-          <a:bodyPr lIns="0" rIns="0" tIns="0" bIns="0">
+          <a:noFill/>
+          <a:ln w="0">
+            <a:noFill/>
+          </a:ln>
+        </p:spPr>
+        <p:txBody>
+          <a:bodyPr lIns="0" rIns="0" tIns="0" bIns="0" anchor="t">
             <a:normAutofit/>
           </a:bodyPr>
           <a:p>
@@ -1345,13 +1482,19 @@
           <a:prstGeom prst="rect">
             <a:avLst/>
           </a:prstGeom>
+          <a:noFill/>
+          <a:ln w="0">
+            <a:noFill/>
+          </a:ln>
         </p:spPr>
         <p:txBody>
           <a:bodyPr lIns="0" rIns="0" tIns="0" bIns="0" anchor="ctr">
             <a:noAutofit/>
           </a:bodyPr>
           <a:p>
-            <a:pPr algn="ctr"/>
+            <a:pPr algn="ctr">
+              <a:buNone/>
+            </a:pPr>
             <a:endParaRPr b="0" lang="en-CA" sz="4400" spc="-1" strike="noStrike">
               <a:latin typeface="Arial"/>
             </a:endParaRPr>
@@ -1365,7 +1508,7 @@
             <a:spLocks noGrp="1"/>
           </p:cNvSpPr>
           <p:nvPr>
-            <p:ph type="body"/>
+            <p:ph/>
           </p:nvPr>
         </p:nvSpPr>
         <p:spPr>
@@ -1376,9 +1519,13 @@
           <a:prstGeom prst="rect">
             <a:avLst/>
           </a:prstGeom>
-        </p:spPr>
-        <p:txBody>
-          <a:bodyPr lIns="0" rIns="0" tIns="0" bIns="0">
+          <a:noFill/>
+          <a:ln w="0">
+            <a:noFill/>
+          </a:ln>
+        </p:spPr>
+        <p:txBody>
+          <a:bodyPr lIns="0" rIns="0" tIns="0" bIns="0" anchor="t">
             <a:normAutofit/>
           </a:bodyPr>
           <a:p>
@@ -1395,7 +1542,7 @@
             <a:spLocks noGrp="1"/>
           </p:cNvSpPr>
           <p:nvPr>
-            <p:ph type="body"/>
+            <p:ph/>
           </p:nvPr>
         </p:nvSpPr>
         <p:spPr>
@@ -1406,9 +1553,13 @@
           <a:prstGeom prst="rect">
             <a:avLst/>
           </a:prstGeom>
-        </p:spPr>
-        <p:txBody>
-          <a:bodyPr lIns="0" rIns="0" tIns="0" bIns="0">
+          <a:noFill/>
+          <a:ln w="0">
+            <a:noFill/>
+          </a:ln>
+        </p:spPr>
+        <p:txBody>
+          <a:bodyPr lIns="0" rIns="0" tIns="0" bIns="0" anchor="t">
             <a:normAutofit/>
           </a:bodyPr>
           <a:p>
@@ -1425,7 +1576,7 @@
             <a:spLocks noGrp="1"/>
           </p:cNvSpPr>
           <p:nvPr>
-            <p:ph type="body"/>
+            <p:ph/>
           </p:nvPr>
         </p:nvSpPr>
         <p:spPr>
@@ -1436,9 +1587,13 @@
           <a:prstGeom prst="rect">
             <a:avLst/>
           </a:prstGeom>
-        </p:spPr>
-        <p:txBody>
-          <a:bodyPr lIns="0" rIns="0" tIns="0" bIns="0">
+          <a:noFill/>
+          <a:ln w="0">
+            <a:noFill/>
+          </a:ln>
+        </p:spPr>
+        <p:txBody>
+          <a:bodyPr lIns="0" rIns="0" tIns="0" bIns="0" anchor="t">
             <a:normAutofit/>
           </a:bodyPr>
           <a:p>
@@ -1455,7 +1610,7 @@
             <a:spLocks noGrp="1"/>
           </p:cNvSpPr>
           <p:nvPr>
-            <p:ph type="body"/>
+            <p:ph/>
           </p:nvPr>
         </p:nvSpPr>
         <p:spPr>
@@ -1466,9 +1621,13 @@
           <a:prstGeom prst="rect">
             <a:avLst/>
           </a:prstGeom>
-        </p:spPr>
-        <p:txBody>
-          <a:bodyPr lIns="0" rIns="0" tIns="0" bIns="0">
+          <a:noFill/>
+          <a:ln w="0">
+            <a:noFill/>
+          </a:ln>
+        </p:spPr>
+        <p:txBody>
+          <a:bodyPr lIns="0" rIns="0" tIns="0" bIns="0" anchor="t">
             <a:normAutofit/>
           </a:bodyPr>
           <a:p>
@@ -1485,7 +1644,7 @@
             <a:spLocks noGrp="1"/>
           </p:cNvSpPr>
           <p:nvPr>
-            <p:ph type="body"/>
+            <p:ph/>
           </p:nvPr>
         </p:nvSpPr>
         <p:spPr>
@@ -1496,9 +1655,13 @@
           <a:prstGeom prst="rect">
             <a:avLst/>
           </a:prstGeom>
-        </p:spPr>
-        <p:txBody>
-          <a:bodyPr lIns="0" rIns="0" tIns="0" bIns="0">
+          <a:noFill/>
+          <a:ln w="0">
+            <a:noFill/>
+          </a:ln>
+        </p:spPr>
+        <p:txBody>
+          <a:bodyPr lIns="0" rIns="0" tIns="0" bIns="0" anchor="t">
             <a:normAutofit/>
           </a:bodyPr>
           <a:p>
@@ -1515,7 +1678,7 @@
             <a:spLocks noGrp="1"/>
           </p:cNvSpPr>
           <p:nvPr>
-            <p:ph type="body"/>
+            <p:ph/>
           </p:nvPr>
         </p:nvSpPr>
         <p:spPr>
@@ -1526,9 +1689,13 @@
           <a:prstGeom prst="rect">
             <a:avLst/>
           </a:prstGeom>
-        </p:spPr>
-        <p:txBody>
-          <a:bodyPr lIns="0" rIns="0" tIns="0" bIns="0">
+          <a:noFill/>
+          <a:ln w="0">
+            <a:noFill/>
+          </a:ln>
+        </p:spPr>
+        <p:txBody>
+          <a:bodyPr lIns="0" rIns="0" tIns="0" bIns="0" anchor="t">
             <a:normAutofit/>
           </a:bodyPr>
           <a:p>
@@ -1600,13 +1767,19 @@
           <a:prstGeom prst="rect">
             <a:avLst/>
           </a:prstGeom>
+          <a:noFill/>
+          <a:ln w="0">
+            <a:noFill/>
+          </a:ln>
         </p:spPr>
         <p:txBody>
           <a:bodyPr lIns="0" rIns="0" tIns="0" bIns="0" anchor="ctr">
             <a:noAutofit/>
           </a:bodyPr>
           <a:p>
-            <a:pPr algn="ctr"/>
+            <a:pPr algn="ctr">
+              <a:buNone/>
+            </a:pPr>
             <a:endParaRPr b="0" lang="en-CA" sz="4400" spc="-1" strike="noStrike">
               <a:latin typeface="Arial"/>
             </a:endParaRPr>
@@ -1631,13 +1804,19 @@
           <a:prstGeom prst="rect">
             <a:avLst/>
           </a:prstGeom>
+          <a:noFill/>
+          <a:ln w="0">
+            <a:noFill/>
+          </a:ln>
         </p:spPr>
         <p:txBody>
           <a:bodyPr lIns="0" rIns="0" tIns="0" bIns="0" anchor="ctr">
             <a:noAutofit/>
           </a:bodyPr>
           <a:p>
-            <a:pPr algn="ctr"/>
+            <a:pPr algn="ctr">
+              <a:buNone/>
+            </a:pPr>
             <a:endParaRPr b="0" lang="en-CA" sz="3200" spc="-1" strike="noStrike">
               <a:latin typeface="Arial"/>
             </a:endParaRPr>
@@ -1684,13 +1863,19 @@
           <a:prstGeom prst="rect">
             <a:avLst/>
           </a:prstGeom>
+          <a:noFill/>
+          <a:ln w="0">
+            <a:noFill/>
+          </a:ln>
         </p:spPr>
         <p:txBody>
           <a:bodyPr lIns="0" rIns="0" tIns="0" bIns="0" anchor="ctr">
             <a:noAutofit/>
           </a:bodyPr>
           <a:p>
-            <a:pPr algn="ctr"/>
+            <a:pPr algn="ctr">
+              <a:buNone/>
+            </a:pPr>
             <a:endParaRPr b="0" lang="en-CA" sz="4400" spc="-1" strike="noStrike">
               <a:latin typeface="Arial"/>
             </a:endParaRPr>
@@ -1704,7 +1889,7 @@
             <a:spLocks noGrp="1"/>
           </p:cNvSpPr>
           <p:nvPr>
-            <p:ph type="body"/>
+            <p:ph/>
           </p:nvPr>
         </p:nvSpPr>
         <p:spPr>
@@ -1715,9 +1900,13 @@
           <a:prstGeom prst="rect">
             <a:avLst/>
           </a:prstGeom>
-        </p:spPr>
-        <p:txBody>
-          <a:bodyPr lIns="0" rIns="0" tIns="0" bIns="0">
+          <a:noFill/>
+          <a:ln w="0">
+            <a:noFill/>
+          </a:ln>
+        </p:spPr>
+        <p:txBody>
+          <a:bodyPr lIns="0" rIns="0" tIns="0" bIns="0" anchor="t">
             <a:normAutofit/>
           </a:bodyPr>
           <a:p>
@@ -1767,13 +1956,19 @@
           <a:prstGeom prst="rect">
             <a:avLst/>
           </a:prstGeom>
+          <a:noFill/>
+          <a:ln w="0">
+            <a:noFill/>
+          </a:ln>
         </p:spPr>
         <p:txBody>
           <a:bodyPr lIns="0" rIns="0" tIns="0" bIns="0" anchor="ctr">
             <a:noAutofit/>
           </a:bodyPr>
           <a:p>
-            <a:pPr algn="ctr"/>
+            <a:pPr algn="ctr">
+              <a:buNone/>
+            </a:pPr>
             <a:endParaRPr b="0" lang="en-CA" sz="4400" spc="-1" strike="noStrike">
               <a:latin typeface="Arial"/>
             </a:endParaRPr>
@@ -1787,7 +1982,7 @@
             <a:spLocks noGrp="1"/>
           </p:cNvSpPr>
           <p:nvPr>
-            <p:ph type="body"/>
+            <p:ph/>
           </p:nvPr>
         </p:nvSpPr>
         <p:spPr>
@@ -1798,9 +1993,13 @@
           <a:prstGeom prst="rect">
             <a:avLst/>
           </a:prstGeom>
-        </p:spPr>
-        <p:txBody>
-          <a:bodyPr lIns="0" rIns="0" tIns="0" bIns="0">
+          <a:noFill/>
+          <a:ln w="0">
+            <a:noFill/>
+          </a:ln>
+        </p:spPr>
+        <p:txBody>
+          <a:bodyPr lIns="0" rIns="0" tIns="0" bIns="0" anchor="t">
             <a:normAutofit/>
           </a:bodyPr>
           <a:p>
@@ -1817,7 +2016,7 @@
             <a:spLocks noGrp="1"/>
           </p:cNvSpPr>
           <p:nvPr>
-            <p:ph type="body"/>
+            <p:ph/>
           </p:nvPr>
         </p:nvSpPr>
         <p:spPr>
@@ -1828,9 +2027,13 @@
           <a:prstGeom prst="rect">
             <a:avLst/>
           </a:prstGeom>
-        </p:spPr>
-        <p:txBody>
-          <a:bodyPr lIns="0" rIns="0" tIns="0" bIns="0">
+          <a:noFill/>
+          <a:ln w="0">
+            <a:noFill/>
+          </a:ln>
+        </p:spPr>
+        <p:txBody>
+          <a:bodyPr lIns="0" rIns="0" tIns="0" bIns="0" anchor="t">
             <a:normAutofit/>
           </a:bodyPr>
           <a:p>
@@ -1880,13 +2083,19 @@
           <a:prstGeom prst="rect">
             <a:avLst/>
           </a:prstGeom>
+          <a:noFill/>
+          <a:ln w="0">
+            <a:noFill/>
+          </a:ln>
         </p:spPr>
         <p:txBody>
           <a:bodyPr lIns="0" rIns="0" tIns="0" bIns="0" anchor="ctr">
             <a:noAutofit/>
           </a:bodyPr>
           <a:p>
-            <a:pPr algn="ctr"/>
+            <a:pPr algn="ctr">
+              <a:buNone/>
+            </a:pPr>
             <a:endParaRPr b="0" lang="en-CA" sz="4400" spc="-1" strike="noStrike">
               <a:latin typeface="Arial"/>
             </a:endParaRPr>
@@ -1933,13 +2142,19 @@
           <a:prstGeom prst="rect">
             <a:avLst/>
           </a:prstGeom>
+          <a:noFill/>
+          <a:ln w="0">
+            <a:noFill/>
+          </a:ln>
         </p:spPr>
         <p:txBody>
           <a:bodyPr lIns="0" rIns="0" tIns="0" bIns="0" anchor="ctr">
             <a:noAutofit/>
           </a:bodyPr>
           <a:p>
-            <a:pPr algn="ctr"/>
+            <a:pPr algn="ctr">
+              <a:buNone/>
+            </a:pPr>
             <a:endParaRPr b="0" lang="en-CA" sz="3200" spc="-1" strike="noStrike">
               <a:latin typeface="Arial"/>
             </a:endParaRPr>
@@ -1986,13 +2201,19 @@
           <a:prstGeom prst="rect">
             <a:avLst/>
           </a:prstGeom>
+          <a:noFill/>
+          <a:ln w="0">
+            <a:noFill/>
+          </a:ln>
         </p:spPr>
         <p:txBody>
           <a:bodyPr lIns="0" rIns="0" tIns="0" bIns="0" anchor="ctr">
             <a:noAutofit/>
           </a:bodyPr>
           <a:p>
-            <a:pPr algn="ctr"/>
+            <a:pPr algn="ctr">
+              <a:buNone/>
+            </a:pPr>
             <a:endParaRPr b="0" lang="en-CA" sz="4400" spc="-1" strike="noStrike">
               <a:latin typeface="Arial"/>
             </a:endParaRPr>
@@ -2006,7 +2227,7 @@
             <a:spLocks noGrp="1"/>
           </p:cNvSpPr>
           <p:nvPr>
-            <p:ph type="body"/>
+            <p:ph/>
           </p:nvPr>
         </p:nvSpPr>
         <p:spPr>
@@ -2017,9 +2238,13 @@
           <a:prstGeom prst="rect">
             <a:avLst/>
           </a:prstGeom>
-        </p:spPr>
-        <p:txBody>
-          <a:bodyPr lIns="0" rIns="0" tIns="0" bIns="0">
+          <a:noFill/>
+          <a:ln w="0">
+            <a:noFill/>
+          </a:ln>
+        </p:spPr>
+        <p:txBody>
+          <a:bodyPr lIns="0" rIns="0" tIns="0" bIns="0" anchor="t">
             <a:normAutofit/>
           </a:bodyPr>
           <a:p>
@@ -2036,7 +2261,7 @@
             <a:spLocks noGrp="1"/>
           </p:cNvSpPr>
           <p:nvPr>
-            <p:ph type="body"/>
+            <p:ph/>
           </p:nvPr>
         </p:nvSpPr>
         <p:spPr>
@@ -2047,9 +2272,13 @@
           <a:prstGeom prst="rect">
             <a:avLst/>
           </a:prstGeom>
-        </p:spPr>
-        <p:txBody>
-          <a:bodyPr lIns="0" rIns="0" tIns="0" bIns="0">
+          <a:noFill/>
+          <a:ln w="0">
+            <a:noFill/>
+          </a:ln>
+        </p:spPr>
+        <p:txBody>
+          <a:bodyPr lIns="0" rIns="0" tIns="0" bIns="0" anchor="t">
             <a:normAutofit/>
           </a:bodyPr>
           <a:p>
@@ -2066,7 +2295,7 @@
             <a:spLocks noGrp="1"/>
           </p:cNvSpPr>
           <p:nvPr>
-            <p:ph type="body"/>
+            <p:ph/>
           </p:nvPr>
         </p:nvSpPr>
         <p:spPr>
@@ -2077,9 +2306,13 @@
           <a:prstGeom prst="rect">
             <a:avLst/>
           </a:prstGeom>
-        </p:spPr>
-        <p:txBody>
-          <a:bodyPr lIns="0" rIns="0" tIns="0" bIns="0">
+          <a:noFill/>
+          <a:ln w="0">
+            <a:noFill/>
+          </a:ln>
+        </p:spPr>
+        <p:txBody>
+          <a:bodyPr lIns="0" rIns="0" tIns="0" bIns="0" anchor="t">
             <a:normAutofit/>
           </a:bodyPr>
           <a:p>
@@ -2129,13 +2362,19 @@
           <a:prstGeom prst="rect">
             <a:avLst/>
           </a:prstGeom>
+          <a:noFill/>
+          <a:ln w="0">
+            <a:noFill/>
+          </a:ln>
         </p:spPr>
         <p:txBody>
           <a:bodyPr lIns="0" rIns="0" tIns="0" bIns="0" anchor="ctr">
             <a:noAutofit/>
           </a:bodyPr>
           <a:p>
-            <a:pPr algn="ctr"/>
+            <a:pPr algn="ctr">
+              <a:buNone/>
+            </a:pPr>
             <a:endParaRPr b="0" lang="en-CA" sz="4400" spc="-1" strike="noStrike">
               <a:latin typeface="Arial"/>
             </a:endParaRPr>
@@ -2160,13 +2399,19 @@
           <a:prstGeom prst="rect">
             <a:avLst/>
           </a:prstGeom>
+          <a:noFill/>
+          <a:ln w="0">
+            <a:noFill/>
+          </a:ln>
         </p:spPr>
         <p:txBody>
           <a:bodyPr lIns="0" rIns="0" tIns="0" bIns="0" anchor="ctr">
             <a:noAutofit/>
           </a:bodyPr>
           <a:p>
-            <a:pPr algn="ctr"/>
+            <a:pPr algn="ctr">
+              <a:buNone/>
+            </a:pPr>
             <a:endParaRPr b="0" lang="en-CA" sz="3200" spc="-1" strike="noStrike">
               <a:latin typeface="Arial"/>
             </a:endParaRPr>
@@ -2213,13 +2458,19 @@
           <a:prstGeom prst="rect">
             <a:avLst/>
           </a:prstGeom>
+          <a:noFill/>
+          <a:ln w="0">
+            <a:noFill/>
+          </a:ln>
         </p:spPr>
         <p:txBody>
           <a:bodyPr lIns="0" rIns="0" tIns="0" bIns="0" anchor="ctr">
             <a:noAutofit/>
           </a:bodyPr>
           <a:p>
-            <a:pPr algn="ctr"/>
+            <a:pPr algn="ctr">
+              <a:buNone/>
+            </a:pPr>
             <a:endParaRPr b="0" lang="en-CA" sz="4400" spc="-1" strike="noStrike">
               <a:latin typeface="Arial"/>
             </a:endParaRPr>
@@ -2233,7 +2484,7 @@
             <a:spLocks noGrp="1"/>
           </p:cNvSpPr>
           <p:nvPr>
-            <p:ph type="body"/>
+            <p:ph/>
           </p:nvPr>
         </p:nvSpPr>
         <p:spPr>
@@ -2244,9 +2495,13 @@
           <a:prstGeom prst="rect">
             <a:avLst/>
           </a:prstGeom>
-        </p:spPr>
-        <p:txBody>
-          <a:bodyPr lIns="0" rIns="0" tIns="0" bIns="0">
+          <a:noFill/>
+          <a:ln w="0">
+            <a:noFill/>
+          </a:ln>
+        </p:spPr>
+        <p:txBody>
+          <a:bodyPr lIns="0" rIns="0" tIns="0" bIns="0" anchor="t">
             <a:normAutofit/>
           </a:bodyPr>
           <a:p>
@@ -2263,7 +2518,7 @@
             <a:spLocks noGrp="1"/>
           </p:cNvSpPr>
           <p:nvPr>
-            <p:ph type="body"/>
+            <p:ph/>
           </p:nvPr>
         </p:nvSpPr>
         <p:spPr>
@@ -2274,9 +2529,13 @@
           <a:prstGeom prst="rect">
             <a:avLst/>
           </a:prstGeom>
-        </p:spPr>
-        <p:txBody>
-          <a:bodyPr lIns="0" rIns="0" tIns="0" bIns="0">
+          <a:noFill/>
+          <a:ln w="0">
+            <a:noFill/>
+          </a:ln>
+        </p:spPr>
+        <p:txBody>
+          <a:bodyPr lIns="0" rIns="0" tIns="0" bIns="0" anchor="t">
             <a:normAutofit/>
           </a:bodyPr>
           <a:p>
@@ -2293,7 +2552,7 @@
             <a:spLocks noGrp="1"/>
           </p:cNvSpPr>
           <p:nvPr>
-            <p:ph type="body"/>
+            <p:ph/>
           </p:nvPr>
         </p:nvSpPr>
         <p:spPr>
@@ -2304,9 +2563,13 @@
           <a:prstGeom prst="rect">
             <a:avLst/>
           </a:prstGeom>
-        </p:spPr>
-        <p:txBody>
-          <a:bodyPr lIns="0" rIns="0" tIns="0" bIns="0">
+          <a:noFill/>
+          <a:ln w="0">
+            <a:noFill/>
+          </a:ln>
+        </p:spPr>
+        <p:txBody>
+          <a:bodyPr lIns="0" rIns="0" tIns="0" bIns="0" anchor="t">
             <a:normAutofit/>
           </a:bodyPr>
           <a:p>
@@ -2356,13 +2619,19 @@
           <a:prstGeom prst="rect">
             <a:avLst/>
           </a:prstGeom>
+          <a:noFill/>
+          <a:ln w="0">
+            <a:noFill/>
+          </a:ln>
         </p:spPr>
         <p:txBody>
           <a:bodyPr lIns="0" rIns="0" tIns="0" bIns="0" anchor="ctr">
             <a:noAutofit/>
           </a:bodyPr>
           <a:p>
-            <a:pPr algn="ctr"/>
+            <a:pPr algn="ctr">
+              <a:buNone/>
+            </a:pPr>
             <a:endParaRPr b="0" lang="en-CA" sz="4400" spc="-1" strike="noStrike">
               <a:latin typeface="Arial"/>
             </a:endParaRPr>
@@ -2376,7 +2645,7 @@
             <a:spLocks noGrp="1"/>
           </p:cNvSpPr>
           <p:nvPr>
-            <p:ph type="body"/>
+            <p:ph/>
           </p:nvPr>
         </p:nvSpPr>
         <p:spPr>
@@ -2387,9 +2656,13 @@
           <a:prstGeom prst="rect">
             <a:avLst/>
           </a:prstGeom>
-        </p:spPr>
-        <p:txBody>
-          <a:bodyPr lIns="0" rIns="0" tIns="0" bIns="0">
+          <a:noFill/>
+          <a:ln w="0">
+            <a:noFill/>
+          </a:ln>
+        </p:spPr>
+        <p:txBody>
+          <a:bodyPr lIns="0" rIns="0" tIns="0" bIns="0" anchor="t">
             <a:normAutofit/>
           </a:bodyPr>
           <a:p>
@@ -2406,7 +2679,7 @@
             <a:spLocks noGrp="1"/>
           </p:cNvSpPr>
           <p:nvPr>
-            <p:ph type="body"/>
+            <p:ph/>
           </p:nvPr>
         </p:nvSpPr>
         <p:spPr>
@@ -2417,9 +2690,13 @@
           <a:prstGeom prst="rect">
             <a:avLst/>
           </a:prstGeom>
-        </p:spPr>
-        <p:txBody>
-          <a:bodyPr lIns="0" rIns="0" tIns="0" bIns="0">
+          <a:noFill/>
+          <a:ln w="0">
+            <a:noFill/>
+          </a:ln>
+        </p:spPr>
+        <p:txBody>
+          <a:bodyPr lIns="0" rIns="0" tIns="0" bIns="0" anchor="t">
             <a:normAutofit/>
           </a:bodyPr>
           <a:p>
@@ -2436,7 +2713,7 @@
             <a:spLocks noGrp="1"/>
           </p:cNvSpPr>
           <p:nvPr>
-            <p:ph type="body"/>
+            <p:ph/>
           </p:nvPr>
         </p:nvSpPr>
         <p:spPr>
@@ -2447,9 +2724,13 @@
           <a:prstGeom prst="rect">
             <a:avLst/>
           </a:prstGeom>
-        </p:spPr>
-        <p:txBody>
-          <a:bodyPr lIns="0" rIns="0" tIns="0" bIns="0">
+          <a:noFill/>
+          <a:ln w="0">
+            <a:noFill/>
+          </a:ln>
+        </p:spPr>
+        <p:txBody>
+          <a:bodyPr lIns="0" rIns="0" tIns="0" bIns="0" anchor="t">
             <a:normAutofit/>
           </a:bodyPr>
           <a:p>
@@ -2499,13 +2780,19 @@
           <a:prstGeom prst="rect">
             <a:avLst/>
           </a:prstGeom>
+          <a:noFill/>
+          <a:ln w="0">
+            <a:noFill/>
+          </a:ln>
         </p:spPr>
         <p:txBody>
           <a:bodyPr lIns="0" rIns="0" tIns="0" bIns="0" anchor="ctr">
             <a:noAutofit/>
           </a:bodyPr>
           <a:p>
-            <a:pPr algn="ctr"/>
+            <a:pPr algn="ctr">
+              <a:buNone/>
+            </a:pPr>
             <a:endParaRPr b="0" lang="en-CA" sz="4400" spc="-1" strike="noStrike">
               <a:latin typeface="Arial"/>
             </a:endParaRPr>
@@ -2519,7 +2806,7 @@
             <a:spLocks noGrp="1"/>
           </p:cNvSpPr>
           <p:nvPr>
-            <p:ph type="body"/>
+            <p:ph/>
           </p:nvPr>
         </p:nvSpPr>
         <p:spPr>
@@ -2530,9 +2817,13 @@
           <a:prstGeom prst="rect">
             <a:avLst/>
           </a:prstGeom>
-        </p:spPr>
-        <p:txBody>
-          <a:bodyPr lIns="0" rIns="0" tIns="0" bIns="0">
+          <a:noFill/>
+          <a:ln w="0">
+            <a:noFill/>
+          </a:ln>
+        </p:spPr>
+        <p:txBody>
+          <a:bodyPr lIns="0" rIns="0" tIns="0" bIns="0" anchor="t">
             <a:normAutofit/>
           </a:bodyPr>
           <a:p>
@@ -2549,7 +2840,7 @@
             <a:spLocks noGrp="1"/>
           </p:cNvSpPr>
           <p:nvPr>
-            <p:ph type="body"/>
+            <p:ph/>
           </p:nvPr>
         </p:nvSpPr>
         <p:spPr>
@@ -2560,9 +2851,13 @@
           <a:prstGeom prst="rect">
             <a:avLst/>
           </a:prstGeom>
-        </p:spPr>
-        <p:txBody>
-          <a:bodyPr lIns="0" rIns="0" tIns="0" bIns="0">
+          <a:noFill/>
+          <a:ln w="0">
+            <a:noFill/>
+          </a:ln>
+        </p:spPr>
+        <p:txBody>
+          <a:bodyPr lIns="0" rIns="0" tIns="0" bIns="0" anchor="t">
             <a:normAutofit/>
           </a:bodyPr>
           <a:p>
@@ -2612,13 +2907,19 @@
           <a:prstGeom prst="rect">
             <a:avLst/>
           </a:prstGeom>
+          <a:noFill/>
+          <a:ln w="0">
+            <a:noFill/>
+          </a:ln>
         </p:spPr>
         <p:txBody>
           <a:bodyPr lIns="0" rIns="0" tIns="0" bIns="0" anchor="ctr">
             <a:noAutofit/>
           </a:bodyPr>
           <a:p>
-            <a:pPr algn="ctr"/>
+            <a:pPr algn="ctr">
+              <a:buNone/>
+            </a:pPr>
             <a:endParaRPr b="0" lang="en-CA" sz="4400" spc="-1" strike="noStrike">
               <a:latin typeface="Arial"/>
             </a:endParaRPr>
@@ -2632,7 +2933,7 @@
             <a:spLocks noGrp="1"/>
           </p:cNvSpPr>
           <p:nvPr>
-            <p:ph type="body"/>
+            <p:ph/>
           </p:nvPr>
         </p:nvSpPr>
         <p:spPr>
@@ -2643,9 +2944,13 @@
           <a:prstGeom prst="rect">
             <a:avLst/>
           </a:prstGeom>
-        </p:spPr>
-        <p:txBody>
-          <a:bodyPr lIns="0" rIns="0" tIns="0" bIns="0">
+          <a:noFill/>
+          <a:ln w="0">
+            <a:noFill/>
+          </a:ln>
+        </p:spPr>
+        <p:txBody>
+          <a:bodyPr lIns="0" rIns="0" tIns="0" bIns="0" anchor="t">
             <a:normAutofit/>
           </a:bodyPr>
           <a:p>
@@ -2662,7 +2967,7 @@
             <a:spLocks noGrp="1"/>
           </p:cNvSpPr>
           <p:nvPr>
-            <p:ph type="body"/>
+            <p:ph/>
           </p:nvPr>
         </p:nvSpPr>
         <p:spPr>
@@ -2673,9 +2978,13 @@
           <a:prstGeom prst="rect">
             <a:avLst/>
           </a:prstGeom>
-        </p:spPr>
-        <p:txBody>
-          <a:bodyPr lIns="0" rIns="0" tIns="0" bIns="0">
+          <a:noFill/>
+          <a:ln w="0">
+            <a:noFill/>
+          </a:ln>
+        </p:spPr>
+        <p:txBody>
+          <a:bodyPr lIns="0" rIns="0" tIns="0" bIns="0" anchor="t">
             <a:normAutofit/>
           </a:bodyPr>
           <a:p>
@@ -2692,7 +3001,7 @@
             <a:spLocks noGrp="1"/>
           </p:cNvSpPr>
           <p:nvPr>
-            <p:ph type="body"/>
+            <p:ph/>
           </p:nvPr>
         </p:nvSpPr>
         <p:spPr>
@@ -2703,9 +3012,13 @@
           <a:prstGeom prst="rect">
             <a:avLst/>
           </a:prstGeom>
-        </p:spPr>
-        <p:txBody>
-          <a:bodyPr lIns="0" rIns="0" tIns="0" bIns="0">
+          <a:noFill/>
+          <a:ln w="0">
+            <a:noFill/>
+          </a:ln>
+        </p:spPr>
+        <p:txBody>
+          <a:bodyPr lIns="0" rIns="0" tIns="0" bIns="0" anchor="t">
             <a:normAutofit/>
           </a:bodyPr>
           <a:p>
@@ -2722,7 +3035,7 @@
             <a:spLocks noGrp="1"/>
           </p:cNvSpPr>
           <p:nvPr>
-            <p:ph type="body"/>
+            <p:ph/>
           </p:nvPr>
         </p:nvSpPr>
         <p:spPr>
@@ -2733,9 +3046,13 @@
           <a:prstGeom prst="rect">
             <a:avLst/>
           </a:prstGeom>
-        </p:spPr>
-        <p:txBody>
-          <a:bodyPr lIns="0" rIns="0" tIns="0" bIns="0">
+          <a:noFill/>
+          <a:ln w="0">
+            <a:noFill/>
+          </a:ln>
+        </p:spPr>
+        <p:txBody>
+          <a:bodyPr lIns="0" rIns="0" tIns="0" bIns="0" anchor="t">
             <a:normAutofit/>
           </a:bodyPr>
           <a:p>
@@ -2785,13 +3102,19 @@
           <a:prstGeom prst="rect">
             <a:avLst/>
           </a:prstGeom>
+          <a:noFill/>
+          <a:ln w="0">
+            <a:noFill/>
+          </a:ln>
         </p:spPr>
         <p:txBody>
           <a:bodyPr lIns="0" rIns="0" tIns="0" bIns="0" anchor="ctr">
             <a:noAutofit/>
           </a:bodyPr>
           <a:p>
-            <a:pPr algn="ctr"/>
+            <a:pPr algn="ctr">
+              <a:buNone/>
+            </a:pPr>
             <a:endParaRPr b="0" lang="en-CA" sz="4400" spc="-1" strike="noStrike">
               <a:latin typeface="Arial"/>
             </a:endParaRPr>
@@ -2805,7 +3128,7 @@
             <a:spLocks noGrp="1"/>
           </p:cNvSpPr>
           <p:nvPr>
-            <p:ph type="body"/>
+            <p:ph/>
           </p:nvPr>
         </p:nvSpPr>
         <p:spPr>
@@ -2816,9 +3139,13 @@
           <a:prstGeom prst="rect">
             <a:avLst/>
           </a:prstGeom>
-        </p:spPr>
-        <p:txBody>
-          <a:bodyPr lIns="0" rIns="0" tIns="0" bIns="0">
+          <a:noFill/>
+          <a:ln w="0">
+            <a:noFill/>
+          </a:ln>
+        </p:spPr>
+        <p:txBody>
+          <a:bodyPr lIns="0" rIns="0" tIns="0" bIns="0" anchor="t">
             <a:normAutofit/>
           </a:bodyPr>
           <a:p>
@@ -2835,7 +3162,7 @@
             <a:spLocks noGrp="1"/>
           </p:cNvSpPr>
           <p:nvPr>
-            <p:ph type="body"/>
+            <p:ph/>
           </p:nvPr>
         </p:nvSpPr>
         <p:spPr>
@@ -2846,9 +3173,13 @@
           <a:prstGeom prst="rect">
             <a:avLst/>
           </a:prstGeom>
-        </p:spPr>
-        <p:txBody>
-          <a:bodyPr lIns="0" rIns="0" tIns="0" bIns="0">
+          <a:noFill/>
+          <a:ln w="0">
+            <a:noFill/>
+          </a:ln>
+        </p:spPr>
+        <p:txBody>
+          <a:bodyPr lIns="0" rIns="0" tIns="0" bIns="0" anchor="t">
             <a:normAutofit/>
           </a:bodyPr>
           <a:p>
@@ -2865,7 +3196,7 @@
             <a:spLocks noGrp="1"/>
           </p:cNvSpPr>
           <p:nvPr>
-            <p:ph type="body"/>
+            <p:ph/>
           </p:nvPr>
         </p:nvSpPr>
         <p:spPr>
@@ -2876,9 +3207,13 @@
           <a:prstGeom prst="rect">
             <a:avLst/>
           </a:prstGeom>
-        </p:spPr>
-        <p:txBody>
-          <a:bodyPr lIns="0" rIns="0" tIns="0" bIns="0">
+          <a:noFill/>
+          <a:ln w="0">
+            <a:noFill/>
+          </a:ln>
+        </p:spPr>
+        <p:txBody>
+          <a:bodyPr lIns="0" rIns="0" tIns="0" bIns="0" anchor="t">
             <a:normAutofit/>
           </a:bodyPr>
           <a:p>
@@ -2895,7 +3230,7 @@
             <a:spLocks noGrp="1"/>
           </p:cNvSpPr>
           <p:nvPr>
-            <p:ph type="body"/>
+            <p:ph/>
           </p:nvPr>
         </p:nvSpPr>
         <p:spPr>
@@ -2906,9 +3241,13 @@
           <a:prstGeom prst="rect">
             <a:avLst/>
           </a:prstGeom>
-        </p:spPr>
-        <p:txBody>
-          <a:bodyPr lIns="0" rIns="0" tIns="0" bIns="0">
+          <a:noFill/>
+          <a:ln w="0">
+            <a:noFill/>
+          </a:ln>
+        </p:spPr>
+        <p:txBody>
+          <a:bodyPr lIns="0" rIns="0" tIns="0" bIns="0" anchor="t">
             <a:normAutofit/>
           </a:bodyPr>
           <a:p>
@@ -2925,7 +3264,7 @@
             <a:spLocks noGrp="1"/>
           </p:cNvSpPr>
           <p:nvPr>
-            <p:ph type="body"/>
+            <p:ph/>
           </p:nvPr>
         </p:nvSpPr>
         <p:spPr>
@@ -2936,9 +3275,13 @@
           <a:prstGeom prst="rect">
             <a:avLst/>
           </a:prstGeom>
-        </p:spPr>
-        <p:txBody>
-          <a:bodyPr lIns="0" rIns="0" tIns="0" bIns="0">
+          <a:noFill/>
+          <a:ln w="0">
+            <a:noFill/>
+          </a:ln>
+        </p:spPr>
+        <p:txBody>
+          <a:bodyPr lIns="0" rIns="0" tIns="0" bIns="0" anchor="t">
             <a:normAutofit/>
           </a:bodyPr>
           <a:p>
@@ -2955,7 +3298,7 @@
             <a:spLocks noGrp="1"/>
           </p:cNvSpPr>
           <p:nvPr>
-            <p:ph type="body"/>
+            <p:ph/>
           </p:nvPr>
         </p:nvSpPr>
         <p:spPr>
@@ -2966,9 +3309,13 @@
           <a:prstGeom prst="rect">
             <a:avLst/>
           </a:prstGeom>
-        </p:spPr>
-        <p:txBody>
-          <a:bodyPr lIns="0" rIns="0" tIns="0" bIns="0">
+          <a:noFill/>
+          <a:ln w="0">
+            <a:noFill/>
+          </a:ln>
+        </p:spPr>
+        <p:txBody>
+          <a:bodyPr lIns="0" rIns="0" tIns="0" bIns="0" anchor="t">
             <a:normAutofit/>
           </a:bodyPr>
           <a:p>
@@ -3018,13 +3365,19 @@
           <a:prstGeom prst="rect">
             <a:avLst/>
           </a:prstGeom>
+          <a:noFill/>
+          <a:ln w="0">
+            <a:noFill/>
+          </a:ln>
         </p:spPr>
         <p:txBody>
           <a:bodyPr lIns="0" rIns="0" tIns="0" bIns="0" anchor="ctr">
             <a:noAutofit/>
           </a:bodyPr>
           <a:p>
-            <a:pPr algn="ctr"/>
+            <a:pPr algn="ctr">
+              <a:buNone/>
+            </a:pPr>
             <a:endParaRPr b="0" lang="en-CA" sz="4400" spc="-1" strike="noStrike">
               <a:latin typeface="Arial"/>
             </a:endParaRPr>
@@ -3038,7 +3391,7 @@
             <a:spLocks noGrp="1"/>
           </p:cNvSpPr>
           <p:nvPr>
-            <p:ph type="body"/>
+            <p:ph/>
           </p:nvPr>
         </p:nvSpPr>
         <p:spPr>
@@ -3049,9 +3402,13 @@
           <a:prstGeom prst="rect">
             <a:avLst/>
           </a:prstGeom>
-        </p:spPr>
-        <p:txBody>
-          <a:bodyPr lIns="0" rIns="0" tIns="0" bIns="0">
+          <a:noFill/>
+          <a:ln w="0">
+            <a:noFill/>
+          </a:ln>
+        </p:spPr>
+        <p:txBody>
+          <a:bodyPr lIns="0" rIns="0" tIns="0" bIns="0" anchor="t">
             <a:normAutofit/>
           </a:bodyPr>
           <a:p>
@@ -3101,13 +3458,19 @@
           <a:prstGeom prst="rect">
             <a:avLst/>
           </a:prstGeom>
+          <a:noFill/>
+          <a:ln w="0">
+            <a:noFill/>
+          </a:ln>
         </p:spPr>
         <p:txBody>
           <a:bodyPr lIns="0" rIns="0" tIns="0" bIns="0" anchor="ctr">
             <a:noAutofit/>
           </a:bodyPr>
           <a:p>
-            <a:pPr algn="ctr"/>
+            <a:pPr algn="ctr">
+              <a:buNone/>
+            </a:pPr>
             <a:endParaRPr b="0" lang="en-CA" sz="4400" spc="-1" strike="noStrike">
               <a:latin typeface="Arial"/>
             </a:endParaRPr>
@@ -3121,7 +3484,7 @@
             <a:spLocks noGrp="1"/>
           </p:cNvSpPr>
           <p:nvPr>
-            <p:ph type="body"/>
+            <p:ph/>
           </p:nvPr>
         </p:nvSpPr>
         <p:spPr>
@@ -3132,9 +3495,13 @@
           <a:prstGeom prst="rect">
             <a:avLst/>
           </a:prstGeom>
-        </p:spPr>
-        <p:txBody>
-          <a:bodyPr lIns="0" rIns="0" tIns="0" bIns="0">
+          <a:noFill/>
+          <a:ln w="0">
+            <a:noFill/>
+          </a:ln>
+        </p:spPr>
+        <p:txBody>
+          <a:bodyPr lIns="0" rIns="0" tIns="0" bIns="0" anchor="t">
             <a:normAutofit/>
           </a:bodyPr>
           <a:p>
@@ -3151,7 +3518,7 @@
             <a:spLocks noGrp="1"/>
           </p:cNvSpPr>
           <p:nvPr>
-            <p:ph type="body"/>
+            <p:ph/>
           </p:nvPr>
         </p:nvSpPr>
         <p:spPr>
@@ -3162,9 +3529,13 @@
           <a:prstGeom prst="rect">
             <a:avLst/>
           </a:prstGeom>
-        </p:spPr>
-        <p:txBody>
-          <a:bodyPr lIns="0" rIns="0" tIns="0" bIns="0">
+          <a:noFill/>
+          <a:ln w="0">
+            <a:noFill/>
+          </a:ln>
+        </p:spPr>
+        <p:txBody>
+          <a:bodyPr lIns="0" rIns="0" tIns="0" bIns="0" anchor="t">
             <a:normAutofit/>
           </a:bodyPr>
           <a:p>
@@ -3214,13 +3585,19 @@
           <a:prstGeom prst="rect">
             <a:avLst/>
           </a:prstGeom>
+          <a:noFill/>
+          <a:ln w="0">
+            <a:noFill/>
+          </a:ln>
         </p:spPr>
         <p:txBody>
           <a:bodyPr lIns="0" rIns="0" tIns="0" bIns="0" anchor="ctr">
             <a:noAutofit/>
           </a:bodyPr>
           <a:p>
-            <a:pPr algn="ctr"/>
+            <a:pPr algn="ctr">
+              <a:buNone/>
+            </a:pPr>
             <a:endParaRPr b="0" lang="en-CA" sz="4400" spc="-1" strike="noStrike">
               <a:latin typeface="Arial"/>
             </a:endParaRPr>
@@ -3267,13 +3644,19 @@
           <a:prstGeom prst="rect">
             <a:avLst/>
           </a:prstGeom>
+          <a:noFill/>
+          <a:ln w="0">
+            <a:noFill/>
+          </a:ln>
         </p:spPr>
         <p:txBody>
           <a:bodyPr lIns="0" rIns="0" tIns="0" bIns="0" anchor="ctr">
             <a:noAutofit/>
           </a:bodyPr>
           <a:p>
-            <a:pPr algn="ctr"/>
+            <a:pPr algn="ctr">
+              <a:buNone/>
+            </a:pPr>
             <a:endParaRPr b="0" lang="en-CA" sz="3200" spc="-1" strike="noStrike">
               <a:latin typeface="Arial"/>
             </a:endParaRPr>
@@ -3320,13 +3703,19 @@
           <a:prstGeom prst="rect">
             <a:avLst/>
           </a:prstGeom>
+          <a:noFill/>
+          <a:ln w="0">
+            <a:noFill/>
+          </a:ln>
         </p:spPr>
         <p:txBody>
           <a:bodyPr lIns="0" rIns="0" tIns="0" bIns="0" anchor="ctr">
             <a:noAutofit/>
           </a:bodyPr>
           <a:p>
-            <a:pPr algn="ctr"/>
+            <a:pPr algn="ctr">
+              <a:buNone/>
+            </a:pPr>
             <a:endParaRPr b="0" lang="en-CA" sz="4400" spc="-1" strike="noStrike">
               <a:latin typeface="Arial"/>
             </a:endParaRPr>
@@ -3340,7 +3729,7 @@
             <a:spLocks noGrp="1"/>
           </p:cNvSpPr>
           <p:nvPr>
-            <p:ph type="body"/>
+            <p:ph/>
           </p:nvPr>
         </p:nvSpPr>
         <p:spPr>
@@ -3351,9 +3740,13 @@
           <a:prstGeom prst="rect">
             <a:avLst/>
           </a:prstGeom>
-        </p:spPr>
-        <p:txBody>
-          <a:bodyPr lIns="0" rIns="0" tIns="0" bIns="0">
+          <a:noFill/>
+          <a:ln w="0">
+            <a:noFill/>
+          </a:ln>
+        </p:spPr>
+        <p:txBody>
+          <a:bodyPr lIns="0" rIns="0" tIns="0" bIns="0" anchor="t">
             <a:normAutofit/>
           </a:bodyPr>
           <a:p>
@@ -3370,7 +3763,7 @@
             <a:spLocks noGrp="1"/>
           </p:cNvSpPr>
           <p:nvPr>
-            <p:ph type="body"/>
+            <p:ph/>
           </p:nvPr>
         </p:nvSpPr>
         <p:spPr>
@@ -3381,9 +3774,13 @@
           <a:prstGeom prst="rect">
             <a:avLst/>
           </a:prstGeom>
-        </p:spPr>
-        <p:txBody>
-          <a:bodyPr lIns="0" rIns="0" tIns="0" bIns="0">
+          <a:noFill/>
+          <a:ln w="0">
+            <a:noFill/>
+          </a:ln>
+        </p:spPr>
+        <p:txBody>
+          <a:bodyPr lIns="0" rIns="0" tIns="0" bIns="0" anchor="t">
             <a:normAutofit/>
           </a:bodyPr>
           <a:p>
@@ -3400,7 +3797,7 @@
             <a:spLocks noGrp="1"/>
           </p:cNvSpPr>
           <p:nvPr>
-            <p:ph type="body"/>
+            <p:ph/>
           </p:nvPr>
         </p:nvSpPr>
         <p:spPr>
@@ -3411,9 +3808,13 @@
           <a:prstGeom prst="rect">
             <a:avLst/>
           </a:prstGeom>
-        </p:spPr>
-        <p:txBody>
-          <a:bodyPr lIns="0" rIns="0" tIns="0" bIns="0">
+          <a:noFill/>
+          <a:ln w="0">
+            <a:noFill/>
+          </a:ln>
+        </p:spPr>
+        <p:txBody>
+          <a:bodyPr lIns="0" rIns="0" tIns="0" bIns="0" anchor="t">
             <a:normAutofit/>
           </a:bodyPr>
           <a:p>
@@ -3463,13 +3864,19 @@
           <a:prstGeom prst="rect">
             <a:avLst/>
           </a:prstGeom>
+          <a:noFill/>
+          <a:ln w="0">
+            <a:noFill/>
+          </a:ln>
         </p:spPr>
         <p:txBody>
           <a:bodyPr lIns="0" rIns="0" tIns="0" bIns="0" anchor="ctr">
             <a:noAutofit/>
           </a:bodyPr>
           <a:p>
-            <a:pPr algn="ctr"/>
+            <a:pPr algn="ctr">
+              <a:buNone/>
+            </a:pPr>
             <a:endParaRPr b="0" lang="en-CA" sz="4400" spc="-1" strike="noStrike">
               <a:latin typeface="Arial"/>
             </a:endParaRPr>
@@ -3483,7 +3890,7 @@
             <a:spLocks noGrp="1"/>
           </p:cNvSpPr>
           <p:nvPr>
-            <p:ph type="body"/>
+            <p:ph/>
           </p:nvPr>
         </p:nvSpPr>
         <p:spPr>
@@ -3494,9 +3901,13 @@
           <a:prstGeom prst="rect">
             <a:avLst/>
           </a:prstGeom>
-        </p:spPr>
-        <p:txBody>
-          <a:bodyPr lIns="0" rIns="0" tIns="0" bIns="0">
+          <a:noFill/>
+          <a:ln w="0">
+            <a:noFill/>
+          </a:ln>
+        </p:spPr>
+        <p:txBody>
+          <a:bodyPr lIns="0" rIns="0" tIns="0" bIns="0" anchor="t">
             <a:normAutofit/>
           </a:bodyPr>
           <a:p>
@@ -3513,7 +3924,7 @@
             <a:spLocks noGrp="1"/>
           </p:cNvSpPr>
           <p:nvPr>
-            <p:ph type="body"/>
+            <p:ph/>
           </p:nvPr>
         </p:nvSpPr>
         <p:spPr>
@@ -3524,9 +3935,13 @@
           <a:prstGeom prst="rect">
             <a:avLst/>
           </a:prstGeom>
-        </p:spPr>
-        <p:txBody>
-          <a:bodyPr lIns="0" rIns="0" tIns="0" bIns="0">
+          <a:noFill/>
+          <a:ln w="0">
+            <a:noFill/>
+          </a:ln>
+        </p:spPr>
+        <p:txBody>
+          <a:bodyPr lIns="0" rIns="0" tIns="0" bIns="0" anchor="t">
             <a:normAutofit/>
           </a:bodyPr>
           <a:p>
@@ -3543,7 +3958,7 @@
             <a:spLocks noGrp="1"/>
           </p:cNvSpPr>
           <p:nvPr>
-            <p:ph type="body"/>
+            <p:ph/>
           </p:nvPr>
         </p:nvSpPr>
         <p:spPr>
@@ -3554,9 +3969,13 @@
           <a:prstGeom prst="rect">
             <a:avLst/>
           </a:prstGeom>
-        </p:spPr>
-        <p:txBody>
-          <a:bodyPr lIns="0" rIns="0" tIns="0" bIns="0">
+          <a:noFill/>
+          <a:ln w="0">
+            <a:noFill/>
+          </a:ln>
+        </p:spPr>
+        <p:txBody>
+          <a:bodyPr lIns="0" rIns="0" tIns="0" bIns="0" anchor="t">
             <a:normAutofit/>
           </a:bodyPr>
           <a:p>
@@ -3606,13 +4025,19 @@
           <a:prstGeom prst="rect">
             <a:avLst/>
           </a:prstGeom>
+          <a:noFill/>
+          <a:ln w="0">
+            <a:noFill/>
+          </a:ln>
         </p:spPr>
         <p:txBody>
           <a:bodyPr lIns="0" rIns="0" tIns="0" bIns="0" anchor="ctr">
             <a:noAutofit/>
           </a:bodyPr>
           <a:p>
-            <a:pPr algn="ctr"/>
+            <a:pPr algn="ctr">
+              <a:buNone/>
+            </a:pPr>
             <a:endParaRPr b="0" lang="en-CA" sz="4400" spc="-1" strike="noStrike">
               <a:latin typeface="Arial"/>
             </a:endParaRPr>
@@ -3626,7 +4051,7 @@
             <a:spLocks noGrp="1"/>
           </p:cNvSpPr>
           <p:nvPr>
-            <p:ph type="body"/>
+            <p:ph/>
           </p:nvPr>
         </p:nvSpPr>
         <p:spPr>
@@ -3637,9 +4062,13 @@
           <a:prstGeom prst="rect">
             <a:avLst/>
           </a:prstGeom>
-        </p:spPr>
-        <p:txBody>
-          <a:bodyPr lIns="0" rIns="0" tIns="0" bIns="0">
+          <a:noFill/>
+          <a:ln w="0">
+            <a:noFill/>
+          </a:ln>
+        </p:spPr>
+        <p:txBody>
+          <a:bodyPr lIns="0" rIns="0" tIns="0" bIns="0" anchor="t">
             <a:normAutofit/>
           </a:bodyPr>
           <a:p>
@@ -3656,7 +4085,7 @@
             <a:spLocks noGrp="1"/>
           </p:cNvSpPr>
           <p:nvPr>
-            <p:ph type="body"/>
+            <p:ph/>
           </p:nvPr>
         </p:nvSpPr>
         <p:spPr>
@@ -3667,9 +4096,13 @@
           <a:prstGeom prst="rect">
             <a:avLst/>
           </a:prstGeom>
-        </p:spPr>
-        <p:txBody>
-          <a:bodyPr lIns="0" rIns="0" tIns="0" bIns="0">
+          <a:noFill/>
+          <a:ln w="0">
+            <a:noFill/>
+          </a:ln>
+        </p:spPr>
+        <p:txBody>
+          <a:bodyPr lIns="0" rIns="0" tIns="0" bIns="0" anchor="t">
             <a:normAutofit/>
           </a:bodyPr>
           <a:p>
@@ -3686,7 +4119,7 @@
             <a:spLocks noGrp="1"/>
           </p:cNvSpPr>
           <p:nvPr>
-            <p:ph type="body"/>
+            <p:ph/>
           </p:nvPr>
         </p:nvSpPr>
         <p:spPr>
@@ -3697,9 +4130,13 @@
           <a:prstGeom prst="rect">
             <a:avLst/>
           </a:prstGeom>
-        </p:spPr>
-        <p:txBody>
-          <a:bodyPr lIns="0" rIns="0" tIns="0" bIns="0">
+          <a:noFill/>
+          <a:ln w="0">
+            <a:noFill/>
+          </a:ln>
+        </p:spPr>
+        <p:txBody>
+          <a:bodyPr lIns="0" rIns="0" tIns="0" bIns="0" anchor="t">
             <a:normAutofit/>
           </a:bodyPr>
           <a:p>
@@ -3751,7 +4188,7 @@
         <p:spPr>
           <a:xfrm>
             <a:off x="35640" y="6099120"/>
-            <a:ext cx="2532240" cy="712800"/>
+            <a:ext cx="2531880" cy="712440"/>
           </a:xfrm>
           <a:prstGeom prst="rect">
             <a:avLst/>
@@ -3779,13 +4216,19 @@
           <a:prstGeom prst="rect">
             <a:avLst/>
           </a:prstGeom>
+          <a:noFill/>
+          <a:ln w="0">
+            <a:noFill/>
+          </a:ln>
         </p:spPr>
         <p:txBody>
           <a:bodyPr lIns="0" rIns="0" tIns="0" bIns="0" anchor="ctr">
             <a:noAutofit/>
           </a:bodyPr>
           <a:p>
-            <a:pPr algn="ctr"/>
+            <a:pPr algn="ctr">
+              <a:buNone/>
+            </a:pPr>
             <a:r>
               <a:rPr b="0" lang="en-CA" sz="4400" spc="-1" strike="noStrike">
                 <a:latin typeface="Arial"/>
@@ -3816,9 +4259,13 @@
           <a:prstGeom prst="rect">
             <a:avLst/>
           </a:prstGeom>
-        </p:spPr>
-        <p:txBody>
-          <a:bodyPr lIns="0" rIns="0" tIns="0" bIns="0">
+          <a:noFill/>
+          <a:ln w="0">
+            <a:noFill/>
+          </a:ln>
+        </p:spPr>
+        <p:txBody>
+          <a:bodyPr lIns="0" rIns="0" tIns="0" bIns="0" anchor="t">
             <a:normAutofit/>
           </a:bodyPr>
           <a:p>
@@ -4034,7 +4481,7 @@
         <p:spPr>
           <a:xfrm>
             <a:off x="35640" y="6099120"/>
-            <a:ext cx="2532240" cy="712800"/>
+            <a:ext cx="2531880" cy="712440"/>
           </a:xfrm>
           <a:prstGeom prst="rect">
             <a:avLst/>
@@ -4062,13 +4509,19 @@
           <a:prstGeom prst="rect">
             <a:avLst/>
           </a:prstGeom>
+          <a:noFill/>
+          <a:ln w="0">
+            <a:noFill/>
+          </a:ln>
         </p:spPr>
         <p:txBody>
           <a:bodyPr lIns="0" rIns="0" tIns="0" bIns="0" anchor="ctr">
             <a:noAutofit/>
           </a:bodyPr>
           <a:p>
-            <a:pPr algn="ctr"/>
+            <a:pPr algn="ctr">
+              <a:buNone/>
+            </a:pPr>
             <a:r>
               <a:rPr b="0" lang="en-CA" sz="4400" spc="-1" strike="noStrike">
                 <a:latin typeface="Arial"/>
@@ -4099,9 +4552,13 @@
           <a:prstGeom prst="rect">
             <a:avLst/>
           </a:prstGeom>
-        </p:spPr>
-        <p:txBody>
-          <a:bodyPr lIns="0" rIns="0" tIns="0" bIns="0">
+          <a:noFill/>
+          <a:ln w="0">
+            <a:noFill/>
+          </a:ln>
+        </p:spPr>
+        <p:txBody>
+          <a:bodyPr lIns="0" rIns="0" tIns="0" bIns="0" anchor="t">
             <a:normAutofit/>
           </a:bodyPr>
           <a:p>
@@ -4306,13 +4763,13 @@
         <p:spPr>
           <a:xfrm>
             <a:off x="685800" y="2130480"/>
-            <a:ext cx="7770960" cy="1468440"/>
-          </a:xfrm>
-          <a:prstGeom prst="rect">
-            <a:avLst/>
-          </a:prstGeom>
-          <a:noFill/>
-          <a:ln>
+            <a:ext cx="7770600" cy="1468080"/>
+          </a:xfrm>
+          <a:prstGeom prst="rect">
+            <a:avLst/>
+          </a:prstGeom>
+          <a:noFill/>
+          <a:ln w="0">
             <a:noFill/>
           </a:ln>
         </p:spPr>
@@ -4323,7 +4780,7 @@
           <a:fontRef idx="minor"/>
         </p:style>
         <p:txBody>
-          <a:bodyPr lIns="90000" rIns="90000" tIns="45000" bIns="45000">
+          <a:bodyPr lIns="90000" rIns="90000" tIns="45000" bIns="45000" anchor="t">
             <a:noAutofit/>
           </a:bodyPr>
           <a:p>
@@ -4331,6 +4788,7 @@
               <a:lnSpc>
                 <a:spcPct val="100000"/>
               </a:lnSpc>
+              <a:buNone/>
             </a:pPr>
             <a:r>
               <a:rPr b="0" lang="en-US" sz="4400" spc="-1" strike="noStrike">
@@ -4340,7 +4798,7 @@
                 <a:latin typeface="Calibri"/>
                 <a:ea typeface="ＭＳ Ｐゴシック"/>
               </a:rPr>
-              <a:t>Welcome to COMP-10097</a:t>
+              <a:t>Welcome to COMP-10280</a:t>
             </a:r>
             <a:endParaRPr b="0" lang="en-CA" sz="4400" spc="-1" strike="noStrike">
               <a:latin typeface="Arial"/>
@@ -4357,13 +4815,13 @@
         <p:spPr>
           <a:xfrm>
             <a:off x="1371600" y="3886200"/>
-            <a:ext cx="6399360" cy="1751040"/>
-          </a:xfrm>
-          <a:prstGeom prst="rect">
-            <a:avLst/>
-          </a:prstGeom>
-          <a:noFill/>
-          <a:ln>
+            <a:ext cx="6399000" cy="1750680"/>
+          </a:xfrm>
+          <a:prstGeom prst="rect">
+            <a:avLst/>
+          </a:prstGeom>
+          <a:noFill/>
+          <a:ln w="0">
             <a:noFill/>
           </a:ln>
         </p:spPr>
@@ -4413,13 +4871,13 @@
         <p:spPr>
           <a:xfrm>
             <a:off x="457200" y="274680"/>
-            <a:ext cx="8228160" cy="1141560"/>
-          </a:xfrm>
-          <a:prstGeom prst="rect">
-            <a:avLst/>
-          </a:prstGeom>
-          <a:noFill/>
-          <a:ln>
+            <a:ext cx="8227800" cy="1141200"/>
+          </a:xfrm>
+          <a:prstGeom prst="rect">
+            <a:avLst/>
+          </a:prstGeom>
+          <a:noFill/>
+          <a:ln w="0">
             <a:noFill/>
           </a:ln>
         </p:spPr>
@@ -4430,7 +4888,7 @@
           <a:fontRef idx="minor"/>
         </p:style>
         <p:txBody>
-          <a:bodyPr lIns="90000" rIns="90000" tIns="45000" bIns="45000">
+          <a:bodyPr lIns="90000" rIns="90000" tIns="45000" bIns="45000" anchor="t">
             <a:noAutofit/>
           </a:bodyPr>
           <a:p>
@@ -4438,6 +4896,7 @@
               <a:lnSpc>
                 <a:spcPct val="100000"/>
               </a:lnSpc>
+              <a:buNone/>
             </a:pPr>
             <a:r>
               <a:rPr b="0" lang="en-US" sz="4400" spc="-1" strike="noStrike">
@@ -4447,7 +4906,7 @@
                 <a:latin typeface="Calibri"/>
                 <a:ea typeface="ＭＳ Ｐゴシック"/>
               </a:rPr>
-              <a:t>Virtualization</a:t>
+              <a:t>What is a Container?</a:t>
             </a:r>
             <a:endParaRPr b="0" lang="en-CA" sz="4400" spc="-1" strike="noStrike">
               <a:latin typeface="Arial"/>
@@ -4464,13 +4923,13 @@
         <p:spPr>
           <a:xfrm>
             <a:off x="457200" y="1600200"/>
-            <a:ext cx="8228160" cy="2055960"/>
-          </a:xfrm>
-          <a:prstGeom prst="rect">
-            <a:avLst/>
-          </a:prstGeom>
-          <a:noFill/>
-          <a:ln>
+            <a:ext cx="8227800" cy="2055600"/>
+          </a:xfrm>
+          <a:prstGeom prst="rect">
+            <a:avLst/>
+          </a:prstGeom>
+          <a:noFill/>
+          <a:ln w="0">
             <a:noFill/>
           </a:ln>
         </p:spPr>
@@ -4481,7 +4940,7 @@
           <a:fontRef idx="minor"/>
         </p:style>
         <p:txBody>
-          <a:bodyPr lIns="90000" rIns="90000" tIns="45000" bIns="45000">
+          <a:bodyPr lIns="90000" rIns="90000" tIns="45000" bIns="45000" anchor="t">
             <a:noAutofit/>
           </a:bodyPr>
           <a:p>
@@ -4498,16 +4957,6 @@
               <a:buFont typeface="Symbol"/>
               <a:buChar char=""/>
             </a:pPr>
-            <a:r>
-              <a:rPr b="0" lang="en-CA" sz="3200" spc="-1" strike="noStrike">
-                <a:solidFill>
-                  <a:srgbClr val="000000"/>
-                </a:solidFill>
-                <a:latin typeface="Calibri"/>
-                <a:ea typeface="ＭＳ Ｐゴシック"/>
-              </a:rPr>
-              <a:t>Not ‘new’</a:t>
-            </a:r>
             <a:endParaRPr b="0" lang="en-CA" sz="3200" spc="-1" strike="noStrike">
               <a:latin typeface="Arial"/>
             </a:endParaRPr>
@@ -4551,13 +5000,13 @@
         <p:spPr>
           <a:xfrm>
             <a:off x="1787040" y="5715000"/>
-            <a:ext cx="5405760" cy="302760"/>
-          </a:xfrm>
-          <a:prstGeom prst="rect">
-            <a:avLst/>
-          </a:prstGeom>
-          <a:noFill/>
-          <a:ln>
+            <a:ext cx="5405400" cy="302760"/>
+          </a:xfrm>
+          <a:prstGeom prst="rect">
+            <a:avLst/>
+          </a:prstGeom>
+          <a:noFill/>
+          <a:ln w="0">
             <a:noFill/>
           </a:ln>
         </p:spPr>
@@ -4568,7 +5017,7 @@
           <a:fontRef idx="minor"/>
         </p:style>
         <p:txBody>
-          <a:bodyPr wrap="none" lIns="90000" rIns="90000" tIns="45000" bIns="45000">
+          <a:bodyPr wrap="none" lIns="90000" rIns="90000" tIns="45000" bIns="45000" anchor="t">
             <a:spAutoFit/>
           </a:bodyPr>
           <a:p>
@@ -4576,6 +5025,7 @@
               <a:lnSpc>
                 <a:spcPct val="100000"/>
               </a:lnSpc>
+              <a:buNone/>
             </a:pPr>
             <a:r>
               <a:rPr b="0" i="1" lang="en-CA" sz="1400" spc="-1" strike="noStrike">
@@ -4632,13 +5082,13 @@
         <p:spPr>
           <a:xfrm>
             <a:off x="457200" y="274680"/>
-            <a:ext cx="8228160" cy="1141560"/>
-          </a:xfrm>
-          <a:prstGeom prst="rect">
-            <a:avLst/>
-          </a:prstGeom>
-          <a:noFill/>
-          <a:ln>
+            <a:ext cx="8227800" cy="1141200"/>
+          </a:xfrm>
+          <a:prstGeom prst="rect">
+            <a:avLst/>
+          </a:prstGeom>
+          <a:noFill/>
+          <a:ln w="0">
             <a:noFill/>
           </a:ln>
         </p:spPr>
@@ -4649,7 +5099,7 @@
           <a:fontRef idx="minor"/>
         </p:style>
         <p:txBody>
-          <a:bodyPr lIns="90000" rIns="90000" tIns="45000" bIns="45000">
+          <a:bodyPr lIns="90000" rIns="90000" tIns="45000" bIns="45000" anchor="t">
             <a:noAutofit/>
           </a:bodyPr>
           <a:p>
@@ -4657,6 +5107,7 @@
               <a:lnSpc>
                 <a:spcPct val="100000"/>
               </a:lnSpc>
+              <a:buNone/>
             </a:pPr>
             <a:r>
               <a:rPr b="1" lang="en-CA" sz="2400" spc="-1" strike="noStrike">
@@ -4683,13 +5134,13 @@
         <p:spPr>
           <a:xfrm>
             <a:off x="609480" y="1295280"/>
-            <a:ext cx="7770960" cy="3503880"/>
-          </a:xfrm>
-          <a:prstGeom prst="rect">
-            <a:avLst/>
-          </a:prstGeom>
-          <a:noFill/>
-          <a:ln>
+            <a:ext cx="7770600" cy="3503520"/>
+          </a:xfrm>
+          <a:prstGeom prst="rect">
+            <a:avLst/>
+          </a:prstGeom>
+          <a:noFill/>
+          <a:ln w="0">
             <a:noFill/>
           </a:ln>
         </p:spPr>
@@ -4700,7 +5151,7 @@
           <a:fontRef idx="minor"/>
         </p:style>
         <p:txBody>
-          <a:bodyPr lIns="90000" rIns="90000" tIns="45000" bIns="45000">
+          <a:bodyPr lIns="90000" rIns="90000" tIns="45000" bIns="45000" anchor="t">
             <a:noAutofit/>
           </a:bodyPr>
           <a:p>
@@ -4711,6 +5162,7 @@
               <a:spcBef>
                 <a:spcPts val="400"/>
               </a:spcBef>
+              <a:buNone/>
               <a:tabLst>
                 <a:tab algn="l" pos="0"/>
               </a:tabLst>
@@ -4737,6 +5189,7 @@
               <a:spcBef>
                 <a:spcPts val="400"/>
               </a:spcBef>
+              <a:buNone/>
               <a:tabLst>
                 <a:tab algn="l" pos="0"/>
               </a:tabLst>
@@ -4753,6 +5206,7 @@
               <a:spcBef>
                 <a:spcPts val="400"/>
               </a:spcBef>
+              <a:buNone/>
               <a:tabLst>
                 <a:tab algn="l" pos="0"/>
               </a:tabLst>
@@ -4779,6 +5233,7 @@
               <a:spcBef>
                 <a:spcPts val="400"/>
               </a:spcBef>
+              <a:buNone/>
               <a:tabLst>
                 <a:tab algn="l" pos="0"/>
               </a:tabLst>
@@ -4795,6 +5250,7 @@
               <a:spcBef>
                 <a:spcPts val="400"/>
               </a:spcBef>
+              <a:buNone/>
               <a:tabLst>
                 <a:tab algn="l" pos="0"/>
               </a:tabLst>
@@ -4854,13 +5310,13 @@
         <p:spPr>
           <a:xfrm>
             <a:off x="457200" y="274680"/>
-            <a:ext cx="8228160" cy="1141560"/>
-          </a:xfrm>
-          <a:prstGeom prst="rect">
-            <a:avLst/>
-          </a:prstGeom>
-          <a:noFill/>
-          <a:ln>
+            <a:ext cx="8227800" cy="1141200"/>
+          </a:xfrm>
+          <a:prstGeom prst="rect">
+            <a:avLst/>
+          </a:prstGeom>
+          <a:noFill/>
+          <a:ln w="0">
             <a:noFill/>
           </a:ln>
         </p:spPr>
@@ -4871,7 +5327,7 @@
           <a:fontRef idx="minor"/>
         </p:style>
         <p:txBody>
-          <a:bodyPr lIns="90000" rIns="90000" tIns="45000" bIns="45000">
+          <a:bodyPr lIns="90000" rIns="90000" tIns="45000" bIns="45000" anchor="t">
             <a:noAutofit/>
           </a:bodyPr>
           <a:p>
@@ -4879,6 +5335,7 @@
               <a:lnSpc>
                 <a:spcPct val="100000"/>
               </a:lnSpc>
+              <a:buNone/>
             </a:pPr>
             <a:r>
               <a:rPr b="0" lang="en-US" sz="4400" spc="-1" strike="noStrike">
@@ -4905,13 +5362,13 @@
         <p:spPr>
           <a:xfrm>
             <a:off x="805320" y="1260720"/>
-            <a:ext cx="7618680" cy="3275280"/>
-          </a:xfrm>
-          <a:prstGeom prst="rect">
-            <a:avLst/>
-          </a:prstGeom>
-          <a:noFill/>
-          <a:ln>
+            <a:ext cx="7618320" cy="3274920"/>
+          </a:xfrm>
+          <a:prstGeom prst="rect">
+            <a:avLst/>
+          </a:prstGeom>
+          <a:noFill/>
+          <a:ln w="0">
             <a:noFill/>
           </a:ln>
         </p:spPr>
@@ -4922,7 +5379,7 @@
           <a:fontRef idx="minor"/>
         </p:style>
         <p:txBody>
-          <a:bodyPr lIns="90000" rIns="90000" tIns="45000" bIns="45000">
+          <a:bodyPr lIns="90000" rIns="90000" tIns="45000" bIns="45000" anchor="t">
             <a:noAutofit/>
           </a:bodyPr>
           <a:p>
@@ -5174,13 +5631,13 @@
         <p:spPr>
           <a:xfrm>
             <a:off x="457200" y="274680"/>
-            <a:ext cx="8228160" cy="1141560"/>
-          </a:xfrm>
-          <a:prstGeom prst="rect">
-            <a:avLst/>
-          </a:prstGeom>
-          <a:noFill/>
-          <a:ln>
+            <a:ext cx="8227800" cy="1141200"/>
+          </a:xfrm>
+          <a:prstGeom prst="rect">
+            <a:avLst/>
+          </a:prstGeom>
+          <a:noFill/>
+          <a:ln w="0">
             <a:noFill/>
           </a:ln>
         </p:spPr>
@@ -5191,7 +5648,7 @@
           <a:fontRef idx="minor"/>
         </p:style>
         <p:txBody>
-          <a:bodyPr lIns="90000" rIns="90000" tIns="45000" bIns="45000">
+          <a:bodyPr lIns="90000" rIns="90000" tIns="45000" bIns="45000" anchor="t">
             <a:noAutofit/>
           </a:bodyPr>
           <a:p>
@@ -5199,6 +5656,7 @@
               <a:lnSpc>
                 <a:spcPct val="100000"/>
               </a:lnSpc>
+              <a:buNone/>
             </a:pPr>
             <a:r>
               <a:rPr b="0" lang="en-US" sz="4400" spc="-1" strike="noStrike">
@@ -5225,13 +5683,13 @@
         <p:spPr>
           <a:xfrm>
             <a:off x="1143000" y="1295280"/>
-            <a:ext cx="7618680" cy="3275280"/>
-          </a:xfrm>
-          <a:prstGeom prst="rect">
-            <a:avLst/>
-          </a:prstGeom>
-          <a:noFill/>
-          <a:ln>
+            <a:ext cx="7618320" cy="3274920"/>
+          </a:xfrm>
+          <a:prstGeom prst="rect">
+            <a:avLst/>
+          </a:prstGeom>
+          <a:noFill/>
+          <a:ln w="0">
             <a:noFill/>
           </a:ln>
         </p:spPr>
@@ -5242,7 +5700,7 @@
           <a:fontRef idx="minor"/>
         </p:style>
         <p:txBody>
-          <a:bodyPr lIns="90000" rIns="90000" tIns="45000" bIns="45000">
+          <a:bodyPr lIns="90000" rIns="90000" tIns="45000" bIns="45000" anchor="t">
             <a:noAutofit/>
           </a:bodyPr>
           <a:p>
@@ -5337,6 +5795,7 @@
               <a:spcBef>
                 <a:spcPts val="479"/>
               </a:spcBef>
+              <a:buNone/>
             </a:pPr>
             <a:endParaRPr b="0" lang="en-CA" sz="2000" spc="-1" strike="noStrike">
               <a:latin typeface="Arial"/>
@@ -5383,13 +5842,13 @@
         <p:spPr>
           <a:xfrm>
             <a:off x="457200" y="274680"/>
-            <a:ext cx="8228160" cy="1141560"/>
-          </a:xfrm>
-          <a:prstGeom prst="rect">
-            <a:avLst/>
-          </a:prstGeom>
-          <a:noFill/>
-          <a:ln>
+            <a:ext cx="8227800" cy="1141200"/>
+          </a:xfrm>
+          <a:prstGeom prst="rect">
+            <a:avLst/>
+          </a:prstGeom>
+          <a:noFill/>
+          <a:ln w="0">
             <a:noFill/>
           </a:ln>
         </p:spPr>
@@ -5400,7 +5859,7 @@
           <a:fontRef idx="minor"/>
         </p:style>
         <p:txBody>
-          <a:bodyPr lIns="90000" rIns="90000" tIns="45000" bIns="45000">
+          <a:bodyPr lIns="90000" rIns="90000" tIns="45000" bIns="45000" anchor="t">
             <a:noAutofit/>
           </a:bodyPr>
           <a:p>
@@ -5408,6 +5867,7 @@
               <a:lnSpc>
                 <a:spcPct val="100000"/>
               </a:lnSpc>
+              <a:buNone/>
             </a:pPr>
             <a:r>
               <a:rPr b="0" lang="en-US" sz="4400" spc="-1" strike="noStrike">
@@ -5434,13 +5894,13 @@
         <p:spPr>
           <a:xfrm>
             <a:off x="999000" y="1296000"/>
-            <a:ext cx="6775920" cy="3961080"/>
-          </a:xfrm>
-          <a:prstGeom prst="rect">
-            <a:avLst/>
-          </a:prstGeom>
-          <a:noFill/>
-          <a:ln>
+            <a:ext cx="6775560" cy="3960720"/>
+          </a:xfrm>
+          <a:prstGeom prst="rect">
+            <a:avLst/>
+          </a:prstGeom>
+          <a:noFill/>
+          <a:ln w="0">
             <a:noFill/>
           </a:ln>
         </p:spPr>
@@ -5451,7 +5911,7 @@
           <a:fontRef idx="minor"/>
         </p:style>
         <p:txBody>
-          <a:bodyPr lIns="90000" rIns="90000" tIns="45000" bIns="45000">
+          <a:bodyPr lIns="90000" rIns="90000" tIns="45000" bIns="45000" anchor="t">
             <a:noAutofit/>
           </a:bodyPr>
           <a:p>
@@ -5518,6 +5978,7 @@
               <a:spcBef>
                 <a:spcPts val="400"/>
               </a:spcBef>
+              <a:buNone/>
             </a:pPr>
             <a:endParaRPr b="0" lang="en-CA" sz="2000" spc="-1" strike="noStrike">
               <a:latin typeface="Arial"/>
@@ -5564,13 +6025,13 @@
         <p:spPr>
           <a:xfrm>
             <a:off x="457200" y="274680"/>
-            <a:ext cx="8228160" cy="1141560"/>
-          </a:xfrm>
-          <a:prstGeom prst="rect">
-            <a:avLst/>
-          </a:prstGeom>
-          <a:noFill/>
-          <a:ln>
+            <a:ext cx="8227800" cy="1141200"/>
+          </a:xfrm>
+          <a:prstGeom prst="rect">
+            <a:avLst/>
+          </a:prstGeom>
+          <a:noFill/>
+          <a:ln w="0">
             <a:noFill/>
           </a:ln>
         </p:spPr>
@@ -5581,7 +6042,7 @@
           <a:fontRef idx="minor"/>
         </p:style>
         <p:txBody>
-          <a:bodyPr lIns="90000" rIns="90000" tIns="45000" bIns="45000">
+          <a:bodyPr lIns="90000" rIns="90000" tIns="45000" bIns="45000" anchor="t">
             <a:noAutofit/>
           </a:bodyPr>
           <a:p>
@@ -5589,6 +6050,7 @@
               <a:lnSpc>
                 <a:spcPct val="100000"/>
               </a:lnSpc>
+              <a:buNone/>
             </a:pPr>
             <a:r>
               <a:rPr b="0" lang="en-US" sz="4400" spc="-1" strike="noStrike">
@@ -5615,13 +6077,13 @@
         <p:spPr>
           <a:xfrm>
             <a:off x="1143000" y="2016000"/>
-            <a:ext cx="7618680" cy="3240360"/>
-          </a:xfrm>
-          <a:prstGeom prst="rect">
-            <a:avLst/>
-          </a:prstGeom>
-          <a:noFill/>
-          <a:ln>
+            <a:ext cx="7618320" cy="3240000"/>
+          </a:xfrm>
+          <a:prstGeom prst="rect">
+            <a:avLst/>
+          </a:prstGeom>
+          <a:noFill/>
+          <a:ln w="0">
             <a:noFill/>
           </a:ln>
         </p:spPr>
@@ -5632,7 +6094,7 @@
           <a:fontRef idx="minor"/>
         </p:style>
         <p:txBody>
-          <a:bodyPr lIns="90000" rIns="90000" tIns="45000" bIns="45000">
+          <a:bodyPr lIns="90000" rIns="90000" tIns="45000" bIns="45000" anchor="t">
             <a:noAutofit/>
           </a:bodyPr>
           <a:p>
